--- a/docs/_static/image_sources/pipeline.pptx
+++ b/docs/_static/image_sources/pipeline.pptx
@@ -261,7 +261,7 @@
           <a:p>
             <a:fld id="{61D1E574-6A0B-432D-B65B-8E3F95A4F6CE}" type="datetimeFigureOut">
               <a:rPr lang="en-IL" smtClean="0"/>
-              <a:t>09/03/2022</a:t>
+              <a:t>28/03/2022</a:t>
             </a:fld>
             <a:endParaRPr lang="en-IL"/>
           </a:p>
@@ -461,7 +461,7 @@
           <a:p>
             <a:fld id="{61D1E574-6A0B-432D-B65B-8E3F95A4F6CE}" type="datetimeFigureOut">
               <a:rPr lang="en-IL" smtClean="0"/>
-              <a:t>09/03/2022</a:t>
+              <a:t>28/03/2022</a:t>
             </a:fld>
             <a:endParaRPr lang="en-IL"/>
           </a:p>
@@ -671,7 +671,7 @@
           <a:p>
             <a:fld id="{61D1E574-6A0B-432D-B65B-8E3F95A4F6CE}" type="datetimeFigureOut">
               <a:rPr lang="en-IL" smtClean="0"/>
-              <a:t>09/03/2022</a:t>
+              <a:t>28/03/2022</a:t>
             </a:fld>
             <a:endParaRPr lang="en-IL"/>
           </a:p>
@@ -871,7 +871,7 @@
           <a:p>
             <a:fld id="{61D1E574-6A0B-432D-B65B-8E3F95A4F6CE}" type="datetimeFigureOut">
               <a:rPr lang="en-IL" smtClean="0"/>
-              <a:t>09/03/2022</a:t>
+              <a:t>28/03/2022</a:t>
             </a:fld>
             <a:endParaRPr lang="en-IL"/>
           </a:p>
@@ -1147,7 +1147,7 @@
           <a:p>
             <a:fld id="{61D1E574-6A0B-432D-B65B-8E3F95A4F6CE}" type="datetimeFigureOut">
               <a:rPr lang="en-IL" smtClean="0"/>
-              <a:t>09/03/2022</a:t>
+              <a:t>28/03/2022</a:t>
             </a:fld>
             <a:endParaRPr lang="en-IL"/>
           </a:p>
@@ -1415,7 +1415,7 @@
           <a:p>
             <a:fld id="{61D1E574-6A0B-432D-B65B-8E3F95A4F6CE}" type="datetimeFigureOut">
               <a:rPr lang="en-IL" smtClean="0"/>
-              <a:t>09/03/2022</a:t>
+              <a:t>28/03/2022</a:t>
             </a:fld>
             <a:endParaRPr lang="en-IL"/>
           </a:p>
@@ -1830,7 +1830,7 @@
           <a:p>
             <a:fld id="{61D1E574-6A0B-432D-B65B-8E3F95A4F6CE}" type="datetimeFigureOut">
               <a:rPr lang="en-IL" smtClean="0"/>
-              <a:t>09/03/2022</a:t>
+              <a:t>28/03/2022</a:t>
             </a:fld>
             <a:endParaRPr lang="en-IL"/>
           </a:p>
@@ -1972,7 +1972,7 @@
           <a:p>
             <a:fld id="{61D1E574-6A0B-432D-B65B-8E3F95A4F6CE}" type="datetimeFigureOut">
               <a:rPr lang="en-IL" smtClean="0"/>
-              <a:t>09/03/2022</a:t>
+              <a:t>28/03/2022</a:t>
             </a:fld>
             <a:endParaRPr lang="en-IL"/>
           </a:p>
@@ -2085,7 +2085,7 @@
           <a:p>
             <a:fld id="{61D1E574-6A0B-432D-B65B-8E3F95A4F6CE}" type="datetimeFigureOut">
               <a:rPr lang="en-IL" smtClean="0"/>
-              <a:t>09/03/2022</a:t>
+              <a:t>28/03/2022</a:t>
             </a:fld>
             <a:endParaRPr lang="en-IL"/>
           </a:p>
@@ -2398,7 +2398,7 @@
           <a:p>
             <a:fld id="{61D1E574-6A0B-432D-B65B-8E3F95A4F6CE}" type="datetimeFigureOut">
               <a:rPr lang="en-IL" smtClean="0"/>
-              <a:t>09/03/2022</a:t>
+              <a:t>28/03/2022</a:t>
             </a:fld>
             <a:endParaRPr lang="en-IL"/>
           </a:p>
@@ -2687,7 +2687,7 @@
           <a:p>
             <a:fld id="{61D1E574-6A0B-432D-B65B-8E3F95A4F6CE}" type="datetimeFigureOut">
               <a:rPr lang="en-IL" smtClean="0"/>
-              <a:t>09/03/2022</a:t>
+              <a:t>28/03/2022</a:t>
             </a:fld>
             <a:endParaRPr lang="en-IL"/>
           </a:p>
@@ -2930,7 +2930,7 @@
           <a:p>
             <a:fld id="{61D1E574-6A0B-432D-B65B-8E3F95A4F6CE}" type="datetimeFigureOut">
               <a:rPr lang="en-IL" smtClean="0"/>
-              <a:t>09/03/2022</a:t>
+              <a:t>28/03/2022</a:t>
             </a:fld>
             <a:endParaRPr lang="en-IL"/>
           </a:p>
@@ -3349,10 +3349,10 @@
       </p:grpSpPr>
       <p:sp>
         <p:nvSpPr>
-          <p:cNvPr id="2" name="Rectangle 1">
-            <a:extLst>
-              <a:ext uri="{FF2B5EF4-FFF2-40B4-BE49-F238E27FC236}">
-                <a16:creationId xmlns:a16="http://schemas.microsoft.com/office/drawing/2014/main" id="{4F1AFDD6-FDC8-4529-A4B6-D67ACA18109D}"/>
+          <p:cNvPr id="81" name="Rectangle 80">
+            <a:extLst>
+              <a:ext uri="{FF2B5EF4-FFF2-40B4-BE49-F238E27FC236}">
+                <a16:creationId xmlns:a16="http://schemas.microsoft.com/office/drawing/2014/main" id="{E950434C-5D86-497E-BC3F-F6C7FE983679}"/>
               </a:ext>
             </a:extLst>
           </p:cNvPr>
@@ -3361,8 +3361,8 @@
         </p:nvSpPr>
         <p:spPr>
           <a:xfrm>
-            <a:off x="3702230" y="515817"/>
-            <a:ext cx="6760084" cy="6197542"/>
+            <a:off x="2613666" y="3949831"/>
+            <a:ext cx="7136526" cy="1704913"/>
           </a:xfrm>
           <a:prstGeom prst="rect">
             <a:avLst/>
@@ -3372,6 +3372,9 @@
               <a:alpha val="10196"/>
             </a:srgbClr>
           </a:solidFill>
+          <a:ln>
+            <a:noFill/>
+          </a:ln>
         </p:spPr>
         <p:style>
           <a:lnRef idx="2">
@@ -3393,17 +3396,22 @@
           <a:bodyPr rtlCol="0" anchor="ctr"/>
           <a:lstStyle/>
           <a:p>
-            <a:pPr algn="ctr"/>
-            <a:endParaRPr lang="en-IL" dirty="0"/>
-          </a:p>
-        </p:txBody>
-      </p:sp>
-      <p:sp>
-        <p:nvSpPr>
-          <p:cNvPr id="8" name="Flowchart: Magnetic Disk 7">
-            <a:extLst>
-              <a:ext uri="{FF2B5EF4-FFF2-40B4-BE49-F238E27FC236}">
-                <a16:creationId xmlns:a16="http://schemas.microsoft.com/office/drawing/2014/main" id="{107611C7-9F8B-4F5F-954A-F71D2AB516F2}"/>
+            <a:pPr algn="ctr" defTabSz="1371600"/>
+            <a:endParaRPr lang="en-IL" sz="1600">
+              <a:solidFill>
+                <a:prstClr val="white"/>
+              </a:solidFill>
+              <a:latin typeface="Arial"/>
+            </a:endParaRPr>
+          </a:p>
+        </p:txBody>
+      </p:sp>
+      <p:sp>
+        <p:nvSpPr>
+          <p:cNvPr id="82" name="Rectangle 81">
+            <a:extLst>
+              <a:ext uri="{FF2B5EF4-FFF2-40B4-BE49-F238E27FC236}">
+                <a16:creationId xmlns:a16="http://schemas.microsoft.com/office/drawing/2014/main" id="{209615F9-AD8B-4284-B84B-A4DA4CF6ED1B}"/>
               </a:ext>
             </a:extLst>
           </p:cNvPr>
@@ -3412,65 +3420,1320 @@
         </p:nvSpPr>
         <p:spPr>
           <a:xfrm>
-            <a:off x="4529547" y="4239680"/>
-            <a:ext cx="1917175" cy="642767"/>
-          </a:xfrm>
-          <a:prstGeom prst="flowChartMagneticDisk">
+            <a:off x="2613668" y="2410057"/>
+            <a:ext cx="7136526" cy="1235980"/>
+          </a:xfrm>
+          <a:prstGeom prst="rect">
             <a:avLst/>
           </a:prstGeom>
           <a:solidFill>
-            <a:srgbClr val="FFE9C1"/>
+            <a:srgbClr val="FFD077">
+              <a:alpha val="16863"/>
+            </a:srgbClr>
           </a:solidFill>
-          <a:ln w="9525">
+          <a:ln>
+            <a:noFill/>
+          </a:ln>
+        </p:spPr>
+        <p:style>
+          <a:lnRef idx="2">
+            <a:schemeClr val="accent1">
+              <a:shade val="50000"/>
+            </a:schemeClr>
+          </a:lnRef>
+          <a:fillRef idx="1">
+            <a:schemeClr val="accent1"/>
+          </a:fillRef>
+          <a:effectRef idx="0">
+            <a:schemeClr val="accent1"/>
+          </a:effectRef>
+          <a:fontRef idx="minor">
+            <a:schemeClr val="lt1"/>
+          </a:fontRef>
+        </p:style>
+        <p:txBody>
+          <a:bodyPr rtlCol="0" anchor="ctr"/>
+          <a:lstStyle/>
+          <a:p>
+            <a:pPr algn="ctr" defTabSz="1371600"/>
+            <a:endParaRPr lang="en-IL" sz="1600">
+              <a:solidFill>
+                <a:prstClr val="white"/>
+              </a:solidFill>
+              <a:latin typeface="Arial"/>
+            </a:endParaRPr>
+          </a:p>
+        </p:txBody>
+      </p:sp>
+      <p:sp>
+        <p:nvSpPr>
+          <p:cNvPr id="83" name="TextBox 82">
+            <a:extLst>
+              <a:ext uri="{FF2B5EF4-FFF2-40B4-BE49-F238E27FC236}">
+                <a16:creationId xmlns:a16="http://schemas.microsoft.com/office/drawing/2014/main" id="{E234B19B-1E4E-4BFE-9548-7004F6A77E2B}"/>
+              </a:ext>
+            </a:extLst>
+          </p:cNvPr>
+          <p:cNvSpPr txBox="1"/>
+          <p:nvPr/>
+        </p:nvSpPr>
+        <p:spPr>
+          <a:xfrm>
+            <a:off x="2641376" y="5280207"/>
+            <a:ext cx="5033856" cy="338554"/>
+          </a:xfrm>
+          <a:prstGeom prst="rect">
+            <a:avLst/>
+          </a:prstGeom>
+          <a:noFill/>
+        </p:spPr>
+        <p:txBody>
+          <a:bodyPr wrap="square" rtlCol="0">
+            <a:spAutoFit/>
+          </a:bodyPr>
+          <a:lstStyle/>
+          <a:p>
+            <a:pPr>
+              <a:defRPr/>
+            </a:pPr>
+            <a:r>
+              <a:rPr lang="en-US" sz="1600" b="1" dirty="0">
+                <a:solidFill>
+                  <a:schemeClr val="tx1">
+                    <a:lumMod val="75000"/>
+                    <a:lumOff val="25000"/>
+                  </a:schemeClr>
+                </a:solidFill>
+                <a:latin typeface="Arial"/>
+              </a:rPr>
+              <a:t>Production Pipeline (</a:t>
+            </a:r>
+            <a:r>
+              <a:rPr lang="en-US" sz="1600" b="1" dirty="0" err="1">
+                <a:solidFill>
+                  <a:schemeClr val="tx1">
+                    <a:lumMod val="75000"/>
+                    <a:lumOff val="25000"/>
+                  </a:schemeClr>
+                </a:solidFill>
+                <a:latin typeface="Arial"/>
+              </a:rPr>
+              <a:t>MLOps</a:t>
+            </a:r>
+            <a:r>
+              <a:rPr lang="en-US" sz="1600" b="1" dirty="0">
+                <a:solidFill>
+                  <a:schemeClr val="tx1">
+                    <a:lumMod val="75000"/>
+                    <a:lumOff val="25000"/>
+                  </a:schemeClr>
+                </a:solidFill>
+                <a:latin typeface="Arial"/>
+              </a:rPr>
+              <a:t>)</a:t>
+            </a:r>
+          </a:p>
+        </p:txBody>
+      </p:sp>
+      <p:sp>
+        <p:nvSpPr>
+          <p:cNvPr id="84" name="TextBox 83">
+            <a:extLst>
+              <a:ext uri="{FF2B5EF4-FFF2-40B4-BE49-F238E27FC236}">
+                <a16:creationId xmlns:a16="http://schemas.microsoft.com/office/drawing/2014/main" id="{5D6F891C-3D5A-4248-844F-0E9D6A0DE89E}"/>
+              </a:ext>
+            </a:extLst>
+          </p:cNvPr>
+          <p:cNvSpPr txBox="1"/>
+          <p:nvPr/>
+        </p:nvSpPr>
+        <p:spPr>
+          <a:xfrm>
+            <a:off x="2641376" y="2454894"/>
+            <a:ext cx="6114697" cy="338554"/>
+          </a:xfrm>
+          <a:prstGeom prst="rect">
+            <a:avLst/>
+          </a:prstGeom>
+          <a:noFill/>
+        </p:spPr>
+        <p:txBody>
+          <a:bodyPr wrap="square" rtlCol="0">
+            <a:spAutoFit/>
+          </a:bodyPr>
+          <a:lstStyle/>
+          <a:p>
+            <a:pPr>
+              <a:defRPr/>
+            </a:pPr>
+            <a:r>
+              <a:rPr lang="en-US" sz="1600" b="1" dirty="0">
+                <a:solidFill>
+                  <a:schemeClr val="tx1">
+                    <a:lumMod val="75000"/>
+                    <a:lumOff val="25000"/>
+                  </a:schemeClr>
+                </a:solidFill>
+                <a:latin typeface="Arial"/>
+              </a:rPr>
+              <a:t>Development &amp; Analysis Tools</a:t>
+            </a:r>
+            <a:endParaRPr lang="en-US" sz="1600" dirty="0">
+              <a:solidFill>
+                <a:schemeClr val="tx1">
+                  <a:lumMod val="75000"/>
+                  <a:lumOff val="25000"/>
+                </a:schemeClr>
+              </a:solidFill>
+              <a:latin typeface="Arial"/>
+            </a:endParaRPr>
+          </a:p>
+        </p:txBody>
+      </p:sp>
+      <p:grpSp>
+        <p:nvGrpSpPr>
+          <p:cNvPr id="85" name="Group 84">
+            <a:extLst>
+              <a:ext uri="{FF2B5EF4-FFF2-40B4-BE49-F238E27FC236}">
+                <a16:creationId xmlns:a16="http://schemas.microsoft.com/office/drawing/2014/main" id="{F66073C7-C99A-4308-BA55-6B7677722909}"/>
+              </a:ext>
+            </a:extLst>
+          </p:cNvPr>
+          <p:cNvGrpSpPr/>
+          <p:nvPr/>
+        </p:nvGrpSpPr>
+        <p:grpSpPr>
+          <a:xfrm>
+            <a:off x="3081961" y="1734485"/>
+            <a:ext cx="1417097" cy="671475"/>
+            <a:chOff x="4623433" y="3175383"/>
+            <a:chExt cx="2125646" cy="1007212"/>
+          </a:xfrm>
+        </p:grpSpPr>
+        <p:sp>
+          <p:nvSpPr>
+            <p:cNvPr id="86" name="TextBox 85">
+              <a:extLst>
+                <a:ext uri="{FF2B5EF4-FFF2-40B4-BE49-F238E27FC236}">
+                  <a16:creationId xmlns:a16="http://schemas.microsoft.com/office/drawing/2014/main" id="{4C1312E1-CD1B-4BCB-BAC6-2487B95188D9}"/>
+                </a:ext>
+              </a:extLst>
+            </p:cNvPr>
+            <p:cNvSpPr txBox="1"/>
+            <p:nvPr/>
+          </p:nvSpPr>
+          <p:spPr>
+            <a:xfrm>
+              <a:off x="5459736" y="3551461"/>
+              <a:ext cx="1289343" cy="631134"/>
+            </a:xfrm>
+            <a:prstGeom prst="rect">
+              <a:avLst/>
+            </a:prstGeom>
+            <a:noFill/>
+          </p:spPr>
+          <p:txBody>
+            <a:bodyPr wrap="square" rtlCol="0">
+              <a:spAutoFit/>
+            </a:bodyPr>
+            <a:lstStyle/>
+            <a:p>
+              <a:pPr>
+                <a:defRPr/>
+              </a:pPr>
+              <a:r>
+                <a:rPr lang="en-US" sz="1067" dirty="0">
+                  <a:solidFill>
+                    <a:srgbClr val="25225E"/>
+                  </a:solidFill>
+                  <a:latin typeface="Arial"/>
+                </a:rPr>
+                <a:t>Data Engineer</a:t>
+              </a:r>
+            </a:p>
+          </p:txBody>
+        </p:sp>
+        <p:pic>
+          <p:nvPicPr>
+            <p:cNvPr id="87" name="Graphic 86">
+              <a:extLst>
+                <a:ext uri="{FF2B5EF4-FFF2-40B4-BE49-F238E27FC236}">
+                  <a16:creationId xmlns:a16="http://schemas.microsoft.com/office/drawing/2014/main" id="{446E9D56-D000-428C-867F-CFC4B9C8DAA2}"/>
+                </a:ext>
+              </a:extLst>
+            </p:cNvPr>
+            <p:cNvPicPr>
+              <a:picLocks noChangeAspect="1"/>
+            </p:cNvPicPr>
+            <p:nvPr/>
+          </p:nvPicPr>
+          <p:blipFill>
+            <a:blip r:embed="rId2">
+              <a:extLst>
+                <a:ext uri="{28A0092B-C50C-407E-A947-70E740481C1C}">
+                  <a14:useLocalDpi xmlns:a14="http://schemas.microsoft.com/office/drawing/2010/main" val="0"/>
+                </a:ext>
+                <a:ext uri="{96DAC541-7B7A-43D3-8B79-37D633B846F1}">
+                  <asvg:svgBlip xmlns:asvg="http://schemas.microsoft.com/office/drawing/2016/SVG/main" r:embed="rId3"/>
+                </a:ext>
+              </a:extLst>
+            </a:blip>
+            <a:stretch>
+              <a:fillRect/>
+            </a:stretch>
+          </p:blipFill>
+          <p:spPr>
+            <a:xfrm>
+              <a:off x="4623433" y="3186733"/>
+              <a:ext cx="825500" cy="876300"/>
+            </a:xfrm>
+            <a:prstGeom prst="rect">
+              <a:avLst/>
+            </a:prstGeom>
+          </p:spPr>
+        </p:pic>
+        <p:pic>
+          <p:nvPicPr>
+            <p:cNvPr id="88" name="Graphic 87">
+              <a:extLst>
+                <a:ext uri="{FF2B5EF4-FFF2-40B4-BE49-F238E27FC236}">
+                  <a16:creationId xmlns:a16="http://schemas.microsoft.com/office/drawing/2014/main" id="{BF769B32-6D12-4CB3-A76C-B73F918DE55D}"/>
+                </a:ext>
+              </a:extLst>
+            </p:cNvPr>
+            <p:cNvPicPr>
+              <a:picLocks noChangeAspect="1"/>
+            </p:cNvPicPr>
+            <p:nvPr/>
+          </p:nvPicPr>
+          <p:blipFill>
+            <a:blip r:embed="rId4">
+              <a:extLst>
+                <a:ext uri="{28A0092B-C50C-407E-A947-70E740481C1C}">
+                  <a14:useLocalDpi xmlns:a14="http://schemas.microsoft.com/office/drawing/2010/main" val="0"/>
+                </a:ext>
+                <a:ext uri="{96DAC541-7B7A-43D3-8B79-37D633B846F1}">
+                  <asvg:svgBlip xmlns:asvg="http://schemas.microsoft.com/office/drawing/2016/SVG/main" r:embed="rId5"/>
+                </a:ext>
+              </a:extLst>
+            </a:blip>
+            <a:stretch>
+              <a:fillRect/>
+            </a:stretch>
+          </p:blipFill>
+          <p:spPr>
+            <a:xfrm>
+              <a:off x="5548102" y="3175383"/>
+              <a:ext cx="304800" cy="355600"/>
+            </a:xfrm>
+            <a:prstGeom prst="rect">
+              <a:avLst/>
+            </a:prstGeom>
+          </p:spPr>
+        </p:pic>
+      </p:grpSp>
+      <p:grpSp>
+        <p:nvGrpSpPr>
+          <p:cNvPr id="89" name="Group 88">
+            <a:extLst>
+              <a:ext uri="{FF2B5EF4-FFF2-40B4-BE49-F238E27FC236}">
+                <a16:creationId xmlns:a16="http://schemas.microsoft.com/office/drawing/2014/main" id="{C58AFF81-C941-45B7-A84A-BE2B06ADF538}"/>
+              </a:ext>
+            </a:extLst>
+          </p:cNvPr>
+          <p:cNvGrpSpPr/>
+          <p:nvPr/>
+        </p:nvGrpSpPr>
+        <p:grpSpPr>
+          <a:xfrm>
+            <a:off x="5656295" y="1699609"/>
+            <a:ext cx="1443763" cy="706350"/>
+            <a:chOff x="7172631" y="3123071"/>
+            <a:chExt cx="2165644" cy="1059525"/>
+          </a:xfrm>
+        </p:grpSpPr>
+        <p:sp>
+          <p:nvSpPr>
+            <p:cNvPr id="90" name="TextBox 89">
+              <a:extLst>
+                <a:ext uri="{FF2B5EF4-FFF2-40B4-BE49-F238E27FC236}">
+                  <a16:creationId xmlns:a16="http://schemas.microsoft.com/office/drawing/2014/main" id="{8D02B465-748C-4849-944A-98C5ACDED7A3}"/>
+                </a:ext>
+              </a:extLst>
+            </p:cNvPr>
+            <p:cNvSpPr txBox="1"/>
+            <p:nvPr/>
+          </p:nvSpPr>
+          <p:spPr>
+            <a:xfrm>
+              <a:off x="8048931" y="3551462"/>
+              <a:ext cx="1289344" cy="631134"/>
+            </a:xfrm>
+            <a:prstGeom prst="rect">
+              <a:avLst/>
+            </a:prstGeom>
+            <a:noFill/>
+          </p:spPr>
+          <p:txBody>
+            <a:bodyPr wrap="square" rtlCol="0">
+              <a:spAutoFit/>
+            </a:bodyPr>
+            <a:lstStyle/>
+            <a:p>
+              <a:pPr>
+                <a:defRPr/>
+              </a:pPr>
+              <a:r>
+                <a:rPr lang="en-US" sz="1067" dirty="0">
+                  <a:solidFill>
+                    <a:srgbClr val="25225E"/>
+                  </a:solidFill>
+                  <a:latin typeface="Arial"/>
+                </a:rPr>
+                <a:t>Data Scientist</a:t>
+              </a:r>
+            </a:p>
+          </p:txBody>
+        </p:sp>
+        <p:pic>
+          <p:nvPicPr>
+            <p:cNvPr id="91" name="Graphic 90">
+              <a:extLst>
+                <a:ext uri="{FF2B5EF4-FFF2-40B4-BE49-F238E27FC236}">
+                  <a16:creationId xmlns:a16="http://schemas.microsoft.com/office/drawing/2014/main" id="{1AA924FE-458D-47F0-950D-7AE5AAC113C7}"/>
+                </a:ext>
+              </a:extLst>
+            </p:cNvPr>
+            <p:cNvPicPr>
+              <a:picLocks noChangeAspect="1"/>
+            </p:cNvPicPr>
+            <p:nvPr/>
+          </p:nvPicPr>
+          <p:blipFill>
+            <a:blip r:embed="rId6">
+              <a:extLst>
+                <a:ext uri="{28A0092B-C50C-407E-A947-70E740481C1C}">
+                  <a14:useLocalDpi xmlns:a14="http://schemas.microsoft.com/office/drawing/2010/main" val="0"/>
+                </a:ext>
+                <a:ext uri="{96DAC541-7B7A-43D3-8B79-37D633B846F1}">
+                  <asvg:svgBlip xmlns:asvg="http://schemas.microsoft.com/office/drawing/2016/SVG/main" r:embed="rId7"/>
+                </a:ext>
+              </a:extLst>
+            </a:blip>
+            <a:stretch>
+              <a:fillRect/>
+            </a:stretch>
+          </p:blipFill>
+          <p:spPr>
+            <a:xfrm>
+              <a:off x="7172631" y="3186733"/>
+              <a:ext cx="876300" cy="876300"/>
+            </a:xfrm>
+            <a:prstGeom prst="rect">
+              <a:avLst/>
+            </a:prstGeom>
+          </p:spPr>
+        </p:pic>
+        <p:pic>
+          <p:nvPicPr>
+            <p:cNvPr id="92" name="Graphic 91">
+              <a:extLst>
+                <a:ext uri="{FF2B5EF4-FFF2-40B4-BE49-F238E27FC236}">
+                  <a16:creationId xmlns:a16="http://schemas.microsoft.com/office/drawing/2014/main" id="{52D4746B-007E-46F2-8F07-68FAB6645B1B}"/>
+                </a:ext>
+              </a:extLst>
+            </p:cNvPr>
+            <p:cNvPicPr>
+              <a:picLocks noChangeAspect="1"/>
+            </p:cNvPicPr>
+            <p:nvPr/>
+          </p:nvPicPr>
+          <p:blipFill>
+            <a:blip r:embed="rId8">
+              <a:extLst>
+                <a:ext uri="{28A0092B-C50C-407E-A947-70E740481C1C}">
+                  <a14:useLocalDpi xmlns:a14="http://schemas.microsoft.com/office/drawing/2010/main" val="0"/>
+                </a:ext>
+                <a:ext uri="{96DAC541-7B7A-43D3-8B79-37D633B846F1}">
+                  <asvg:svgBlip xmlns:asvg="http://schemas.microsoft.com/office/drawing/2016/SVG/main" r:embed="rId9"/>
+                </a:ext>
+              </a:extLst>
+            </a:blip>
+            <a:stretch>
+              <a:fillRect/>
+            </a:stretch>
+          </p:blipFill>
+          <p:spPr>
+            <a:xfrm>
+              <a:off x="7989855" y="3123071"/>
+              <a:ext cx="431800" cy="444500"/>
+            </a:xfrm>
+            <a:prstGeom prst="rect">
+              <a:avLst/>
+            </a:prstGeom>
+          </p:spPr>
+        </p:pic>
+      </p:grpSp>
+      <p:grpSp>
+        <p:nvGrpSpPr>
+          <p:cNvPr id="93" name="Group 92">
+            <a:extLst>
+              <a:ext uri="{FF2B5EF4-FFF2-40B4-BE49-F238E27FC236}">
+                <a16:creationId xmlns:a16="http://schemas.microsoft.com/office/drawing/2014/main" id="{4550E6D8-35DF-40A7-AA98-E23B69403D2A}"/>
+              </a:ext>
+            </a:extLst>
+          </p:cNvPr>
+          <p:cNvGrpSpPr/>
+          <p:nvPr/>
+        </p:nvGrpSpPr>
+        <p:grpSpPr>
+          <a:xfrm>
+            <a:off x="7947999" y="1742049"/>
+            <a:ext cx="1443763" cy="663909"/>
+            <a:chOff x="9838829" y="3186733"/>
+            <a:chExt cx="2165644" cy="995865"/>
+          </a:xfrm>
+        </p:grpSpPr>
+        <p:sp>
+          <p:nvSpPr>
+            <p:cNvPr id="94" name="TextBox 93">
+              <a:extLst>
+                <a:ext uri="{FF2B5EF4-FFF2-40B4-BE49-F238E27FC236}">
+                  <a16:creationId xmlns:a16="http://schemas.microsoft.com/office/drawing/2014/main" id="{536744DC-44DE-433A-8658-1E4758F8AD7B}"/>
+                </a:ext>
+              </a:extLst>
+            </p:cNvPr>
+            <p:cNvSpPr txBox="1"/>
+            <p:nvPr/>
+          </p:nvSpPr>
+          <p:spPr>
+            <a:xfrm>
+              <a:off x="10715129" y="3551463"/>
+              <a:ext cx="1289344" cy="631135"/>
+            </a:xfrm>
+            <a:prstGeom prst="rect">
+              <a:avLst/>
+            </a:prstGeom>
+            <a:noFill/>
+          </p:spPr>
+          <p:txBody>
+            <a:bodyPr wrap="square" rtlCol="0">
+              <a:spAutoFit/>
+            </a:bodyPr>
+            <a:lstStyle/>
+            <a:p>
+              <a:pPr>
+                <a:defRPr/>
+              </a:pPr>
+              <a:r>
+                <a:rPr lang="en-US" sz="1067" dirty="0" err="1">
+                  <a:solidFill>
+                    <a:srgbClr val="25225E"/>
+                  </a:solidFill>
+                  <a:latin typeface="Arial"/>
+                </a:rPr>
+                <a:t>MLOps</a:t>
+              </a:r>
+              <a:r>
+                <a:rPr lang="en-US" sz="1067" dirty="0">
+                  <a:solidFill>
+                    <a:srgbClr val="25225E"/>
+                  </a:solidFill>
+                  <a:latin typeface="Arial"/>
+                </a:rPr>
+                <a:t> Engineer</a:t>
+              </a:r>
+            </a:p>
+          </p:txBody>
+        </p:sp>
+        <p:pic>
+          <p:nvPicPr>
+            <p:cNvPr id="95" name="Graphic 94">
+              <a:extLst>
+                <a:ext uri="{FF2B5EF4-FFF2-40B4-BE49-F238E27FC236}">
+                  <a16:creationId xmlns:a16="http://schemas.microsoft.com/office/drawing/2014/main" id="{0BCF4A5B-F9AD-4287-8EA5-9E5969F7C4FE}"/>
+                </a:ext>
+              </a:extLst>
+            </p:cNvPr>
+            <p:cNvPicPr>
+              <a:picLocks noChangeAspect="1"/>
+            </p:cNvPicPr>
+            <p:nvPr/>
+          </p:nvPicPr>
+          <p:blipFill>
+            <a:blip r:embed="rId10">
+              <a:extLst>
+                <a:ext uri="{28A0092B-C50C-407E-A947-70E740481C1C}">
+                  <a14:useLocalDpi xmlns:a14="http://schemas.microsoft.com/office/drawing/2010/main" val="0"/>
+                </a:ext>
+                <a:ext uri="{96DAC541-7B7A-43D3-8B79-37D633B846F1}">
+                  <asvg:svgBlip xmlns:asvg="http://schemas.microsoft.com/office/drawing/2016/SVG/main" r:embed="rId11"/>
+                </a:ext>
+              </a:extLst>
+            </a:blip>
+            <a:stretch>
+              <a:fillRect/>
+            </a:stretch>
+          </p:blipFill>
+          <p:spPr>
+            <a:xfrm>
+              <a:off x="9838829" y="3186733"/>
+              <a:ext cx="876300" cy="876300"/>
+            </a:xfrm>
+            <a:prstGeom prst="rect">
+              <a:avLst/>
+            </a:prstGeom>
+          </p:spPr>
+        </p:pic>
+        <p:pic>
+          <p:nvPicPr>
+            <p:cNvPr id="96" name="Graphic 95">
+              <a:extLst>
+                <a:ext uri="{FF2B5EF4-FFF2-40B4-BE49-F238E27FC236}">
+                  <a16:creationId xmlns:a16="http://schemas.microsoft.com/office/drawing/2014/main" id="{696FB4AB-F761-4984-A4F4-51D577D4E01B}"/>
+                </a:ext>
+              </a:extLst>
+            </p:cNvPr>
+            <p:cNvPicPr>
+              <a:picLocks noChangeAspect="1"/>
+            </p:cNvPicPr>
+            <p:nvPr/>
+          </p:nvPicPr>
+          <p:blipFill>
+            <a:blip r:embed="rId12">
+              <a:extLst>
+                <a:ext uri="{28A0092B-C50C-407E-A947-70E740481C1C}">
+                  <a14:useLocalDpi xmlns:a14="http://schemas.microsoft.com/office/drawing/2010/main" val="0"/>
+                </a:ext>
+                <a:ext uri="{96DAC541-7B7A-43D3-8B79-37D633B846F1}">
+                  <asvg:svgBlip xmlns:asvg="http://schemas.microsoft.com/office/drawing/2016/SVG/main" r:embed="rId13"/>
+                </a:ext>
+              </a:extLst>
+            </a:blip>
+            <a:stretch>
+              <a:fillRect/>
+            </a:stretch>
+          </p:blipFill>
+          <p:spPr>
+            <a:xfrm>
+              <a:off x="10762901" y="3236532"/>
+              <a:ext cx="596900" cy="266700"/>
+            </a:xfrm>
+            <a:prstGeom prst="rect">
+              <a:avLst/>
+            </a:prstGeom>
+          </p:spPr>
+        </p:pic>
+      </p:grpSp>
+      <p:sp>
+        <p:nvSpPr>
+          <p:cNvPr id="97" name="Rectangle: Rounded Corners 96">
+            <a:extLst>
+              <a:ext uri="{FF2B5EF4-FFF2-40B4-BE49-F238E27FC236}">
+                <a16:creationId xmlns:a16="http://schemas.microsoft.com/office/drawing/2014/main" id="{4F052912-ED04-4ECD-A92A-33676AF4C53A}"/>
+              </a:ext>
+            </a:extLst>
+          </p:cNvPr>
+          <p:cNvSpPr/>
+          <p:nvPr/>
+        </p:nvSpPr>
+        <p:spPr>
+          <a:xfrm>
+            <a:off x="2778928" y="4091938"/>
+            <a:ext cx="1651671" cy="644512"/>
+          </a:xfrm>
+          <a:prstGeom prst="roundRect">
+            <a:avLst>
+              <a:gd name="adj" fmla="val 9618"/>
+            </a:avLst>
+          </a:prstGeom>
+          <a:solidFill>
+            <a:srgbClr val="7793FF">
+              <a:alpha val="20000"/>
+            </a:srgbClr>
+          </a:solidFill>
+          <a:ln>
+            <a:noFill/>
+          </a:ln>
+        </p:spPr>
+        <p:style>
+          <a:lnRef idx="0">
+            <a:scrgbClr r="0" g="0" b="0"/>
+          </a:lnRef>
+          <a:fillRef idx="0">
+            <a:scrgbClr r="0" g="0" b="0"/>
+          </a:fillRef>
+          <a:effectRef idx="0">
+            <a:scrgbClr r="0" g="0" b="0"/>
+          </a:effectRef>
+          <a:fontRef idx="minor">
+            <a:schemeClr val="lt1"/>
+          </a:fontRef>
+        </p:style>
+        <p:txBody>
+          <a:bodyPr rtlCol="0" anchor="ctr"/>
+          <a:lstStyle/>
+          <a:p>
+            <a:pPr algn="ctr"/>
+            <a:r>
+              <a:rPr lang="en-US" sz="1200" dirty="0">
+                <a:solidFill>
+                  <a:schemeClr val="tx1">
+                    <a:lumMod val="75000"/>
+                    <a:lumOff val="25000"/>
+                  </a:schemeClr>
+                </a:solidFill>
+              </a:rPr>
+              <a:t>Online &amp; Offline </a:t>
+            </a:r>
+          </a:p>
+          <a:p>
+            <a:pPr algn="ctr"/>
+            <a:r>
+              <a:rPr lang="en-US" sz="1200" dirty="0">
+                <a:solidFill>
+                  <a:schemeClr val="tx1">
+                    <a:lumMod val="75000"/>
+                    <a:lumOff val="25000"/>
+                  </a:schemeClr>
+                </a:solidFill>
+              </a:rPr>
+              <a:t>Feature Store</a:t>
+            </a:r>
+          </a:p>
+          <a:p>
+            <a:pPr algn="ctr"/>
+            <a:r>
+              <a:rPr lang="en-US" sz="1067" dirty="0">
+                <a:solidFill>
+                  <a:srgbClr val="0070C0"/>
+                </a:solidFill>
+              </a:rPr>
+              <a:t>Ingest, Prepare, Serve</a:t>
+            </a:r>
+          </a:p>
+        </p:txBody>
+      </p:sp>
+      <p:sp>
+        <p:nvSpPr>
+          <p:cNvPr id="98" name="Rectangle: Rounded Corners 97">
+            <a:extLst>
+              <a:ext uri="{FF2B5EF4-FFF2-40B4-BE49-F238E27FC236}">
+                <a16:creationId xmlns:a16="http://schemas.microsoft.com/office/drawing/2014/main" id="{4B8BF414-01BD-4CC2-8C4E-9929A459CC92}"/>
+              </a:ext>
+            </a:extLst>
+          </p:cNvPr>
+          <p:cNvSpPr/>
+          <p:nvPr/>
+        </p:nvSpPr>
+        <p:spPr>
+          <a:xfrm>
+            <a:off x="6852264" y="4091938"/>
+            <a:ext cx="1037175" cy="634344"/>
+          </a:xfrm>
+          <a:prstGeom prst="roundRect">
+            <a:avLst/>
+          </a:prstGeom>
+          <a:solidFill>
+            <a:srgbClr val="FF75BF">
+              <a:alpha val="30196"/>
+            </a:srgbClr>
+          </a:solidFill>
+          <a:ln>
+            <a:noFill/>
+          </a:ln>
+        </p:spPr>
+        <p:style>
+          <a:lnRef idx="0">
+            <a:scrgbClr r="0" g="0" b="0"/>
+          </a:lnRef>
+          <a:fillRef idx="0">
+            <a:scrgbClr r="0" g="0" b="0"/>
+          </a:fillRef>
+          <a:effectRef idx="0">
+            <a:scrgbClr r="0" g="0" b="0"/>
+          </a:effectRef>
+          <a:fontRef idx="minor">
+            <a:schemeClr val="lt1"/>
+          </a:fontRef>
+        </p:style>
+        <p:txBody>
+          <a:bodyPr rtlCol="0" anchor="ctr"/>
+          <a:lstStyle/>
+          <a:p>
+            <a:pPr algn="ctr"/>
+            <a:r>
+              <a:rPr lang="en-US" sz="1100" dirty="0">
+                <a:solidFill>
+                  <a:schemeClr val="tx1">
+                    <a:lumMod val="75000"/>
+                    <a:lumOff val="25000"/>
+                  </a:schemeClr>
+                </a:solidFill>
+              </a:rPr>
+              <a:t>Real-time Serving/App</a:t>
+            </a:r>
+          </a:p>
+          <a:p>
+            <a:pPr algn="ctr"/>
+            <a:r>
+              <a:rPr lang="en-US" sz="1100" dirty="0">
+                <a:solidFill>
+                  <a:schemeClr val="tx1">
+                    <a:lumMod val="75000"/>
+                    <a:lumOff val="25000"/>
+                  </a:schemeClr>
+                </a:solidFill>
+              </a:rPr>
+              <a:t>Pipelines</a:t>
+            </a:r>
+          </a:p>
+        </p:txBody>
+      </p:sp>
+      <p:sp>
+        <p:nvSpPr>
+          <p:cNvPr id="99" name="Rectangle: Rounded Corners 98">
+            <a:extLst>
+              <a:ext uri="{FF2B5EF4-FFF2-40B4-BE49-F238E27FC236}">
+                <a16:creationId xmlns:a16="http://schemas.microsoft.com/office/drawing/2014/main" id="{1F8A3341-A3DC-4770-B744-123E410274B5}"/>
+              </a:ext>
+            </a:extLst>
+          </p:cNvPr>
+          <p:cNvSpPr/>
+          <p:nvPr/>
+        </p:nvSpPr>
+        <p:spPr>
+          <a:xfrm>
+            <a:off x="7994577" y="4845711"/>
+            <a:ext cx="1115613" cy="610629"/>
+          </a:xfrm>
+          <a:prstGeom prst="roundRect">
+            <a:avLst/>
+          </a:prstGeom>
+          <a:solidFill>
+            <a:srgbClr val="CC66FF">
+              <a:alpha val="30196"/>
+            </a:srgbClr>
+          </a:solidFill>
+          <a:ln>
+            <a:noFill/>
+          </a:ln>
+        </p:spPr>
+        <p:style>
+          <a:lnRef idx="0">
+            <a:scrgbClr r="0" g="0" b="0"/>
+          </a:lnRef>
+          <a:fillRef idx="0">
+            <a:scrgbClr r="0" g="0" b="0"/>
+          </a:fillRef>
+          <a:effectRef idx="0">
+            <a:scrgbClr r="0" g="0" b="0"/>
+          </a:effectRef>
+          <a:fontRef idx="minor">
+            <a:schemeClr val="lt1"/>
+          </a:fontRef>
+        </p:style>
+        <p:txBody>
+          <a:bodyPr rtlCol="0" anchor="ctr"/>
+          <a:lstStyle/>
+          <a:p>
+            <a:pPr algn="ctr"/>
+            <a:r>
+              <a:rPr lang="en-US" sz="1100" dirty="0">
+                <a:solidFill>
+                  <a:schemeClr val="tx1">
+                    <a:lumMod val="75000"/>
+                    <a:lumOff val="25000"/>
+                  </a:schemeClr>
+                </a:solidFill>
+              </a:rPr>
+              <a:t>Real-time</a:t>
+            </a:r>
+          </a:p>
+          <a:p>
+            <a:pPr algn="ctr"/>
+            <a:r>
+              <a:rPr lang="en-US" sz="1100" dirty="0">
+                <a:solidFill>
+                  <a:schemeClr val="tx1">
+                    <a:lumMod val="75000"/>
+                    <a:lumOff val="25000"/>
+                  </a:schemeClr>
+                </a:solidFill>
+              </a:rPr>
+              <a:t>Data &amp; Model Monitoring</a:t>
+            </a:r>
+          </a:p>
+        </p:txBody>
+      </p:sp>
+      <p:sp>
+        <p:nvSpPr>
+          <p:cNvPr id="100" name="TextBox 99">
+            <a:extLst>
+              <a:ext uri="{FF2B5EF4-FFF2-40B4-BE49-F238E27FC236}">
+                <a16:creationId xmlns:a16="http://schemas.microsoft.com/office/drawing/2014/main" id="{506A29B4-10EB-4798-8C7C-83AB183CA2F6}"/>
+              </a:ext>
+            </a:extLst>
+          </p:cNvPr>
+          <p:cNvSpPr txBox="1"/>
+          <p:nvPr/>
+        </p:nvSpPr>
+        <p:spPr>
+          <a:xfrm>
+            <a:off x="6404959" y="5022844"/>
+            <a:ext cx="1285209" cy="256545"/>
+          </a:xfrm>
+          <a:prstGeom prst="rect">
+            <a:avLst/>
+          </a:prstGeom>
+          <a:noFill/>
+        </p:spPr>
+        <p:txBody>
+          <a:bodyPr wrap="square" rtlCol="0">
+            <a:spAutoFit/>
+          </a:bodyPr>
+          <a:lstStyle/>
+          <a:p>
+            <a:pPr algn="ctr">
+              <a:defRPr/>
+            </a:pPr>
+            <a:r>
+              <a:rPr lang="en-US" sz="1067" dirty="0">
+                <a:solidFill>
+                  <a:schemeClr val="accent6">
+                    <a:lumMod val="75000"/>
+                  </a:schemeClr>
+                </a:solidFill>
+                <a:latin typeface="Arial"/>
+              </a:rPr>
+              <a:t>Feedback</a:t>
+            </a:r>
+          </a:p>
+        </p:txBody>
+      </p:sp>
+      <p:sp>
+        <p:nvSpPr>
+          <p:cNvPr id="101" name="Rectangle: Rounded Corners 100">
+            <a:extLst>
+              <a:ext uri="{FF2B5EF4-FFF2-40B4-BE49-F238E27FC236}">
+                <a16:creationId xmlns:a16="http://schemas.microsoft.com/office/drawing/2014/main" id="{B0366F82-4A15-45BC-A6F5-1D0C11FF4AB9}"/>
+              </a:ext>
+            </a:extLst>
+          </p:cNvPr>
+          <p:cNvSpPr/>
+          <p:nvPr/>
+        </p:nvSpPr>
+        <p:spPr>
+          <a:xfrm>
+            <a:off x="2893738" y="2853093"/>
+            <a:ext cx="1027648" cy="604137"/>
+          </a:xfrm>
+          <a:prstGeom prst="roundRect">
+            <a:avLst/>
+          </a:prstGeom>
+          <a:ln w="19050">
             <a:solidFill>
-              <a:schemeClr val="tx2"/>
+              <a:srgbClr val="FFD077"/>
             </a:solidFill>
           </a:ln>
         </p:spPr>
         <p:style>
-          <a:lnRef idx="1">
-            <a:schemeClr val="accent2"/>
+          <a:lnRef idx="2">
+            <a:schemeClr val="accent1"/>
           </a:lnRef>
-          <a:fillRef idx="2">
-            <a:schemeClr val="accent2"/>
+          <a:fillRef idx="1">
+            <a:schemeClr val="lt1"/>
           </a:fillRef>
-          <a:effectRef idx="1">
-            <a:schemeClr val="accent2"/>
+          <a:effectRef idx="0">
+            <a:schemeClr val="accent1"/>
           </a:effectRef>
           <a:fontRef idx="minor">
             <a:schemeClr val="dk1"/>
           </a:fontRef>
         </p:style>
         <p:txBody>
-          <a:bodyPr rtlCol="0" anchor="ctr"/>
-          <a:lstStyle/>
-          <a:p>
-            <a:pPr algn="ctr" defTabSz="1219058" eaLnBrk="0" fontAlgn="base" hangingPunct="0">
-              <a:spcBef>
-                <a:spcPct val="0"/>
-              </a:spcBef>
-              <a:spcAft>
-                <a:spcPct val="0"/>
-              </a:spcAft>
+          <a:bodyPr wrap="square" lIns="18000" tIns="24000" rIns="18000" bIns="24000" rtlCol="0" anchor="ctr"/>
+          <a:lstStyle/>
+          <a:p>
+            <a:pPr algn="ctr">
               <a:defRPr/>
             </a:pPr>
-            <a:endParaRPr lang="LID4096" sz="1600" dirty="0">
+            <a:r>
+              <a:rPr lang="en-US" sz="1067" dirty="0">
+                <a:solidFill>
+                  <a:srgbClr val="25225E"/>
+                </a:solidFill>
+                <a:latin typeface="Arial"/>
+              </a:rPr>
+              <a:t>BI &amp; Data Exploration</a:t>
+            </a:r>
+          </a:p>
+        </p:txBody>
+      </p:sp>
+      <p:sp>
+        <p:nvSpPr>
+          <p:cNvPr id="102" name="Rectangle: Rounded Corners 101">
+            <a:extLst>
+              <a:ext uri="{FF2B5EF4-FFF2-40B4-BE49-F238E27FC236}">
+                <a16:creationId xmlns:a16="http://schemas.microsoft.com/office/drawing/2014/main" id="{5C6179DE-D354-4269-B0A4-10F3A8733E74}"/>
+              </a:ext>
+            </a:extLst>
+          </p:cNvPr>
+          <p:cNvSpPr/>
+          <p:nvPr/>
+        </p:nvSpPr>
+        <p:spPr>
+          <a:xfrm>
+            <a:off x="5658952" y="2853093"/>
+            <a:ext cx="1027648" cy="604137"/>
+          </a:xfrm>
+          <a:prstGeom prst="roundRect">
+            <a:avLst/>
+          </a:prstGeom>
+          <a:ln w="19050">
+            <a:solidFill>
+              <a:srgbClr val="FFD077"/>
+            </a:solidFill>
+          </a:ln>
+        </p:spPr>
+        <p:style>
+          <a:lnRef idx="2">
+            <a:schemeClr val="accent1"/>
+          </a:lnRef>
+          <a:fillRef idx="1">
+            <a:schemeClr val="lt1"/>
+          </a:fillRef>
+          <a:effectRef idx="0">
+            <a:schemeClr val="accent1"/>
+          </a:effectRef>
+          <a:fontRef idx="minor">
+            <a:schemeClr val="dk1"/>
+          </a:fontRef>
+        </p:style>
+        <p:txBody>
+          <a:bodyPr wrap="square" lIns="18000" tIns="24000" rIns="18000" bIns="24000" rtlCol="0" anchor="ctr"/>
+          <a:lstStyle/>
+          <a:p>
+            <a:pPr algn="ctr">
+              <a:defRPr/>
+            </a:pPr>
+            <a:r>
+              <a:rPr lang="en-US" sz="1067" dirty="0">
+                <a:solidFill>
+                  <a:srgbClr val="25225E"/>
+                </a:solidFill>
+                <a:latin typeface="Arial"/>
+              </a:rPr>
+              <a:t>Training </a:t>
+            </a:r>
+            <a:br>
+              <a:rPr lang="en-US" sz="1067" dirty="0">
+                <a:solidFill>
+                  <a:srgbClr val="25225E"/>
+                </a:solidFill>
+                <a:latin typeface="Arial"/>
+              </a:rPr>
+            </a:br>
+            <a:r>
+              <a:rPr lang="en-US" sz="1067" dirty="0">
+                <a:solidFill>
+                  <a:srgbClr val="25225E"/>
+                </a:solidFill>
+                <a:latin typeface="Arial"/>
+              </a:rPr>
+              <a:t>&amp; </a:t>
+            </a:r>
+            <a:r>
+              <a:rPr lang="en-US" sz="1067" dirty="0" err="1">
+                <a:solidFill>
+                  <a:srgbClr val="25225E"/>
+                </a:solidFill>
+                <a:latin typeface="Arial"/>
+              </a:rPr>
+              <a:t>AutoML</a:t>
+            </a:r>
+            <a:endParaRPr lang="en-US" sz="1067" dirty="0">
               <a:solidFill>
-                <a:srgbClr val="232A3D">
-                  <a:lumMod val="90000"/>
-                  <a:lumOff val="10000"/>
-                </a:srgbClr>
+                <a:srgbClr val="25225E"/>
               </a:solidFill>
+              <a:latin typeface="Arial"/>
             </a:endParaRPr>
+          </a:p>
+        </p:txBody>
+      </p:sp>
+      <p:sp>
+        <p:nvSpPr>
+          <p:cNvPr id="103" name="Rectangle: Rounded Corners 102">
+            <a:extLst>
+              <a:ext uri="{FF2B5EF4-FFF2-40B4-BE49-F238E27FC236}">
+                <a16:creationId xmlns:a16="http://schemas.microsoft.com/office/drawing/2014/main" id="{4DB7C17D-AF4A-4AB0-A88D-461B982ACBA2}"/>
+              </a:ext>
+            </a:extLst>
+          </p:cNvPr>
+          <p:cNvSpPr/>
+          <p:nvPr/>
+        </p:nvSpPr>
+        <p:spPr>
+          <a:xfrm>
+            <a:off x="7041559" y="2853093"/>
+            <a:ext cx="1027648" cy="604137"/>
+          </a:xfrm>
+          <a:prstGeom prst="roundRect">
+            <a:avLst/>
+          </a:prstGeom>
+          <a:ln w="19050">
+            <a:solidFill>
+              <a:srgbClr val="FFD077"/>
+            </a:solidFill>
+          </a:ln>
+        </p:spPr>
+        <p:style>
+          <a:lnRef idx="2">
+            <a:schemeClr val="accent1"/>
+          </a:lnRef>
+          <a:fillRef idx="1">
+            <a:schemeClr val="lt1"/>
+          </a:fillRef>
+          <a:effectRef idx="0">
+            <a:schemeClr val="accent1"/>
+          </a:effectRef>
+          <a:fontRef idx="minor">
+            <a:schemeClr val="dk1"/>
+          </a:fontRef>
+        </p:style>
+        <p:txBody>
+          <a:bodyPr wrap="square" lIns="18000" tIns="24000" rIns="18000" bIns="24000" rtlCol="0" anchor="ctr"/>
+          <a:lstStyle/>
+          <a:p>
+            <a:pPr algn="ctr">
+              <a:defRPr/>
+            </a:pPr>
+            <a:r>
+              <a:rPr lang="en-US" sz="1067" dirty="0">
+                <a:solidFill>
+                  <a:srgbClr val="25225E"/>
+                </a:solidFill>
+                <a:latin typeface="Arial"/>
+              </a:rPr>
+              <a:t>CI/CD Frameworks</a:t>
+            </a:r>
+          </a:p>
+        </p:txBody>
+      </p:sp>
+      <p:sp>
+        <p:nvSpPr>
+          <p:cNvPr id="104" name="Rectangle: Rounded Corners 103">
+            <a:extLst>
+              <a:ext uri="{FF2B5EF4-FFF2-40B4-BE49-F238E27FC236}">
+                <a16:creationId xmlns:a16="http://schemas.microsoft.com/office/drawing/2014/main" id="{9EC9560D-F1D9-4AE8-A7DA-882AFF09D24F}"/>
+              </a:ext>
+            </a:extLst>
+          </p:cNvPr>
+          <p:cNvSpPr/>
+          <p:nvPr/>
+        </p:nvSpPr>
+        <p:spPr>
+          <a:xfrm>
+            <a:off x="8424167" y="2853093"/>
+            <a:ext cx="1027648" cy="604137"/>
+          </a:xfrm>
+          <a:prstGeom prst="roundRect">
+            <a:avLst/>
+          </a:prstGeom>
+          <a:ln w="19050">
+            <a:solidFill>
+              <a:srgbClr val="FFD077"/>
+            </a:solidFill>
+          </a:ln>
+        </p:spPr>
+        <p:style>
+          <a:lnRef idx="2">
+            <a:schemeClr val="accent1"/>
+          </a:lnRef>
+          <a:fillRef idx="1">
+            <a:schemeClr val="lt1"/>
+          </a:fillRef>
+          <a:effectRef idx="0">
+            <a:schemeClr val="accent1"/>
+          </a:effectRef>
+          <a:fontRef idx="minor">
+            <a:schemeClr val="dk1"/>
+          </a:fontRef>
+        </p:style>
+        <p:txBody>
+          <a:bodyPr wrap="square" lIns="18000" tIns="24000" rIns="18000" bIns="24000" rtlCol="0" anchor="ctr"/>
+          <a:lstStyle/>
+          <a:p>
+            <a:pPr algn="ctr">
+              <a:defRPr/>
+            </a:pPr>
+            <a:r>
+              <a:rPr lang="en-US" sz="1067" dirty="0">
+                <a:solidFill>
+                  <a:srgbClr val="25225E"/>
+                </a:solidFill>
+                <a:latin typeface="Arial"/>
+              </a:rPr>
+              <a:t>Governance &amp; Data Quality</a:t>
+            </a:r>
+          </a:p>
+        </p:txBody>
+      </p:sp>
+      <p:sp>
+        <p:nvSpPr>
+          <p:cNvPr id="105" name="Rectangle: Rounded Corners 104">
+            <a:extLst>
+              <a:ext uri="{FF2B5EF4-FFF2-40B4-BE49-F238E27FC236}">
+                <a16:creationId xmlns:a16="http://schemas.microsoft.com/office/drawing/2014/main" id="{4A03313F-CA30-4705-8A19-FE68D66E3F19}"/>
+              </a:ext>
+            </a:extLst>
+          </p:cNvPr>
+          <p:cNvSpPr/>
+          <p:nvPr/>
+        </p:nvSpPr>
+        <p:spPr>
+          <a:xfrm>
+            <a:off x="4276345" y="2853093"/>
+            <a:ext cx="1027648" cy="604137"/>
+          </a:xfrm>
+          <a:prstGeom prst="roundRect">
+            <a:avLst/>
+          </a:prstGeom>
+          <a:ln w="19050">
+            <a:solidFill>
+              <a:srgbClr val="FFD077"/>
+            </a:solidFill>
+          </a:ln>
+        </p:spPr>
+        <p:style>
+          <a:lnRef idx="2">
+            <a:schemeClr val="accent1"/>
+          </a:lnRef>
+          <a:fillRef idx="1">
+            <a:schemeClr val="lt1"/>
+          </a:fillRef>
+          <a:effectRef idx="0">
+            <a:schemeClr val="accent1"/>
+          </a:effectRef>
+          <a:fontRef idx="minor">
+            <a:schemeClr val="dk1"/>
+          </a:fontRef>
+        </p:style>
+        <p:txBody>
+          <a:bodyPr wrap="square" lIns="18000" tIns="24000" rIns="18000" bIns="24000" rtlCol="0" anchor="ctr"/>
+          <a:lstStyle/>
+          <a:p>
+            <a:pPr algn="ctr">
+              <a:defRPr/>
+            </a:pPr>
+            <a:r>
+              <a:rPr lang="en-US" sz="1067" dirty="0">
+                <a:solidFill>
+                  <a:srgbClr val="25225E"/>
+                </a:solidFill>
+                <a:latin typeface="Arial"/>
+              </a:rPr>
+              <a:t>Notebooks / IDEs</a:t>
+            </a:r>
+          </a:p>
+        </p:txBody>
+      </p:sp>
+      <p:sp>
+        <p:nvSpPr>
+          <p:cNvPr id="106" name="TextBox 105">
+            <a:extLst>
+              <a:ext uri="{FF2B5EF4-FFF2-40B4-BE49-F238E27FC236}">
+                <a16:creationId xmlns:a16="http://schemas.microsoft.com/office/drawing/2014/main" id="{9262758E-FDF6-4442-9876-6B3CAC397B10}"/>
+              </a:ext>
+            </a:extLst>
+          </p:cNvPr>
+          <p:cNvSpPr txBox="1"/>
+          <p:nvPr/>
+        </p:nvSpPr>
+        <p:spPr>
+          <a:xfrm>
+            <a:off x="5545944" y="4704931"/>
+            <a:ext cx="953468" cy="246221"/>
+          </a:xfrm>
+          <a:prstGeom prst="rect">
+            <a:avLst/>
+          </a:prstGeom>
+          <a:noFill/>
+        </p:spPr>
+        <p:txBody>
+          <a:bodyPr wrap="square" rtlCol="0">
+            <a:spAutoFit/>
+          </a:bodyPr>
+          <a:lstStyle/>
+          <a:p>
+            <a:pPr algn="ctr">
+              <a:defRPr/>
+            </a:pPr>
+            <a:r>
+              <a:rPr lang="en-US" sz="1000" dirty="0">
+                <a:solidFill>
+                  <a:schemeClr val="accent6">
+                    <a:lumMod val="75000"/>
+                  </a:schemeClr>
+                </a:solidFill>
+                <a:latin typeface="Arial"/>
+              </a:rPr>
+              <a:t>Online Data </a:t>
+            </a:r>
+          </a:p>
+        </p:txBody>
+      </p:sp>
+      <p:sp>
+        <p:nvSpPr>
+          <p:cNvPr id="107" name="TextBox 106">
+            <a:extLst>
+              <a:ext uri="{FF2B5EF4-FFF2-40B4-BE49-F238E27FC236}">
+                <a16:creationId xmlns:a16="http://schemas.microsoft.com/office/drawing/2014/main" id="{22E8DAFA-4CA0-44DD-AFBD-247137F1877C}"/>
+              </a:ext>
+            </a:extLst>
+          </p:cNvPr>
+          <p:cNvSpPr txBox="1"/>
+          <p:nvPr/>
+        </p:nvSpPr>
+        <p:spPr>
+          <a:xfrm>
+            <a:off x="4343590" y="4023832"/>
+            <a:ext cx="943893" cy="246221"/>
+          </a:xfrm>
+          <a:prstGeom prst="rect">
+            <a:avLst/>
+          </a:prstGeom>
+          <a:noFill/>
+        </p:spPr>
+        <p:txBody>
+          <a:bodyPr wrap="square" rtlCol="0">
+            <a:spAutoFit/>
+          </a:bodyPr>
+          <a:lstStyle/>
+          <a:p>
+            <a:pPr algn="ctr">
+              <a:defRPr/>
+            </a:pPr>
+            <a:r>
+              <a:rPr lang="en-US" sz="1000" dirty="0">
+                <a:solidFill>
+                  <a:schemeClr val="accent6">
+                    <a:lumMod val="75000"/>
+                  </a:schemeClr>
+                </a:solidFill>
+                <a:latin typeface="Arial"/>
+              </a:rPr>
+              <a:t>Offline Data</a:t>
+            </a:r>
           </a:p>
         </p:txBody>
       </p:sp>
       <p:cxnSp>
         <p:nvCxnSpPr>
-          <p:cNvPr id="9" name="Straight Arrow Connector 8">
-            <a:extLst>
-              <a:ext uri="{FF2B5EF4-FFF2-40B4-BE49-F238E27FC236}">
-                <a16:creationId xmlns:a16="http://schemas.microsoft.com/office/drawing/2014/main" id="{8676C120-69E6-46A7-B776-EDEB5882F3C9}"/>
+          <p:cNvPr id="108" name="Straight Arrow Connector 107">
+            <a:extLst>
+              <a:ext uri="{FF2B5EF4-FFF2-40B4-BE49-F238E27FC236}">
+                <a16:creationId xmlns:a16="http://schemas.microsoft.com/office/drawing/2014/main" id="{99E03297-A4E8-4D23-A353-B856315271CB}"/>
               </a:ext>
             </a:extLst>
           </p:cNvPr>
@@ -3480,17 +4743,18 @@
           <p:nvPr/>
         </p:nvCxnSpPr>
         <p:spPr>
-          <a:xfrm>
-            <a:off x="2528208" y="3672830"/>
-            <a:ext cx="1958163" cy="764059"/>
+          <a:xfrm flipV="1">
+            <a:off x="9167005" y="5151025"/>
+            <a:ext cx="708562" cy="9753"/>
           </a:xfrm>
           <a:prstGeom prst="straightConnector1">
             <a:avLst/>
           </a:prstGeom>
-          <a:ln w="38100">
+          <a:ln w="28575">
             <a:solidFill>
-              <a:srgbClr val="0FDDAF"/>
+              <a:srgbClr val="25225E"/>
             </a:solidFill>
+            <a:prstDash val="solid"/>
             <a:headEnd type="none" w="med" len="med"/>
             <a:tailEnd type="arrow" w="med" len="med"/>
           </a:ln>
@@ -3510,57 +4774,12 @@
           </a:fontRef>
         </p:style>
       </p:cxnSp>
-      <p:cxnSp>
-        <p:nvCxnSpPr>
-          <p:cNvPr id="11" name="Straight Arrow Connector 10">
-            <a:extLst>
-              <a:ext uri="{FF2B5EF4-FFF2-40B4-BE49-F238E27FC236}">
-                <a16:creationId xmlns:a16="http://schemas.microsoft.com/office/drawing/2014/main" id="{BBA81CB3-59CC-4CB6-B787-4153CECBC5C5}"/>
-              </a:ext>
-            </a:extLst>
-          </p:cNvPr>
-          <p:cNvCxnSpPr>
-            <a:cxnSpLocks/>
-          </p:cNvCxnSpPr>
-          <p:nvPr/>
-        </p:nvCxnSpPr>
-        <p:spPr>
-          <a:xfrm flipV="1">
-            <a:off x="2578225" y="4726143"/>
-            <a:ext cx="1917175" cy="930376"/>
-          </a:xfrm>
-          <a:prstGeom prst="straightConnector1">
-            <a:avLst/>
-          </a:prstGeom>
-          <a:ln w="38100">
-            <a:solidFill>
-              <a:srgbClr val="0FDDAF"/>
-            </a:solidFill>
-            <a:headEnd type="none" w="med" len="med"/>
-            <a:tailEnd type="arrow" w="med" len="med"/>
-          </a:ln>
-        </p:spPr>
-        <p:style>
-          <a:lnRef idx="1">
-            <a:schemeClr val="accent1"/>
-          </a:lnRef>
-          <a:fillRef idx="0">
-            <a:schemeClr val="accent1"/>
-          </a:fillRef>
-          <a:effectRef idx="0">
-            <a:schemeClr val="accent1"/>
-          </a:effectRef>
-          <a:fontRef idx="minor">
-            <a:schemeClr val="tx1"/>
-          </a:fontRef>
-        </p:style>
-      </p:cxnSp>
-      <p:sp>
-        <p:nvSpPr>
-          <p:cNvPr id="22" name="Cube 21">
-            <a:extLst>
-              <a:ext uri="{FF2B5EF4-FFF2-40B4-BE49-F238E27FC236}">
-                <a16:creationId xmlns:a16="http://schemas.microsoft.com/office/drawing/2014/main" id="{EE15CFAC-6DD3-46FF-96C3-45110868E717}"/>
+      <p:sp>
+        <p:nvSpPr>
+          <p:cNvPr id="109" name="Cylinder 108">
+            <a:extLst>
+              <a:ext uri="{FF2B5EF4-FFF2-40B4-BE49-F238E27FC236}">
+                <a16:creationId xmlns:a16="http://schemas.microsoft.com/office/drawing/2014/main" id="{6442C61D-B57B-4453-8E4E-1CA58A80FE2E}"/>
               </a:ext>
             </a:extLst>
           </p:cNvPr>
@@ -3569,769 +4788,7 @@
         </p:nvSpPr>
         <p:spPr>
           <a:xfrm>
-            <a:off x="4617963" y="1198447"/>
-            <a:ext cx="5068920" cy="1286637"/>
-          </a:xfrm>
-          <a:prstGeom prst="cube">
-            <a:avLst>
-              <a:gd name="adj" fmla="val 12468"/>
-            </a:avLst>
-          </a:prstGeom>
-          <a:solidFill>
-            <a:srgbClr val="E2E8FE"/>
-          </a:solidFill>
-          <a:ln>
-            <a:solidFill>
-              <a:srgbClr val="326DE6"/>
-            </a:solidFill>
-          </a:ln>
-        </p:spPr>
-        <p:style>
-          <a:lnRef idx="1">
-            <a:schemeClr val="accent1"/>
-          </a:lnRef>
-          <a:fillRef idx="2">
-            <a:schemeClr val="accent1"/>
-          </a:fillRef>
-          <a:effectRef idx="1">
-            <a:schemeClr val="accent1"/>
-          </a:effectRef>
-          <a:fontRef idx="minor">
-            <a:schemeClr val="dk1"/>
-          </a:fontRef>
-        </p:style>
-        <p:txBody>
-          <a:bodyPr rtlCol="0" anchor="ctr"/>
-          <a:lstStyle/>
-          <a:p>
-            <a:pPr algn="ctr">
-              <a:defRPr/>
-            </a:pPr>
-            <a:endParaRPr lang="en-US" sz="1200" dirty="0">
-              <a:solidFill>
-                <a:srgbClr val="326DE6"/>
-              </a:solidFill>
-            </a:endParaRPr>
-          </a:p>
-        </p:txBody>
-      </p:sp>
-      <p:sp>
-        <p:nvSpPr>
-          <p:cNvPr id="23" name="TextBox 22">
-            <a:extLst>
-              <a:ext uri="{FF2B5EF4-FFF2-40B4-BE49-F238E27FC236}">
-                <a16:creationId xmlns:a16="http://schemas.microsoft.com/office/drawing/2014/main" id="{DB52EDF1-ECAD-4097-81BD-42FA0A419932}"/>
-              </a:ext>
-            </a:extLst>
-          </p:cNvPr>
-          <p:cNvSpPr txBox="1"/>
-          <p:nvPr/>
-        </p:nvSpPr>
-        <p:spPr>
-          <a:xfrm>
-            <a:off x="5247607" y="1422800"/>
-            <a:ext cx="3434639" cy="307777"/>
-          </a:xfrm>
-          <a:prstGeom prst="rect">
-            <a:avLst/>
-          </a:prstGeom>
-          <a:noFill/>
-        </p:spPr>
-        <p:txBody>
-          <a:bodyPr wrap="square">
-            <a:spAutoFit/>
-          </a:bodyPr>
-          <a:lstStyle/>
-          <a:p>
-            <a:pPr algn="ctr"/>
-            <a:r>
-              <a:rPr lang="en-US" sz="1400" b="1" dirty="0">
-                <a:solidFill>
-                  <a:schemeClr val="tx1">
-                    <a:lumMod val="75000"/>
-                    <a:lumOff val="25000"/>
-                  </a:schemeClr>
-                </a:solidFill>
-              </a:rPr>
-              <a:t>Serverless ML Pipeline Automation (CI/CD)</a:t>
-            </a:r>
-          </a:p>
-        </p:txBody>
-      </p:sp>
-      <p:sp>
-        <p:nvSpPr>
-          <p:cNvPr id="28" name="Cube 27">
-            <a:extLst>
-              <a:ext uri="{FF2B5EF4-FFF2-40B4-BE49-F238E27FC236}">
-                <a16:creationId xmlns:a16="http://schemas.microsoft.com/office/drawing/2014/main" id="{8C6EC6DA-088A-4E40-B174-D4A9ADAB3427}"/>
-              </a:ext>
-            </a:extLst>
-          </p:cNvPr>
-          <p:cNvSpPr/>
-          <p:nvPr/>
-        </p:nvSpPr>
-        <p:spPr>
-          <a:xfrm>
-            <a:off x="8375393" y="3546472"/>
-            <a:ext cx="1081688" cy="982689"/>
-          </a:xfrm>
-          <a:prstGeom prst="cube">
-            <a:avLst>
-              <a:gd name="adj" fmla="val 12468"/>
-            </a:avLst>
-          </a:prstGeom>
-          <a:solidFill>
-            <a:srgbClr val="E2E8FE"/>
-          </a:solidFill>
-          <a:ln>
-            <a:solidFill>
-              <a:srgbClr val="326DE6"/>
-            </a:solidFill>
-          </a:ln>
-        </p:spPr>
-        <p:style>
-          <a:lnRef idx="1">
-            <a:schemeClr val="accent1"/>
-          </a:lnRef>
-          <a:fillRef idx="2">
-            <a:schemeClr val="accent1"/>
-          </a:fillRef>
-          <a:effectRef idx="1">
-            <a:schemeClr val="accent1"/>
-          </a:effectRef>
-          <a:fontRef idx="minor">
-            <a:schemeClr val="dk1"/>
-          </a:fontRef>
-        </p:style>
-        <p:txBody>
-          <a:bodyPr rtlCol="0" anchor="ctr"/>
-          <a:lstStyle/>
-          <a:p>
-            <a:pPr algn="ctr">
-              <a:defRPr/>
-            </a:pPr>
-            <a:endParaRPr lang="en-US" sz="1200" dirty="0">
-              <a:solidFill>
-                <a:srgbClr val="326DE6"/>
-              </a:solidFill>
-            </a:endParaRPr>
-          </a:p>
-        </p:txBody>
-      </p:sp>
-      <p:sp>
-        <p:nvSpPr>
-          <p:cNvPr id="30" name="TextBox 29">
-            <a:extLst>
-              <a:ext uri="{FF2B5EF4-FFF2-40B4-BE49-F238E27FC236}">
-                <a16:creationId xmlns:a16="http://schemas.microsoft.com/office/drawing/2014/main" id="{F59D550B-83AA-4419-A9C7-D6493D9D234E}"/>
-              </a:ext>
-            </a:extLst>
-          </p:cNvPr>
-          <p:cNvSpPr txBox="1"/>
-          <p:nvPr/>
-        </p:nvSpPr>
-        <p:spPr>
-          <a:xfrm>
-            <a:off x="6897933" y="4200712"/>
-            <a:ext cx="1081688" cy="276999"/>
-          </a:xfrm>
-          <a:prstGeom prst="rect">
-            <a:avLst/>
-          </a:prstGeom>
-          <a:noFill/>
-        </p:spPr>
-        <p:txBody>
-          <a:bodyPr wrap="square" rtlCol="0">
-            <a:spAutoFit/>
-          </a:bodyPr>
-          <a:lstStyle/>
-          <a:p>
-            <a:pPr algn="ctr">
-              <a:defRPr/>
-            </a:pPr>
-            <a:r>
-              <a:rPr lang="en-US" sz="1200" dirty="0">
-                <a:solidFill>
-                  <a:srgbClr val="232A3D">
-                    <a:lumMod val="90000"/>
-                    <a:lumOff val="10000"/>
-                  </a:srgbClr>
-                </a:solidFill>
-              </a:rPr>
-              <a:t>Online data</a:t>
-            </a:r>
-          </a:p>
-        </p:txBody>
-      </p:sp>
-      <p:sp>
-        <p:nvSpPr>
-          <p:cNvPr id="32" name="TextBox 31">
-            <a:extLst>
-              <a:ext uri="{FF2B5EF4-FFF2-40B4-BE49-F238E27FC236}">
-                <a16:creationId xmlns:a16="http://schemas.microsoft.com/office/drawing/2014/main" id="{A4A01C55-B56E-4A0A-BD33-3E9FCBCBB37E}"/>
-              </a:ext>
-            </a:extLst>
-          </p:cNvPr>
-          <p:cNvSpPr txBox="1"/>
-          <p:nvPr/>
-        </p:nvSpPr>
-        <p:spPr>
-          <a:xfrm>
-            <a:off x="9045754" y="2880505"/>
-            <a:ext cx="1286540" cy="276999"/>
-          </a:xfrm>
-          <a:prstGeom prst="rect">
-            <a:avLst/>
-          </a:prstGeom>
-          <a:noFill/>
-        </p:spPr>
-        <p:txBody>
-          <a:bodyPr wrap="square" rtlCol="0">
-            <a:spAutoFit/>
-          </a:bodyPr>
-          <a:lstStyle/>
-          <a:p>
-            <a:pPr>
-              <a:defRPr/>
-            </a:pPr>
-            <a:r>
-              <a:rPr lang="en-US" sz="1200" dirty="0">
-                <a:solidFill>
-                  <a:srgbClr val="232A3D">
-                    <a:lumMod val="90000"/>
-                    <a:lumOff val="10000"/>
-                  </a:srgbClr>
-                </a:solidFill>
-              </a:rPr>
-              <a:t>Model</a:t>
-            </a:r>
-          </a:p>
-        </p:txBody>
-      </p:sp>
-      <p:pic>
-        <p:nvPicPr>
-          <p:cNvPr id="39" name="Picture 38" descr="A close up of a logo&#10;&#10;Description automatically generated">
-            <a:extLst>
-              <a:ext uri="{FF2B5EF4-FFF2-40B4-BE49-F238E27FC236}">
-                <a16:creationId xmlns:a16="http://schemas.microsoft.com/office/drawing/2014/main" id="{4A2EFBA0-091F-4AB1-92C4-F69395226655}"/>
-              </a:ext>
-            </a:extLst>
-          </p:cNvPr>
-          <p:cNvPicPr>
-            <a:picLocks noChangeAspect="1"/>
-          </p:cNvPicPr>
-          <p:nvPr/>
-        </p:nvPicPr>
-        <p:blipFill>
-          <a:blip r:embed="rId2" cstate="print">
-            <a:extLst>
-              <a:ext uri="{28A0092B-C50C-407E-A947-70E740481C1C}">
-                <a14:useLocalDpi xmlns:a14="http://schemas.microsoft.com/office/drawing/2010/main" val="0"/>
-              </a:ext>
-            </a:extLst>
-          </a:blip>
-          <a:stretch>
-            <a:fillRect/>
-          </a:stretch>
-        </p:blipFill>
-        <p:spPr>
-          <a:xfrm>
-            <a:off x="9558789" y="3428068"/>
-            <a:ext cx="860346" cy="395628"/>
-          </a:xfrm>
-          <a:prstGeom prst="rect">
-            <a:avLst/>
-          </a:prstGeom>
-        </p:spPr>
-      </p:pic>
-      <p:pic>
-        <p:nvPicPr>
-          <p:cNvPr id="43" name="Picture 42" descr="A close up of a logo&#10;&#10;Description automatically generated">
-            <a:extLst>
-              <a:ext uri="{FF2B5EF4-FFF2-40B4-BE49-F238E27FC236}">
-                <a16:creationId xmlns:a16="http://schemas.microsoft.com/office/drawing/2014/main" id="{A26B0E80-4378-46AB-8E77-C46F5EFD3E6B}"/>
-              </a:ext>
-            </a:extLst>
-          </p:cNvPr>
-          <p:cNvPicPr>
-            <a:picLocks noChangeAspect="1"/>
-          </p:cNvPicPr>
-          <p:nvPr/>
-        </p:nvPicPr>
-        <p:blipFill>
-          <a:blip r:embed="rId2" cstate="print">
-            <a:extLst>
-              <a:ext uri="{28A0092B-C50C-407E-A947-70E740481C1C}">
-                <a14:useLocalDpi xmlns:a14="http://schemas.microsoft.com/office/drawing/2010/main" val="0"/>
-              </a:ext>
-            </a:extLst>
-          </a:blip>
-          <a:stretch>
-            <a:fillRect/>
-          </a:stretch>
-        </p:blipFill>
-        <p:spPr>
-          <a:xfrm>
-            <a:off x="6837766" y="6233854"/>
-            <a:ext cx="860346" cy="395628"/>
-          </a:xfrm>
-          <a:prstGeom prst="rect">
-            <a:avLst/>
-          </a:prstGeom>
-        </p:spPr>
-      </p:pic>
-      <p:pic>
-        <p:nvPicPr>
-          <p:cNvPr id="45" name="Picture 44" descr="A person wearing a garment&#10;&#10;Description automatically generated with medium confidence">
-            <a:extLst>
-              <a:ext uri="{FF2B5EF4-FFF2-40B4-BE49-F238E27FC236}">
-                <a16:creationId xmlns:a16="http://schemas.microsoft.com/office/drawing/2014/main" id="{C25A7321-00A1-4097-BEB3-08D79FF8AD1A}"/>
-              </a:ext>
-            </a:extLst>
-          </p:cNvPr>
-          <p:cNvPicPr>
-            <a:picLocks noChangeAspect="1"/>
-          </p:cNvPicPr>
-          <p:nvPr/>
-        </p:nvPicPr>
-        <p:blipFill>
-          <a:blip r:embed="rId3" cstate="print">
-            <a:extLst>
-              <a:ext uri="{28A0092B-C50C-407E-A947-70E740481C1C}">
-                <a14:useLocalDpi xmlns:a14="http://schemas.microsoft.com/office/drawing/2010/main" val="0"/>
-              </a:ext>
-            </a:extLst>
-          </a:blip>
-          <a:stretch>
-            <a:fillRect/>
-          </a:stretch>
-        </p:blipFill>
-        <p:spPr>
-          <a:xfrm>
-            <a:off x="8739793" y="710202"/>
-            <a:ext cx="812489" cy="488176"/>
-          </a:xfrm>
-          <a:prstGeom prst="rect">
-            <a:avLst/>
-          </a:prstGeom>
-        </p:spPr>
-      </p:pic>
-      <p:pic>
-        <p:nvPicPr>
-          <p:cNvPr id="46" name="Picture 45" descr="A person wearing a garment&#10;&#10;Description automatically generated with medium confidence">
-            <a:extLst>
-              <a:ext uri="{FF2B5EF4-FFF2-40B4-BE49-F238E27FC236}">
-                <a16:creationId xmlns:a16="http://schemas.microsoft.com/office/drawing/2014/main" id="{11C88A4E-34AC-4AA2-AC74-B8D1BE4578A4}"/>
-              </a:ext>
-            </a:extLst>
-          </p:cNvPr>
-          <p:cNvPicPr>
-            <a:picLocks noChangeAspect="1"/>
-          </p:cNvPicPr>
-          <p:nvPr/>
-        </p:nvPicPr>
-        <p:blipFill>
-          <a:blip r:embed="rId4" cstate="print">
-            <a:extLst>
-              <a:ext uri="{28A0092B-C50C-407E-A947-70E740481C1C}">
-                <a14:useLocalDpi xmlns:a14="http://schemas.microsoft.com/office/drawing/2010/main" val="0"/>
-              </a:ext>
-            </a:extLst>
-          </a:blip>
-          <a:stretch>
-            <a:fillRect/>
-          </a:stretch>
-        </p:blipFill>
-        <p:spPr>
-          <a:xfrm>
-            <a:off x="6084570" y="6210508"/>
-            <a:ext cx="736171" cy="442321"/>
-          </a:xfrm>
-          <a:prstGeom prst="rect">
-            <a:avLst/>
-          </a:prstGeom>
-        </p:spPr>
-      </p:pic>
-      <p:pic>
-        <p:nvPicPr>
-          <p:cNvPr id="47" name="Picture 46" descr="A person wearing a garment&#10;&#10;Description automatically generated with medium confidence">
-            <a:extLst>
-              <a:ext uri="{FF2B5EF4-FFF2-40B4-BE49-F238E27FC236}">
-                <a16:creationId xmlns:a16="http://schemas.microsoft.com/office/drawing/2014/main" id="{82CD97E9-7D63-426F-9655-6DA5D5DDC72B}"/>
-              </a:ext>
-            </a:extLst>
-          </p:cNvPr>
-          <p:cNvPicPr>
-            <a:picLocks noChangeAspect="1"/>
-          </p:cNvPicPr>
-          <p:nvPr/>
-        </p:nvPicPr>
-        <p:blipFill>
-          <a:blip r:embed="rId5" cstate="print">
-            <a:extLst>
-              <a:ext uri="{28A0092B-C50C-407E-A947-70E740481C1C}">
-                <a14:useLocalDpi xmlns:a14="http://schemas.microsoft.com/office/drawing/2010/main" val="0"/>
-              </a:ext>
-            </a:extLst>
-          </a:blip>
-          <a:stretch>
-            <a:fillRect/>
-          </a:stretch>
-        </p:blipFill>
-        <p:spPr>
-          <a:xfrm>
-            <a:off x="3741412" y="3271246"/>
-            <a:ext cx="720612" cy="432972"/>
-          </a:xfrm>
-          <a:prstGeom prst="rect">
-            <a:avLst/>
-          </a:prstGeom>
-        </p:spPr>
-      </p:pic>
-      <p:cxnSp>
-        <p:nvCxnSpPr>
-          <p:cNvPr id="51" name="Straight Arrow Connector 50">
-            <a:extLst>
-              <a:ext uri="{FF2B5EF4-FFF2-40B4-BE49-F238E27FC236}">
-                <a16:creationId xmlns:a16="http://schemas.microsoft.com/office/drawing/2014/main" id="{F7452B6D-67CF-480F-9B05-4F6E578EB3A3}"/>
-              </a:ext>
-            </a:extLst>
-          </p:cNvPr>
-          <p:cNvCxnSpPr>
-            <a:cxnSpLocks/>
-          </p:cNvCxnSpPr>
-          <p:nvPr/>
-        </p:nvCxnSpPr>
-        <p:spPr>
-          <a:xfrm>
-            <a:off x="9024359" y="2668932"/>
-            <a:ext cx="0" cy="760068"/>
-          </a:xfrm>
-          <a:prstGeom prst="straightConnector1">
-            <a:avLst/>
-          </a:prstGeom>
-          <a:ln w="38100">
-            <a:solidFill>
-              <a:srgbClr val="0FDDAF"/>
-            </a:solidFill>
-            <a:headEnd type="none" w="med" len="med"/>
-            <a:tailEnd type="arrow" w="med" len="med"/>
-          </a:ln>
-        </p:spPr>
-        <p:style>
-          <a:lnRef idx="1">
-            <a:schemeClr val="accent1"/>
-          </a:lnRef>
-          <a:fillRef idx="0">
-            <a:schemeClr val="accent1"/>
-          </a:fillRef>
-          <a:effectRef idx="0">
-            <a:schemeClr val="accent1"/>
-          </a:effectRef>
-          <a:fontRef idx="minor">
-            <a:schemeClr val="tx1"/>
-          </a:fontRef>
-        </p:style>
-      </p:cxnSp>
-      <p:cxnSp>
-        <p:nvCxnSpPr>
-          <p:cNvPr id="52" name="Straight Arrow Connector 51">
-            <a:extLst>
-              <a:ext uri="{FF2B5EF4-FFF2-40B4-BE49-F238E27FC236}">
-                <a16:creationId xmlns:a16="http://schemas.microsoft.com/office/drawing/2014/main" id="{D4F1346C-03A7-4F62-BBBE-CC85EC436E8D}"/>
-              </a:ext>
-            </a:extLst>
-          </p:cNvPr>
-          <p:cNvCxnSpPr>
-            <a:cxnSpLocks/>
-          </p:cNvCxnSpPr>
-          <p:nvPr/>
-        </p:nvCxnSpPr>
-        <p:spPr>
-          <a:xfrm>
-            <a:off x="5733430" y="2561718"/>
-            <a:ext cx="0" cy="618807"/>
-          </a:xfrm>
-          <a:prstGeom prst="straightConnector1">
-            <a:avLst/>
-          </a:prstGeom>
-          <a:ln w="38100">
-            <a:solidFill>
-              <a:srgbClr val="0FDDAF"/>
-            </a:solidFill>
-            <a:headEnd type="arrow" w="med" len="med"/>
-            <a:tailEnd type="none" w="med" len="med"/>
-          </a:ln>
-        </p:spPr>
-        <p:style>
-          <a:lnRef idx="1">
-            <a:schemeClr val="accent1"/>
-          </a:lnRef>
-          <a:fillRef idx="0">
-            <a:schemeClr val="accent1"/>
-          </a:fillRef>
-          <a:effectRef idx="0">
-            <a:schemeClr val="accent1"/>
-          </a:effectRef>
-          <a:fontRef idx="minor">
-            <a:schemeClr val="tx1"/>
-          </a:fontRef>
-        </p:style>
-      </p:cxnSp>
-      <p:cxnSp>
-        <p:nvCxnSpPr>
-          <p:cNvPr id="54" name="Straight Arrow Connector 53">
-            <a:extLst>
-              <a:ext uri="{FF2B5EF4-FFF2-40B4-BE49-F238E27FC236}">
-                <a16:creationId xmlns:a16="http://schemas.microsoft.com/office/drawing/2014/main" id="{C9ECE162-2E85-48A2-8A49-8A742BC8E43B}"/>
-              </a:ext>
-            </a:extLst>
-          </p:cNvPr>
-          <p:cNvCxnSpPr>
-            <a:cxnSpLocks/>
-          </p:cNvCxnSpPr>
-          <p:nvPr/>
-        </p:nvCxnSpPr>
-        <p:spPr>
-          <a:xfrm>
-            <a:off x="6634052" y="4565641"/>
-            <a:ext cx="1685639" cy="0"/>
-          </a:xfrm>
-          <a:prstGeom prst="straightConnector1">
-            <a:avLst/>
-          </a:prstGeom>
-          <a:ln w="38100">
-            <a:solidFill>
-              <a:srgbClr val="0FDDAF"/>
-            </a:solidFill>
-            <a:headEnd type="none" w="med" len="med"/>
-            <a:tailEnd type="triangle" w="med" len="med"/>
-          </a:ln>
-        </p:spPr>
-        <p:style>
-          <a:lnRef idx="1">
-            <a:schemeClr val="accent1"/>
-          </a:lnRef>
-          <a:fillRef idx="0">
-            <a:schemeClr val="accent1"/>
-          </a:fillRef>
-          <a:effectRef idx="0">
-            <a:schemeClr val="accent1"/>
-          </a:effectRef>
-          <a:fontRef idx="minor">
-            <a:schemeClr val="tx1"/>
-          </a:fontRef>
-        </p:style>
-      </p:cxnSp>
-      <p:sp>
-        <p:nvSpPr>
-          <p:cNvPr id="55" name="Freeform 27">
-            <a:extLst>
-              <a:ext uri="{FF2B5EF4-FFF2-40B4-BE49-F238E27FC236}">
-                <a16:creationId xmlns:a16="http://schemas.microsoft.com/office/drawing/2014/main" id="{91826764-8B0C-40DF-8311-1F9194745FED}"/>
-              </a:ext>
-            </a:extLst>
-          </p:cNvPr>
-          <p:cNvSpPr/>
-          <p:nvPr/>
-        </p:nvSpPr>
-        <p:spPr>
-          <a:xfrm>
-            <a:off x="7654125" y="4890263"/>
-            <a:ext cx="1227970" cy="625402"/>
-          </a:xfrm>
-          <a:custGeom>
-            <a:avLst/>
-            <a:gdLst>
-              <a:gd name="connsiteX0" fmla="*/ 811987 w 811987"/>
-              <a:gd name="connsiteY0" fmla="*/ 0 h 585216"/>
-              <a:gd name="connsiteX1" fmla="*/ 811987 w 811987"/>
-              <a:gd name="connsiteY1" fmla="*/ 585216 h 585216"/>
-              <a:gd name="connsiteX2" fmla="*/ 0 w 811987"/>
-              <a:gd name="connsiteY2" fmla="*/ 585216 h 585216"/>
-              <a:gd name="connsiteX3" fmla="*/ 0 w 811987"/>
-              <a:gd name="connsiteY3" fmla="*/ 585216 h 585216"/>
-            </a:gdLst>
-            <a:ahLst/>
-            <a:cxnLst>
-              <a:cxn ang="0">
-                <a:pos x="connsiteX0" y="connsiteY0"/>
-              </a:cxn>
-              <a:cxn ang="0">
-                <a:pos x="connsiteX1" y="connsiteY1"/>
-              </a:cxn>
-              <a:cxn ang="0">
-                <a:pos x="connsiteX2" y="connsiteY2"/>
-              </a:cxn>
-              <a:cxn ang="0">
-                <a:pos x="connsiteX3" y="connsiteY3"/>
-              </a:cxn>
-            </a:cxnLst>
-            <a:rect l="l" t="t" r="r" b="b"/>
-            <a:pathLst>
-              <a:path w="811987" h="585216">
-                <a:moveTo>
-                  <a:pt x="811987" y="0"/>
-                </a:moveTo>
-                <a:lnTo>
-                  <a:pt x="811987" y="585216"/>
-                </a:lnTo>
-                <a:lnTo>
-                  <a:pt x="0" y="585216"/>
-                </a:lnTo>
-                <a:lnTo>
-                  <a:pt x="0" y="585216"/>
-                </a:lnTo>
-              </a:path>
-            </a:pathLst>
-          </a:custGeom>
-          <a:ln w="38100">
-            <a:solidFill>
-              <a:srgbClr val="0FDDAF"/>
-            </a:solidFill>
-            <a:headEnd type="none" w="med" len="med"/>
-            <a:tailEnd type="arrow" w="med" len="med"/>
-          </a:ln>
-        </p:spPr>
-        <p:style>
-          <a:lnRef idx="1">
-            <a:schemeClr val="accent1"/>
-          </a:lnRef>
-          <a:fillRef idx="0">
-            <a:schemeClr val="accent1"/>
-          </a:fillRef>
-          <a:effectRef idx="0">
-            <a:schemeClr val="accent1"/>
-          </a:effectRef>
-          <a:fontRef idx="minor">
-            <a:schemeClr val="tx1"/>
-          </a:fontRef>
-        </p:style>
-        <p:txBody>
-          <a:bodyPr rtlCol="0" anchor="ctr"/>
-          <a:lstStyle/>
-          <a:p>
-            <a:pPr algn="ctr"/>
-            <a:endParaRPr lang="en-IL" sz="1200">
-              <a:solidFill>
-                <a:srgbClr val="232A3D"/>
-              </a:solidFill>
-            </a:endParaRPr>
-          </a:p>
-        </p:txBody>
-      </p:sp>
-      <p:sp>
-        <p:nvSpPr>
-          <p:cNvPr id="56" name="Freeform 28">
-            <a:extLst>
-              <a:ext uri="{FF2B5EF4-FFF2-40B4-BE49-F238E27FC236}">
-                <a16:creationId xmlns:a16="http://schemas.microsoft.com/office/drawing/2014/main" id="{3D759465-6338-4646-910B-ED349772DA65}"/>
-              </a:ext>
-            </a:extLst>
-          </p:cNvPr>
-          <p:cNvSpPr/>
-          <p:nvPr/>
-        </p:nvSpPr>
-        <p:spPr>
-          <a:xfrm>
-            <a:off x="5386717" y="4994228"/>
-            <a:ext cx="862689" cy="528339"/>
-          </a:xfrm>
-          <a:custGeom>
-            <a:avLst/>
-            <a:gdLst>
-              <a:gd name="connsiteX0" fmla="*/ 943661 w 943661"/>
-              <a:gd name="connsiteY0" fmla="*/ 607162 h 607162"/>
-              <a:gd name="connsiteX1" fmla="*/ 0 w 943661"/>
-              <a:gd name="connsiteY1" fmla="*/ 607162 h 607162"/>
-              <a:gd name="connsiteX2" fmla="*/ 0 w 943661"/>
-              <a:gd name="connsiteY2" fmla="*/ 0 h 607162"/>
-              <a:gd name="connsiteX3" fmla="*/ 0 w 943661"/>
-              <a:gd name="connsiteY3" fmla="*/ 0 h 607162"/>
-            </a:gdLst>
-            <a:ahLst/>
-            <a:cxnLst>
-              <a:cxn ang="0">
-                <a:pos x="connsiteX0" y="connsiteY0"/>
-              </a:cxn>
-              <a:cxn ang="0">
-                <a:pos x="connsiteX1" y="connsiteY1"/>
-              </a:cxn>
-              <a:cxn ang="0">
-                <a:pos x="connsiteX2" y="connsiteY2"/>
-              </a:cxn>
-              <a:cxn ang="0">
-                <a:pos x="connsiteX3" y="connsiteY3"/>
-              </a:cxn>
-            </a:cxnLst>
-            <a:rect l="l" t="t" r="r" b="b"/>
-            <a:pathLst>
-              <a:path w="943661" h="607162">
-                <a:moveTo>
-                  <a:pt x="943661" y="607162"/>
-                </a:moveTo>
-                <a:lnTo>
-                  <a:pt x="0" y="607162"/>
-                </a:lnTo>
-                <a:lnTo>
-                  <a:pt x="0" y="0"/>
-                </a:lnTo>
-                <a:lnTo>
-                  <a:pt x="0" y="0"/>
-                </a:lnTo>
-              </a:path>
-            </a:pathLst>
-          </a:custGeom>
-          <a:ln w="38100">
-            <a:solidFill>
-              <a:srgbClr val="0FDDAF"/>
-            </a:solidFill>
-            <a:headEnd type="none" w="med" len="med"/>
-            <a:tailEnd type="arrow" w="med" len="med"/>
-          </a:ln>
-        </p:spPr>
-        <p:style>
-          <a:lnRef idx="1">
-            <a:schemeClr val="accent1"/>
-          </a:lnRef>
-          <a:fillRef idx="0">
-            <a:schemeClr val="accent1"/>
-          </a:fillRef>
-          <a:effectRef idx="0">
-            <a:schemeClr val="accent1"/>
-          </a:effectRef>
-          <a:fontRef idx="minor">
-            <a:schemeClr val="tx1"/>
-          </a:fontRef>
-        </p:style>
-        <p:txBody>
-          <a:bodyPr rtlCol="0" anchor="ctr"/>
-          <a:lstStyle/>
-          <a:p>
-            <a:pPr algn="ctr"/>
-            <a:endParaRPr lang="en-IL" sz="1200">
-              <a:solidFill>
-                <a:srgbClr val="232A3D"/>
-              </a:solidFill>
-            </a:endParaRPr>
-          </a:p>
-        </p:txBody>
-      </p:sp>
-      <p:sp>
-        <p:nvSpPr>
-          <p:cNvPr id="122" name="Cylinder 121">
-            <a:extLst>
-              <a:ext uri="{FF2B5EF4-FFF2-40B4-BE49-F238E27FC236}">
-                <a16:creationId xmlns:a16="http://schemas.microsoft.com/office/drawing/2014/main" id="{DD633B04-3122-4DBA-B111-7FCEDB3AEFB1}"/>
-              </a:ext>
-            </a:extLst>
-          </p:cNvPr>
-          <p:cNvSpPr/>
-          <p:nvPr/>
-        </p:nvSpPr>
-        <p:spPr>
-          <a:xfrm>
-            <a:off x="1292421" y="3372503"/>
+            <a:off x="575115" y="3497577"/>
             <a:ext cx="1168264" cy="600655"/>
           </a:xfrm>
           <a:prstGeom prst="can">
@@ -4366,27 +4823,29 @@
           <a:p>
             <a:pPr algn="ctr"/>
             <a:r>
-              <a:rPr lang="en-US" sz="1200" dirty="0">
+              <a:rPr lang="en-US" sz="1067" dirty="0">
                 <a:solidFill>
                   <a:srgbClr val="25225E"/>
                 </a:solidFill>
+                <a:latin typeface="Arial"/>
               </a:rPr>
               <a:t>Data Lakes &amp; Warehouses</a:t>
             </a:r>
-            <a:endParaRPr lang="LID4096" sz="1200" dirty="0">
+            <a:endParaRPr lang="LID4096" sz="1067" dirty="0">
               <a:solidFill>
                 <a:srgbClr val="25225E"/>
               </a:solidFill>
+              <a:latin typeface="Arial"/>
             </a:endParaRPr>
           </a:p>
         </p:txBody>
       </p:sp>
       <p:sp>
         <p:nvSpPr>
-          <p:cNvPr id="123" name="Cylinder 3">
-            <a:extLst>
-              <a:ext uri="{FF2B5EF4-FFF2-40B4-BE49-F238E27FC236}">
-                <a16:creationId xmlns:a16="http://schemas.microsoft.com/office/drawing/2014/main" id="{9A05B6E1-CBEF-40BD-8057-58D72C8A8D2F}"/>
+          <p:cNvPr id="110" name="Cylinder 3">
+            <a:extLst>
+              <a:ext uri="{FF2B5EF4-FFF2-40B4-BE49-F238E27FC236}">
+                <a16:creationId xmlns:a16="http://schemas.microsoft.com/office/drawing/2014/main" id="{023F3035-9E32-4D21-9E3C-7A6EC98BB5DA}"/>
               </a:ext>
             </a:extLst>
           </p:cNvPr>
@@ -4395,7 +4854,7 @@
         </p:nvSpPr>
         <p:spPr>
           <a:xfrm>
-            <a:off x="1294510" y="4376177"/>
+            <a:off x="341958" y="4237661"/>
             <a:ext cx="1168264" cy="600655"/>
           </a:xfrm>
           <a:prstGeom prst="can">
@@ -4430,14 +4889,14 @@
           <a:p>
             <a:pPr algn="ctr"/>
             <a:r>
-              <a:rPr lang="en-US" sz="1200" dirty="0">
+              <a:rPr lang="en-US" sz="1067" dirty="0">
                 <a:solidFill>
                   <a:srgbClr val="25225E"/>
                 </a:solidFill>
               </a:rPr>
               <a:t>Operational Data</a:t>
             </a:r>
-            <a:endParaRPr lang="LID4096" sz="1200" dirty="0">
+            <a:endParaRPr lang="LID4096" sz="1067" dirty="0">
               <a:solidFill>
                 <a:srgbClr val="25225E"/>
               </a:solidFill>
@@ -4445,934 +4904,12 @@
           </a:p>
         </p:txBody>
       </p:sp>
-      <p:sp>
-        <p:nvSpPr>
-          <p:cNvPr id="126" name="Cube 125">
-            <a:extLst>
-              <a:ext uri="{FF2B5EF4-FFF2-40B4-BE49-F238E27FC236}">
-                <a16:creationId xmlns:a16="http://schemas.microsoft.com/office/drawing/2014/main" id="{8A44E462-C4BA-4C87-A09D-58ACBCE0F8FC}"/>
-              </a:ext>
-            </a:extLst>
-          </p:cNvPr>
-          <p:cNvSpPr/>
-          <p:nvPr/>
-        </p:nvSpPr>
-        <p:spPr>
-          <a:xfrm>
-            <a:off x="8605194" y="3823696"/>
-            <a:ext cx="1081688" cy="982689"/>
-          </a:xfrm>
-          <a:prstGeom prst="cube">
-            <a:avLst>
-              <a:gd name="adj" fmla="val 12468"/>
-            </a:avLst>
-          </a:prstGeom>
-          <a:solidFill>
-            <a:srgbClr val="E2E8FE"/>
-          </a:solidFill>
-          <a:ln>
-            <a:solidFill>
-              <a:srgbClr val="326DE6"/>
-            </a:solidFill>
-          </a:ln>
-        </p:spPr>
-        <p:style>
-          <a:lnRef idx="1">
-            <a:schemeClr val="accent1"/>
-          </a:lnRef>
-          <a:fillRef idx="2">
-            <a:schemeClr val="accent1"/>
-          </a:fillRef>
-          <a:effectRef idx="1">
-            <a:schemeClr val="accent1"/>
-          </a:effectRef>
-          <a:fontRef idx="minor">
-            <a:schemeClr val="dk1"/>
-          </a:fontRef>
-        </p:style>
-        <p:txBody>
-          <a:bodyPr rtlCol="0" anchor="ctr"/>
-          <a:lstStyle/>
-          <a:p>
-            <a:pPr algn="ctr"/>
-            <a:br>
-              <a:rPr lang="en-US" sz="1200" dirty="0">
-                <a:solidFill>
-                  <a:schemeClr val="tx1">
-                    <a:lumMod val="75000"/>
-                    <a:lumOff val="25000"/>
-                  </a:schemeClr>
-                </a:solidFill>
-                <a:cs typeface="Arial" panose="020B0604020202020204" pitchFamily="34" charset="0"/>
-              </a:rPr>
-            </a:br>
-            <a:r>
-              <a:rPr lang="en-US" sz="1200" dirty="0">
-                <a:solidFill>
-                  <a:schemeClr val="tx1">
-                    <a:lumMod val="75000"/>
-                    <a:lumOff val="25000"/>
-                  </a:schemeClr>
-                </a:solidFill>
-                <a:cs typeface="Arial" panose="020B0604020202020204" pitchFamily="34" charset="0"/>
-              </a:rPr>
-              <a:t>Real-time Serving/App</a:t>
-            </a:r>
-          </a:p>
-          <a:p>
-            <a:pPr algn="ctr"/>
-            <a:r>
-              <a:rPr lang="en-US" sz="1200" dirty="0">
-                <a:solidFill>
-                  <a:schemeClr val="tx1">
-                    <a:lumMod val="75000"/>
-                    <a:lumOff val="25000"/>
-                  </a:schemeClr>
-                </a:solidFill>
-                <a:cs typeface="Arial" panose="020B0604020202020204" pitchFamily="34" charset="0"/>
-              </a:rPr>
-              <a:t>Pipelines</a:t>
-            </a:r>
-          </a:p>
-          <a:p>
-            <a:pPr algn="ctr">
-              <a:defRPr/>
-            </a:pPr>
-            <a:endParaRPr lang="en-US" sz="1200" dirty="0">
-              <a:solidFill>
-                <a:srgbClr val="326DE6"/>
-              </a:solidFill>
-            </a:endParaRPr>
-          </a:p>
-        </p:txBody>
-      </p:sp>
-      <p:sp>
-        <p:nvSpPr>
-          <p:cNvPr id="127" name="Cube 126">
-            <a:extLst>
-              <a:ext uri="{FF2B5EF4-FFF2-40B4-BE49-F238E27FC236}">
-                <a16:creationId xmlns:a16="http://schemas.microsoft.com/office/drawing/2014/main" id="{8397585A-E57A-428E-965D-BC8CCFB9ABE5}"/>
-              </a:ext>
-            </a:extLst>
-          </p:cNvPr>
-          <p:cNvSpPr/>
-          <p:nvPr/>
-        </p:nvSpPr>
-        <p:spPr>
-          <a:xfrm>
-            <a:off x="6452655" y="5167288"/>
-            <a:ext cx="1081688" cy="982689"/>
-          </a:xfrm>
-          <a:prstGeom prst="cube">
-            <a:avLst>
-              <a:gd name="adj" fmla="val 12468"/>
-            </a:avLst>
-          </a:prstGeom>
-          <a:solidFill>
-            <a:srgbClr val="E2E8FE"/>
-          </a:solidFill>
-          <a:ln>
-            <a:solidFill>
-              <a:srgbClr val="326DE6"/>
-            </a:solidFill>
-          </a:ln>
-        </p:spPr>
-        <p:style>
-          <a:lnRef idx="1">
-            <a:schemeClr val="accent1"/>
-          </a:lnRef>
-          <a:fillRef idx="2">
-            <a:schemeClr val="accent1"/>
-          </a:fillRef>
-          <a:effectRef idx="1">
-            <a:schemeClr val="accent1"/>
-          </a:effectRef>
-          <a:fontRef idx="minor">
-            <a:schemeClr val="dk1"/>
-          </a:fontRef>
-        </p:style>
-        <p:txBody>
-          <a:bodyPr rtlCol="0" anchor="ctr"/>
-          <a:lstStyle/>
-          <a:p>
-            <a:pPr algn="ctr"/>
-            <a:r>
-              <a:rPr lang="en-US" sz="1200" dirty="0">
-                <a:solidFill>
-                  <a:schemeClr val="tx1">
-                    <a:lumMod val="75000"/>
-                    <a:lumOff val="25000"/>
-                  </a:schemeClr>
-                </a:solidFill>
-              </a:rPr>
-              <a:t>Real-time</a:t>
-            </a:r>
-          </a:p>
-          <a:p>
-            <a:pPr algn="ctr"/>
-            <a:r>
-              <a:rPr lang="en-US" sz="1200" dirty="0">
-                <a:solidFill>
-                  <a:schemeClr val="tx1">
-                    <a:lumMod val="75000"/>
-                    <a:lumOff val="25000"/>
-                  </a:schemeClr>
-                </a:solidFill>
-              </a:rPr>
-              <a:t>Data &amp; Model Monitoring</a:t>
-            </a:r>
-          </a:p>
-        </p:txBody>
-      </p:sp>
-      <p:sp>
-        <p:nvSpPr>
-          <p:cNvPr id="128" name="TextBox 127">
-            <a:extLst>
-              <a:ext uri="{FF2B5EF4-FFF2-40B4-BE49-F238E27FC236}">
-                <a16:creationId xmlns:a16="http://schemas.microsoft.com/office/drawing/2014/main" id="{BE905774-9E00-428E-8314-B3A7C7A39079}"/>
-              </a:ext>
-            </a:extLst>
-          </p:cNvPr>
-          <p:cNvSpPr txBox="1"/>
-          <p:nvPr/>
-        </p:nvSpPr>
-        <p:spPr>
-          <a:xfrm>
-            <a:off x="4127862" y="5458814"/>
-            <a:ext cx="1587283" cy="276999"/>
-          </a:xfrm>
-          <a:prstGeom prst="rect">
-            <a:avLst/>
-          </a:prstGeom>
-          <a:noFill/>
-        </p:spPr>
-        <p:txBody>
-          <a:bodyPr wrap="square" rtlCol="0">
-            <a:spAutoFit/>
-          </a:bodyPr>
-          <a:lstStyle/>
-          <a:p>
-            <a:pPr algn="ctr">
-              <a:defRPr/>
-            </a:pPr>
-            <a:r>
-              <a:rPr lang="en-US" sz="1200" dirty="0">
-                <a:solidFill>
-                  <a:srgbClr val="232A3D">
-                    <a:lumMod val="90000"/>
-                    <a:lumOff val="10000"/>
-                  </a:srgbClr>
-                </a:solidFill>
-              </a:rPr>
-              <a:t>Feedback</a:t>
-            </a:r>
-          </a:p>
-        </p:txBody>
-      </p:sp>
-      <p:sp>
-        <p:nvSpPr>
-          <p:cNvPr id="131" name="TextBox 130">
-            <a:extLst>
-              <a:ext uri="{FF2B5EF4-FFF2-40B4-BE49-F238E27FC236}">
-                <a16:creationId xmlns:a16="http://schemas.microsoft.com/office/drawing/2014/main" id="{4DCA6E78-AB05-42C3-AB71-6262225313FA}"/>
-              </a:ext>
-            </a:extLst>
-          </p:cNvPr>
-          <p:cNvSpPr txBox="1"/>
-          <p:nvPr/>
-        </p:nvSpPr>
-        <p:spPr>
-          <a:xfrm>
-            <a:off x="4518337" y="4507992"/>
-            <a:ext cx="1945277" cy="307775"/>
-          </a:xfrm>
-          <a:prstGeom prst="rect">
-            <a:avLst/>
-          </a:prstGeom>
-          <a:noFill/>
-        </p:spPr>
-        <p:txBody>
-          <a:bodyPr wrap="square">
-            <a:spAutoFit/>
-          </a:bodyPr>
-          <a:lstStyle/>
-          <a:p>
-            <a:pPr algn="ctr" defTabSz="914446">
-              <a:defRPr/>
-            </a:pPr>
-            <a:r>
-              <a:rPr lang="en-US" sz="1400" dirty="0">
-                <a:solidFill>
-                  <a:srgbClr val="25225E"/>
-                </a:solidFill>
-              </a:rPr>
-              <a:t>Data Access/Services</a:t>
-            </a:r>
-          </a:p>
-        </p:txBody>
-      </p:sp>
-      <p:sp>
-        <p:nvSpPr>
-          <p:cNvPr id="134" name="Cube 133">
-            <a:extLst>
-              <a:ext uri="{FF2B5EF4-FFF2-40B4-BE49-F238E27FC236}">
-                <a16:creationId xmlns:a16="http://schemas.microsoft.com/office/drawing/2014/main" id="{FC625B89-0493-4AC7-8BAE-84EDBEBD2414}"/>
-              </a:ext>
-            </a:extLst>
-          </p:cNvPr>
-          <p:cNvSpPr/>
-          <p:nvPr/>
-        </p:nvSpPr>
-        <p:spPr>
-          <a:xfrm>
-            <a:off x="4537225" y="3211005"/>
-            <a:ext cx="1964936" cy="1028675"/>
-          </a:xfrm>
-          <a:prstGeom prst="cube">
-            <a:avLst>
-              <a:gd name="adj" fmla="val 12468"/>
-            </a:avLst>
-          </a:prstGeom>
-          <a:solidFill>
-            <a:srgbClr val="E2E8FE"/>
-          </a:solidFill>
-          <a:ln>
-            <a:solidFill>
-              <a:srgbClr val="326DE6"/>
-            </a:solidFill>
-          </a:ln>
-        </p:spPr>
-        <p:style>
-          <a:lnRef idx="1">
-            <a:schemeClr val="accent1"/>
-          </a:lnRef>
-          <a:fillRef idx="2">
-            <a:schemeClr val="accent1"/>
-          </a:fillRef>
-          <a:effectRef idx="1">
-            <a:schemeClr val="accent1"/>
-          </a:effectRef>
-          <a:fontRef idx="minor">
-            <a:schemeClr val="dk1"/>
-          </a:fontRef>
-        </p:style>
-        <p:txBody>
-          <a:bodyPr rtlCol="0" anchor="ctr"/>
-          <a:lstStyle/>
-          <a:p>
-            <a:pPr algn="ctr">
-              <a:defRPr/>
-            </a:pPr>
-            <a:endParaRPr lang="en-US" sz="1200" dirty="0">
-              <a:solidFill>
-                <a:srgbClr val="326DE6"/>
-              </a:solidFill>
-            </a:endParaRPr>
-          </a:p>
-        </p:txBody>
-      </p:sp>
-      <p:sp>
-        <p:nvSpPr>
-          <p:cNvPr id="133" name="TextBox 132">
-            <a:extLst>
-              <a:ext uri="{FF2B5EF4-FFF2-40B4-BE49-F238E27FC236}">
-                <a16:creationId xmlns:a16="http://schemas.microsoft.com/office/drawing/2014/main" id="{B284DB1F-CEB0-4806-BACC-971BC6D3D77F}"/>
-              </a:ext>
-            </a:extLst>
-          </p:cNvPr>
-          <p:cNvSpPr txBox="1"/>
-          <p:nvPr/>
-        </p:nvSpPr>
-        <p:spPr>
-          <a:xfrm>
-            <a:off x="4558573" y="3432744"/>
-            <a:ext cx="1896652" cy="707886"/>
-          </a:xfrm>
-          <a:prstGeom prst="rect">
-            <a:avLst/>
-          </a:prstGeom>
-          <a:noFill/>
-        </p:spPr>
-        <p:txBody>
-          <a:bodyPr wrap="square">
-            <a:spAutoFit/>
-          </a:bodyPr>
-          <a:lstStyle/>
-          <a:p>
-            <a:pPr algn="ctr" defTabSz="1219058" eaLnBrk="0" fontAlgn="base" hangingPunct="0">
-              <a:spcBef>
-                <a:spcPct val="0"/>
-              </a:spcBef>
-              <a:spcAft>
-                <a:spcPct val="0"/>
-              </a:spcAft>
-              <a:defRPr/>
-            </a:pPr>
-            <a:r>
-              <a:rPr lang="en-US" sz="1400" b="1" dirty="0">
-                <a:solidFill>
-                  <a:srgbClr val="232A3D">
-                    <a:lumMod val="90000"/>
-                    <a:lumOff val="10000"/>
-                  </a:srgbClr>
-                </a:solidFill>
-              </a:rPr>
-              <a:t>Online + Offline </a:t>
-            </a:r>
-            <a:br>
-              <a:rPr lang="en-US" sz="1400" b="1" dirty="0">
-                <a:solidFill>
-                  <a:srgbClr val="232A3D">
-                    <a:lumMod val="90000"/>
-                    <a:lumOff val="10000"/>
-                  </a:srgbClr>
-                </a:solidFill>
-              </a:rPr>
-            </a:br>
-            <a:r>
-              <a:rPr lang="en-US" sz="1400" b="1" dirty="0">
-                <a:solidFill>
-                  <a:srgbClr val="232A3D">
-                    <a:lumMod val="90000"/>
-                    <a:lumOff val="10000"/>
-                  </a:srgbClr>
-                </a:solidFill>
-              </a:rPr>
-              <a:t>Feature Store</a:t>
-            </a:r>
-            <a:br>
-              <a:rPr lang="en-US" sz="1400" b="1" dirty="0">
-                <a:solidFill>
-                  <a:srgbClr val="232A3D">
-                    <a:lumMod val="90000"/>
-                    <a:lumOff val="10000"/>
-                  </a:srgbClr>
-                </a:solidFill>
-              </a:rPr>
-            </a:br>
-            <a:r>
-              <a:rPr lang="en-US" sz="1200" dirty="0"/>
-              <a:t>Ingest, Prepare, Serve</a:t>
-            </a:r>
-            <a:endParaRPr lang="LID4096" sz="1200" b="1" dirty="0"/>
-          </a:p>
-        </p:txBody>
-      </p:sp>
-      <p:sp>
-        <p:nvSpPr>
-          <p:cNvPr id="135" name="Rectangle: Rounded Corners 135">
-            <a:extLst>
-              <a:ext uri="{FF2B5EF4-FFF2-40B4-BE49-F238E27FC236}">
-                <a16:creationId xmlns:a16="http://schemas.microsoft.com/office/drawing/2014/main" id="{E3B32ACB-56B5-4D5F-A104-DA1BAB6F9C10}"/>
-              </a:ext>
-            </a:extLst>
-          </p:cNvPr>
-          <p:cNvSpPr/>
-          <p:nvPr/>
-        </p:nvSpPr>
-        <p:spPr>
-          <a:xfrm>
-            <a:off x="4855451" y="1774321"/>
-            <a:ext cx="954729" cy="564920"/>
-          </a:xfrm>
-          <a:prstGeom prst="roundRect">
-            <a:avLst/>
-          </a:prstGeom>
-          <a:solidFill>
-            <a:srgbClr val="E2E8FE"/>
-          </a:solidFill>
-          <a:ln w="19050">
-            <a:solidFill>
-              <a:srgbClr val="3B465B"/>
-            </a:solidFill>
-          </a:ln>
-        </p:spPr>
-        <p:style>
-          <a:lnRef idx="2">
-            <a:schemeClr val="accent1"/>
-          </a:lnRef>
-          <a:fillRef idx="1">
-            <a:schemeClr val="lt1"/>
-          </a:fillRef>
-          <a:effectRef idx="0">
-            <a:schemeClr val="accent1"/>
-          </a:effectRef>
-          <a:fontRef idx="minor">
-            <a:schemeClr val="dk1"/>
-          </a:fontRef>
-        </p:style>
-        <p:txBody>
-          <a:bodyPr vert="horz" wrap="square" lIns="12000" tIns="16000" rIns="12000" bIns="16000" rtlCol="0" anchor="ctr"/>
-          <a:lstStyle/>
-          <a:p>
-            <a:pPr algn="ctr"/>
-            <a:r>
-              <a:rPr lang="en-US" sz="1200" dirty="0">
-                <a:solidFill>
-                  <a:srgbClr val="4F496F"/>
-                </a:solidFill>
-              </a:rPr>
-              <a:t>Training</a:t>
-            </a:r>
-          </a:p>
-          <a:p>
-            <a:pPr algn="ctr"/>
-            <a:r>
-              <a:rPr lang="en-US" sz="1200" dirty="0">
-                <a:solidFill>
-                  <a:srgbClr val="4F496F"/>
-                </a:solidFill>
-              </a:rPr>
-              <a:t>/ </a:t>
-            </a:r>
-            <a:r>
-              <a:rPr lang="en-US" sz="1200" dirty="0" err="1">
-                <a:solidFill>
-                  <a:srgbClr val="4F496F"/>
-                </a:solidFill>
-              </a:rPr>
-              <a:t>AutoML</a:t>
-            </a:r>
-            <a:endParaRPr lang="LID4096" sz="1200" dirty="0">
-              <a:solidFill>
-                <a:srgbClr val="4F496F"/>
-              </a:solidFill>
-            </a:endParaRPr>
-          </a:p>
-        </p:txBody>
-      </p:sp>
-      <p:sp>
-        <p:nvSpPr>
-          <p:cNvPr id="136" name="Rectangle: Rounded Corners 135">
-            <a:extLst>
-              <a:ext uri="{FF2B5EF4-FFF2-40B4-BE49-F238E27FC236}">
-                <a16:creationId xmlns:a16="http://schemas.microsoft.com/office/drawing/2014/main" id="{8A82AB49-9EEB-4E18-BAD5-498F4A4E80F2}"/>
-              </a:ext>
-            </a:extLst>
-          </p:cNvPr>
-          <p:cNvSpPr/>
-          <p:nvPr/>
-        </p:nvSpPr>
-        <p:spPr>
-          <a:xfrm>
-            <a:off x="6010198" y="1774321"/>
-            <a:ext cx="954729" cy="564920"/>
-          </a:xfrm>
-          <a:prstGeom prst="roundRect">
-            <a:avLst/>
-          </a:prstGeom>
-          <a:solidFill>
-            <a:srgbClr val="E2E8FE"/>
-          </a:solidFill>
-          <a:ln w="19050">
-            <a:solidFill>
-              <a:srgbClr val="3B465B"/>
-            </a:solidFill>
-          </a:ln>
-        </p:spPr>
-        <p:style>
-          <a:lnRef idx="2">
-            <a:schemeClr val="accent1"/>
-          </a:lnRef>
-          <a:fillRef idx="1">
-            <a:schemeClr val="lt1"/>
-          </a:fillRef>
-          <a:effectRef idx="0">
-            <a:schemeClr val="accent1"/>
-          </a:effectRef>
-          <a:fontRef idx="minor">
-            <a:schemeClr val="dk1"/>
-          </a:fontRef>
-        </p:style>
-        <p:txBody>
-          <a:bodyPr vert="horz" wrap="square" lIns="12000" tIns="16000" rIns="12000" bIns="16000" rtlCol="0" anchor="ctr"/>
-          <a:lstStyle/>
-          <a:p>
-            <a:pPr algn="ctr"/>
-            <a:r>
-              <a:rPr lang="en-US" sz="1200" dirty="0">
-                <a:solidFill>
-                  <a:srgbClr val="4F496F"/>
-                </a:solidFill>
-              </a:rPr>
-              <a:t>Validation &amp; Testing</a:t>
-            </a:r>
-            <a:endParaRPr lang="LID4096" sz="1200" dirty="0">
-              <a:solidFill>
-                <a:srgbClr val="4F496F"/>
-              </a:solidFill>
-            </a:endParaRPr>
-          </a:p>
-        </p:txBody>
-      </p:sp>
-      <p:sp>
-        <p:nvSpPr>
-          <p:cNvPr id="137" name="Rectangle: Rounded Corners 135">
-            <a:extLst>
-              <a:ext uri="{FF2B5EF4-FFF2-40B4-BE49-F238E27FC236}">
-                <a16:creationId xmlns:a16="http://schemas.microsoft.com/office/drawing/2014/main" id="{20007206-28D6-4DDB-BDD8-D77FEAA713CB}"/>
-              </a:ext>
-            </a:extLst>
-          </p:cNvPr>
-          <p:cNvSpPr/>
-          <p:nvPr/>
-        </p:nvSpPr>
-        <p:spPr>
-          <a:xfrm>
-            <a:off x="7164945" y="1775562"/>
-            <a:ext cx="954729" cy="564920"/>
-          </a:xfrm>
-          <a:prstGeom prst="roundRect">
-            <a:avLst/>
-          </a:prstGeom>
-          <a:solidFill>
-            <a:srgbClr val="E2E8FE"/>
-          </a:solidFill>
-          <a:ln w="19050">
-            <a:solidFill>
-              <a:srgbClr val="3B465B"/>
-            </a:solidFill>
-          </a:ln>
-        </p:spPr>
-        <p:style>
-          <a:lnRef idx="2">
-            <a:schemeClr val="accent1"/>
-          </a:lnRef>
-          <a:fillRef idx="1">
-            <a:schemeClr val="lt1"/>
-          </a:fillRef>
-          <a:effectRef idx="0">
-            <a:schemeClr val="accent1"/>
-          </a:effectRef>
-          <a:fontRef idx="minor">
-            <a:schemeClr val="dk1"/>
-          </a:fontRef>
-        </p:style>
-        <p:txBody>
-          <a:bodyPr vert="horz" wrap="square" lIns="12000" tIns="16000" rIns="12000" bIns="16000" rtlCol="0" anchor="ctr"/>
-          <a:lstStyle/>
-          <a:p>
-            <a:pPr algn="ctr"/>
-            <a:r>
-              <a:rPr lang="en-US" sz="1200" dirty="0">
-                <a:solidFill>
-                  <a:srgbClr val="4F496F"/>
-                </a:solidFill>
-              </a:rPr>
-              <a:t>Model Optimization</a:t>
-            </a:r>
-            <a:endParaRPr lang="LID4096" sz="1200" dirty="0">
-              <a:solidFill>
-                <a:srgbClr val="4F496F"/>
-              </a:solidFill>
-            </a:endParaRPr>
-          </a:p>
-        </p:txBody>
-      </p:sp>
-      <p:sp>
-        <p:nvSpPr>
-          <p:cNvPr id="138" name="Rectangle: Rounded Corners 135">
-            <a:extLst>
-              <a:ext uri="{FF2B5EF4-FFF2-40B4-BE49-F238E27FC236}">
-                <a16:creationId xmlns:a16="http://schemas.microsoft.com/office/drawing/2014/main" id="{248332C8-B362-4DA7-9E7F-96934909538C}"/>
-              </a:ext>
-            </a:extLst>
-          </p:cNvPr>
-          <p:cNvSpPr/>
-          <p:nvPr/>
-        </p:nvSpPr>
-        <p:spPr>
-          <a:xfrm>
-            <a:off x="8319691" y="1775562"/>
-            <a:ext cx="954729" cy="564920"/>
-          </a:xfrm>
-          <a:prstGeom prst="roundRect">
-            <a:avLst/>
-          </a:prstGeom>
-          <a:solidFill>
-            <a:srgbClr val="E2E8FE"/>
-          </a:solidFill>
-          <a:ln w="19050">
-            <a:solidFill>
-              <a:srgbClr val="3B465B"/>
-            </a:solidFill>
-          </a:ln>
-        </p:spPr>
-        <p:style>
-          <a:lnRef idx="2">
-            <a:schemeClr val="accent1"/>
-          </a:lnRef>
-          <a:fillRef idx="1">
-            <a:schemeClr val="lt1"/>
-          </a:fillRef>
-          <a:effectRef idx="0">
-            <a:schemeClr val="accent1"/>
-          </a:effectRef>
-          <a:fontRef idx="minor">
-            <a:schemeClr val="dk1"/>
-          </a:fontRef>
-        </p:style>
-        <p:txBody>
-          <a:bodyPr vert="horz" wrap="square" lIns="12000" tIns="16000" rIns="12000" bIns="16000" rtlCol="0" anchor="ctr"/>
-          <a:lstStyle/>
-          <a:p>
-            <a:pPr algn="ctr"/>
-            <a:r>
-              <a:rPr lang="en-US" sz="1200" dirty="0">
-                <a:solidFill>
-                  <a:srgbClr val="4F496F"/>
-                </a:solidFill>
-              </a:rPr>
-              <a:t>(Re)deploy</a:t>
-            </a:r>
-          </a:p>
-          <a:p>
-            <a:pPr algn="ctr"/>
-            <a:r>
-              <a:rPr lang="en-US" sz="1200" dirty="0">
-                <a:solidFill>
-                  <a:srgbClr val="4F496F"/>
-                </a:solidFill>
-              </a:rPr>
-              <a:t>Pipeline</a:t>
-            </a:r>
-            <a:endParaRPr lang="LID4096" sz="1200" dirty="0">
-              <a:solidFill>
-                <a:srgbClr val="4F496F"/>
-              </a:solidFill>
-            </a:endParaRPr>
-          </a:p>
-        </p:txBody>
-      </p:sp>
-      <p:grpSp>
-        <p:nvGrpSpPr>
-          <p:cNvPr id="145" name="Group 144">
-            <a:extLst>
-              <a:ext uri="{FF2B5EF4-FFF2-40B4-BE49-F238E27FC236}">
-                <a16:creationId xmlns:a16="http://schemas.microsoft.com/office/drawing/2014/main" id="{19123547-C9EF-45DB-BC49-08B7D1A87DB9}"/>
-              </a:ext>
-            </a:extLst>
-          </p:cNvPr>
-          <p:cNvGrpSpPr/>
-          <p:nvPr/>
-        </p:nvGrpSpPr>
-        <p:grpSpPr>
-          <a:xfrm>
-            <a:off x="1322403" y="5186644"/>
-            <a:ext cx="1566794" cy="1101386"/>
-            <a:chOff x="309759" y="4999425"/>
-            <a:chExt cx="1566794" cy="1101386"/>
-          </a:xfrm>
-        </p:grpSpPr>
-        <p:pic>
-          <p:nvPicPr>
-            <p:cNvPr id="139" name="Graphic 138">
-              <a:extLst>
-                <a:ext uri="{FF2B5EF4-FFF2-40B4-BE49-F238E27FC236}">
-                  <a16:creationId xmlns:a16="http://schemas.microsoft.com/office/drawing/2014/main" id="{DD54CD08-D69D-4235-BFE5-23B3F741257E}"/>
-                </a:ext>
-              </a:extLst>
-            </p:cNvPr>
-            <p:cNvPicPr>
-              <a:picLocks noChangeAspect="1"/>
-            </p:cNvPicPr>
-            <p:nvPr/>
-          </p:nvPicPr>
-          <p:blipFill>
-            <a:blip r:embed="rId6">
-              <a:extLst>
-                <a:ext uri="{96DAC541-7B7A-43D3-8B79-37D633B846F1}">
-                  <asvg:svgBlip xmlns:asvg="http://schemas.microsoft.com/office/drawing/2016/SVG/main" r:embed="rId7"/>
-                </a:ext>
-              </a:extLst>
-            </a:blip>
-            <a:stretch>
-              <a:fillRect/>
-            </a:stretch>
-          </p:blipFill>
-          <p:spPr>
-            <a:xfrm>
-              <a:off x="852433" y="4999425"/>
-              <a:ext cx="315824" cy="327521"/>
-            </a:xfrm>
-            <a:prstGeom prst="rect">
-              <a:avLst/>
-            </a:prstGeom>
-          </p:spPr>
-        </p:pic>
-        <p:pic>
-          <p:nvPicPr>
-            <p:cNvPr id="140" name="Graphic 139">
-              <a:extLst>
-                <a:ext uri="{FF2B5EF4-FFF2-40B4-BE49-F238E27FC236}">
-                  <a16:creationId xmlns:a16="http://schemas.microsoft.com/office/drawing/2014/main" id="{20CC81D4-4024-438F-A2B6-263BA514BF99}"/>
-                </a:ext>
-              </a:extLst>
-            </p:cNvPr>
-            <p:cNvPicPr>
-              <a:picLocks noChangeAspect="1"/>
-            </p:cNvPicPr>
-            <p:nvPr/>
-          </p:nvPicPr>
-          <p:blipFill>
-            <a:blip r:embed="rId8">
-              <a:extLst>
-                <a:ext uri="{96DAC541-7B7A-43D3-8B79-37D633B846F1}">
-                  <asvg:svgBlip xmlns:asvg="http://schemas.microsoft.com/office/drawing/2016/SVG/main" r:embed="rId9"/>
-                </a:ext>
-              </a:extLst>
-            </a:blip>
-            <a:stretch>
-              <a:fillRect/>
-            </a:stretch>
-          </p:blipFill>
-          <p:spPr>
-            <a:xfrm rot="16200000">
-              <a:off x="1121881" y="5375155"/>
-              <a:ext cx="258522" cy="315971"/>
-            </a:xfrm>
-            <a:prstGeom prst="rect">
-              <a:avLst/>
-            </a:prstGeom>
-          </p:spPr>
-        </p:pic>
-        <p:sp>
-          <p:nvSpPr>
-            <p:cNvPr id="142" name="TextBox 141">
-              <a:extLst>
-                <a:ext uri="{FF2B5EF4-FFF2-40B4-BE49-F238E27FC236}">
-                  <a16:creationId xmlns:a16="http://schemas.microsoft.com/office/drawing/2014/main" id="{122E6D1F-8788-4855-9F21-3D3D4923AA7D}"/>
-                </a:ext>
-              </a:extLst>
-            </p:cNvPr>
-            <p:cNvSpPr txBox="1"/>
-            <p:nvPr/>
-          </p:nvSpPr>
-          <p:spPr>
-            <a:xfrm>
-              <a:off x="309759" y="5823812"/>
-              <a:ext cx="1566794" cy="276999"/>
-            </a:xfrm>
-            <a:prstGeom prst="rect">
-              <a:avLst/>
-            </a:prstGeom>
-            <a:noFill/>
-          </p:spPr>
-          <p:txBody>
-            <a:bodyPr wrap="square">
-              <a:spAutoFit/>
-            </a:bodyPr>
-            <a:lstStyle/>
-            <a:p>
-              <a:r>
-                <a:rPr lang="en-US" sz="1200" dirty="0"/>
-                <a:t>Real-time sources</a:t>
-              </a:r>
-              <a:endParaRPr lang="LID4096" sz="1200" dirty="0"/>
-            </a:p>
-          </p:txBody>
-        </p:sp>
-        <p:pic>
-          <p:nvPicPr>
-            <p:cNvPr id="143" name="Picture 2" descr="Kafka Logo Icon - Download in Flat Style">
-              <a:extLst>
-                <a:ext uri="{FF2B5EF4-FFF2-40B4-BE49-F238E27FC236}">
-                  <a16:creationId xmlns:a16="http://schemas.microsoft.com/office/drawing/2014/main" id="{F80977AC-3E26-47A9-9E42-0256AEDAB047}"/>
-                </a:ext>
-              </a:extLst>
-            </p:cNvPr>
-            <p:cNvPicPr>
-              <a:picLocks noChangeAspect="1" noChangeArrowheads="1"/>
-            </p:cNvPicPr>
-            <p:nvPr/>
-          </p:nvPicPr>
-          <p:blipFill>
-            <a:blip r:embed="rId10" cstate="print">
-              <a:extLst>
-                <a:ext uri="{28A0092B-C50C-407E-A947-70E740481C1C}">
-                  <a14:useLocalDpi xmlns:a14="http://schemas.microsoft.com/office/drawing/2010/main" val="0"/>
-                </a:ext>
-              </a:extLst>
-            </a:blip>
-            <a:srcRect/>
-            <a:stretch>
-              <a:fillRect/>
-            </a:stretch>
-          </p:blipFill>
-          <p:spPr bwMode="auto">
-            <a:xfrm>
-              <a:off x="419286" y="5122747"/>
-              <a:ext cx="327521" cy="327521"/>
-            </a:xfrm>
-            <a:prstGeom prst="rect">
-              <a:avLst/>
-            </a:prstGeom>
-            <a:noFill/>
-            <a:extLst>
-              <a:ext uri="{909E8E84-426E-40DD-AFC4-6F175D3DCCD1}">
-                <a14:hiddenFill xmlns:a14="http://schemas.microsoft.com/office/drawing/2010/main">
-                  <a:solidFill>
-                    <a:srgbClr val="FFFFFF"/>
-                  </a:solidFill>
-                </a14:hiddenFill>
-              </a:ext>
-            </a:extLst>
-          </p:spPr>
-        </p:pic>
-        <p:pic>
-          <p:nvPicPr>
-            <p:cNvPr id="144" name="Picture 2" descr="Video Recording Icons - Download Free Vector Icons | Noun Project">
-              <a:extLst>
-                <a:ext uri="{FF2B5EF4-FFF2-40B4-BE49-F238E27FC236}">
-                  <a16:creationId xmlns:a16="http://schemas.microsoft.com/office/drawing/2014/main" id="{EF6CF933-4D9E-40B4-9A6A-B46FDB4A287F}"/>
-                </a:ext>
-              </a:extLst>
-            </p:cNvPr>
-            <p:cNvPicPr>
-              <a:picLocks noChangeAspect="1" noChangeArrowheads="1"/>
-            </p:cNvPicPr>
-            <p:nvPr/>
-          </p:nvPicPr>
-          <p:blipFill>
-            <a:blip r:embed="rId11" cstate="print">
-              <a:extLst>
-                <a:ext uri="{28A0092B-C50C-407E-A947-70E740481C1C}">
-                  <a14:useLocalDpi xmlns:a14="http://schemas.microsoft.com/office/drawing/2010/main" val="0"/>
-                </a:ext>
-              </a:extLst>
-            </a:blip>
-            <a:srcRect/>
-            <a:stretch>
-              <a:fillRect/>
-            </a:stretch>
-          </p:blipFill>
-          <p:spPr bwMode="auto">
-            <a:xfrm flipH="1">
-              <a:off x="557124" y="5359637"/>
-              <a:ext cx="491381" cy="491381"/>
-            </a:xfrm>
-            <a:prstGeom prst="rect">
-              <a:avLst/>
-            </a:prstGeom>
-            <a:noFill/>
-            <a:extLst>
-              <a:ext uri="{909E8E84-426E-40DD-AFC4-6F175D3DCCD1}">
-                <a14:hiddenFill xmlns:a14="http://schemas.microsoft.com/office/drawing/2010/main">
-                  <a:solidFill>
-                    <a:srgbClr val="FFFFFF"/>
-                  </a:solidFill>
-                </a14:hiddenFill>
-              </a:ext>
-            </a:extLst>
-          </p:spPr>
-        </p:pic>
-      </p:grpSp>
       <p:cxnSp>
         <p:nvCxnSpPr>
-          <p:cNvPr id="149" name="Straight Arrow Connector 148">
-            <a:extLst>
-              <a:ext uri="{FF2B5EF4-FFF2-40B4-BE49-F238E27FC236}">
-                <a16:creationId xmlns:a16="http://schemas.microsoft.com/office/drawing/2014/main" id="{2F60FB15-7CF7-40B3-80E0-3FF46AA73A23}"/>
+          <p:cNvPr id="111" name="Straight Arrow Connector 110">
+            <a:extLst>
+              <a:ext uri="{FF2B5EF4-FFF2-40B4-BE49-F238E27FC236}">
+                <a16:creationId xmlns:a16="http://schemas.microsoft.com/office/drawing/2014/main" id="{F06C8F0F-768F-4317-9EA4-82E2AAF1B30B}"/>
               </a:ext>
             </a:extLst>
           </p:cNvPr>
@@ -5383,16 +4920,17 @@
         </p:nvCxnSpPr>
         <p:spPr>
           <a:xfrm>
-            <a:off x="2589367" y="4605396"/>
-            <a:ext cx="1834108" cy="0"/>
+            <a:off x="1775051" y="3987914"/>
+            <a:ext cx="704173" cy="443511"/>
           </a:xfrm>
           <a:prstGeom prst="straightConnector1">
             <a:avLst/>
           </a:prstGeom>
-          <a:ln w="38100">
+          <a:ln w="28575">
             <a:solidFill>
-              <a:srgbClr val="0FDDAF"/>
+              <a:srgbClr val="25225E"/>
             </a:solidFill>
+            <a:prstDash val="solid"/>
             <a:headEnd type="none" w="med" len="med"/>
             <a:tailEnd type="arrow" w="med" len="med"/>
           </a:ln>
@@ -5412,12 +4950,365 @@
           </a:fontRef>
         </p:style>
       </p:cxnSp>
-      <p:sp>
-        <p:nvSpPr>
-          <p:cNvPr id="159" name="TextBox 158">
-            <a:extLst>
-              <a:ext uri="{FF2B5EF4-FFF2-40B4-BE49-F238E27FC236}">
-                <a16:creationId xmlns:a16="http://schemas.microsoft.com/office/drawing/2014/main" id="{21A5C8BA-1864-471A-A101-5E1A906A1DDB}"/>
+      <p:cxnSp>
+        <p:nvCxnSpPr>
+          <p:cNvPr id="112" name="Straight Arrow Connector 111">
+            <a:extLst>
+              <a:ext uri="{FF2B5EF4-FFF2-40B4-BE49-F238E27FC236}">
+                <a16:creationId xmlns:a16="http://schemas.microsoft.com/office/drawing/2014/main" id="{EC99FBB7-D8BA-48D5-8CA8-484ED87431E0}"/>
+              </a:ext>
+            </a:extLst>
+          </p:cNvPr>
+          <p:cNvCxnSpPr>
+            <a:cxnSpLocks/>
+          </p:cNvCxnSpPr>
+          <p:nvPr/>
+        </p:nvCxnSpPr>
+        <p:spPr>
+          <a:xfrm>
+            <a:off x="1547320" y="4550174"/>
+            <a:ext cx="961768" cy="176108"/>
+          </a:xfrm>
+          <a:prstGeom prst="straightConnector1">
+            <a:avLst/>
+          </a:prstGeom>
+          <a:ln w="28575">
+            <a:solidFill>
+              <a:srgbClr val="25225E"/>
+            </a:solidFill>
+            <a:prstDash val="solid"/>
+            <a:headEnd type="none" w="med" len="med"/>
+            <a:tailEnd type="arrow" w="med" len="med"/>
+          </a:ln>
+        </p:spPr>
+        <p:style>
+          <a:lnRef idx="1">
+            <a:schemeClr val="accent1"/>
+          </a:lnRef>
+          <a:fillRef idx="0">
+            <a:schemeClr val="accent1"/>
+          </a:fillRef>
+          <a:effectRef idx="0">
+            <a:schemeClr val="accent1"/>
+          </a:effectRef>
+          <a:fontRef idx="minor">
+            <a:schemeClr val="tx1"/>
+          </a:fontRef>
+        </p:style>
+      </p:cxnSp>
+      <p:cxnSp>
+        <p:nvCxnSpPr>
+          <p:cNvPr id="113" name="Connector: Elbow 112">
+            <a:extLst>
+              <a:ext uri="{FF2B5EF4-FFF2-40B4-BE49-F238E27FC236}">
+                <a16:creationId xmlns:a16="http://schemas.microsoft.com/office/drawing/2014/main" id="{3F911323-CDB8-43CE-BE14-6C3AC4C564CE}"/>
+              </a:ext>
+            </a:extLst>
+          </p:cNvPr>
+          <p:cNvCxnSpPr>
+            <a:cxnSpLocks/>
+            <a:endCxn id="99" idx="0"/>
+          </p:cNvCxnSpPr>
+          <p:nvPr/>
+        </p:nvCxnSpPr>
+        <p:spPr>
+          <a:xfrm>
+            <a:off x="7937762" y="4627683"/>
+            <a:ext cx="614622" cy="218028"/>
+          </a:xfrm>
+          <a:prstGeom prst="bentConnector2">
+            <a:avLst/>
+          </a:prstGeom>
+          <a:ln w="28575">
+            <a:solidFill>
+              <a:srgbClr val="25225E"/>
+            </a:solidFill>
+            <a:prstDash val="solid"/>
+            <a:headEnd type="none" w="med" len="med"/>
+            <a:tailEnd type="arrow" w="med" len="med"/>
+          </a:ln>
+        </p:spPr>
+        <p:style>
+          <a:lnRef idx="1">
+            <a:schemeClr val="accent1"/>
+          </a:lnRef>
+          <a:fillRef idx="0">
+            <a:schemeClr val="accent1"/>
+          </a:fillRef>
+          <a:effectRef idx="0">
+            <a:schemeClr val="accent1"/>
+          </a:effectRef>
+          <a:fontRef idx="minor">
+            <a:schemeClr val="tx1"/>
+          </a:fontRef>
+        </p:style>
+      </p:cxnSp>
+      <p:cxnSp>
+        <p:nvCxnSpPr>
+          <p:cNvPr id="114" name="Straight Arrow Connector 113">
+            <a:extLst>
+              <a:ext uri="{FF2B5EF4-FFF2-40B4-BE49-F238E27FC236}">
+                <a16:creationId xmlns:a16="http://schemas.microsoft.com/office/drawing/2014/main" id="{5F4FADD0-40F3-47F6-8E78-7C16BC5507F1}"/>
+              </a:ext>
+            </a:extLst>
+          </p:cNvPr>
+          <p:cNvCxnSpPr>
+            <a:cxnSpLocks/>
+          </p:cNvCxnSpPr>
+          <p:nvPr/>
+        </p:nvCxnSpPr>
+        <p:spPr>
+          <a:xfrm>
+            <a:off x="7914201" y="4318975"/>
+            <a:ext cx="2001253" cy="0"/>
+          </a:xfrm>
+          <a:prstGeom prst="straightConnector1">
+            <a:avLst/>
+          </a:prstGeom>
+          <a:ln w="28575">
+            <a:solidFill>
+              <a:srgbClr val="25225E"/>
+            </a:solidFill>
+            <a:prstDash val="solid"/>
+            <a:headEnd type="arrow" w="med" len="med"/>
+            <a:tailEnd type="arrow" w="med" len="med"/>
+          </a:ln>
+        </p:spPr>
+        <p:style>
+          <a:lnRef idx="1">
+            <a:schemeClr val="accent1"/>
+          </a:lnRef>
+          <a:fillRef idx="0">
+            <a:schemeClr val="accent1"/>
+          </a:fillRef>
+          <a:effectRef idx="0">
+            <a:schemeClr val="accent1"/>
+          </a:effectRef>
+          <a:fontRef idx="minor">
+            <a:schemeClr val="tx1"/>
+          </a:fontRef>
+        </p:style>
+      </p:cxnSp>
+      <p:cxnSp>
+        <p:nvCxnSpPr>
+          <p:cNvPr id="115" name="Connector: Elbow 114">
+            <a:extLst>
+              <a:ext uri="{FF2B5EF4-FFF2-40B4-BE49-F238E27FC236}">
+                <a16:creationId xmlns:a16="http://schemas.microsoft.com/office/drawing/2014/main" id="{F8BFC9D8-17FE-4A4A-8D9D-B69D18BDE3A7}"/>
+              </a:ext>
+            </a:extLst>
+          </p:cNvPr>
+          <p:cNvCxnSpPr>
+            <a:cxnSpLocks/>
+            <a:endCxn id="98" idx="2"/>
+          </p:cNvCxnSpPr>
+          <p:nvPr/>
+        </p:nvCxnSpPr>
+        <p:spPr>
+          <a:xfrm>
+            <a:off x="4506847" y="4455979"/>
+            <a:ext cx="2864004" cy="270303"/>
+          </a:xfrm>
+          <a:prstGeom prst="bentConnector4">
+            <a:avLst>
+              <a:gd name="adj1" fmla="val 17502"/>
+              <a:gd name="adj2" fmla="val 172723"/>
+            </a:avLst>
+          </a:prstGeom>
+          <a:ln w="28575">
+            <a:solidFill>
+              <a:srgbClr val="25225E"/>
+            </a:solidFill>
+            <a:prstDash val="solid"/>
+            <a:headEnd type="none" w="med" len="med"/>
+            <a:tailEnd type="arrow" w="med" len="med"/>
+          </a:ln>
+        </p:spPr>
+        <p:style>
+          <a:lnRef idx="1">
+            <a:schemeClr val="accent1"/>
+          </a:lnRef>
+          <a:fillRef idx="0">
+            <a:schemeClr val="accent1"/>
+          </a:fillRef>
+          <a:effectRef idx="0">
+            <a:schemeClr val="accent1"/>
+          </a:effectRef>
+          <a:fontRef idx="minor">
+            <a:schemeClr val="tx1"/>
+          </a:fontRef>
+        </p:style>
+      </p:cxnSp>
+      <p:cxnSp>
+        <p:nvCxnSpPr>
+          <p:cNvPr id="116" name="Straight Arrow Connector 115">
+            <a:extLst>
+              <a:ext uri="{FF2B5EF4-FFF2-40B4-BE49-F238E27FC236}">
+                <a16:creationId xmlns:a16="http://schemas.microsoft.com/office/drawing/2014/main" id="{42751CE7-3551-46A9-A8A2-0B7C09504FC5}"/>
+              </a:ext>
+            </a:extLst>
+          </p:cNvPr>
+          <p:cNvCxnSpPr>
+            <a:cxnSpLocks/>
+          </p:cNvCxnSpPr>
+          <p:nvPr/>
+        </p:nvCxnSpPr>
+        <p:spPr>
+          <a:xfrm flipV="1">
+            <a:off x="4501199" y="4276590"/>
+            <a:ext cx="629396" cy="1809"/>
+          </a:xfrm>
+          <a:prstGeom prst="straightConnector1">
+            <a:avLst/>
+          </a:prstGeom>
+          <a:ln w="28575">
+            <a:solidFill>
+              <a:srgbClr val="25225E"/>
+            </a:solidFill>
+            <a:prstDash val="solid"/>
+            <a:headEnd type="arrow" w="med" len="med"/>
+            <a:tailEnd type="arrow" w="med" len="med"/>
+          </a:ln>
+        </p:spPr>
+        <p:style>
+          <a:lnRef idx="1">
+            <a:schemeClr val="accent1"/>
+          </a:lnRef>
+          <a:fillRef idx="0">
+            <a:schemeClr val="accent1"/>
+          </a:fillRef>
+          <a:effectRef idx="0">
+            <a:schemeClr val="accent1"/>
+          </a:effectRef>
+          <a:fontRef idx="minor">
+            <a:schemeClr val="tx1"/>
+          </a:fontRef>
+        </p:style>
+      </p:cxnSp>
+      <p:pic>
+        <p:nvPicPr>
+          <p:cNvPr id="117" name="Graphic 116">
+            <a:extLst>
+              <a:ext uri="{FF2B5EF4-FFF2-40B4-BE49-F238E27FC236}">
+                <a16:creationId xmlns:a16="http://schemas.microsoft.com/office/drawing/2014/main" id="{1B4FAF3E-70BB-4118-852F-554C08C8D838}"/>
+              </a:ext>
+            </a:extLst>
+          </p:cNvPr>
+          <p:cNvPicPr>
+            <a:picLocks noChangeAspect="1"/>
+          </p:cNvPicPr>
+          <p:nvPr/>
+        </p:nvPicPr>
+        <p:blipFill>
+          <a:blip r:embed="rId14">
+            <a:extLst>
+              <a:ext uri="{96DAC541-7B7A-43D3-8B79-37D633B846F1}">
+                <asvg:svgBlip xmlns:asvg="http://schemas.microsoft.com/office/drawing/2016/SVG/main" r:embed="rId15"/>
+              </a:ext>
+            </a:extLst>
+          </a:blip>
+          <a:stretch>
+            <a:fillRect/>
+          </a:stretch>
+        </p:blipFill>
+        <p:spPr>
+          <a:xfrm>
+            <a:off x="852433" y="4999425"/>
+            <a:ext cx="315824" cy="327521"/>
+          </a:xfrm>
+          <a:prstGeom prst="rect">
+            <a:avLst/>
+          </a:prstGeom>
+        </p:spPr>
+      </p:pic>
+      <p:pic>
+        <p:nvPicPr>
+          <p:cNvPr id="118" name="Graphic 117">
+            <a:extLst>
+              <a:ext uri="{FF2B5EF4-FFF2-40B4-BE49-F238E27FC236}">
+                <a16:creationId xmlns:a16="http://schemas.microsoft.com/office/drawing/2014/main" id="{F6F3D0D3-7930-468E-9038-F17B05246B1F}"/>
+              </a:ext>
+            </a:extLst>
+          </p:cNvPr>
+          <p:cNvPicPr>
+            <a:picLocks noChangeAspect="1"/>
+          </p:cNvPicPr>
+          <p:nvPr/>
+        </p:nvPicPr>
+        <p:blipFill>
+          <a:blip r:embed="rId16">
+            <a:extLst>
+              <a:ext uri="{96DAC541-7B7A-43D3-8B79-37D633B846F1}">
+                <asvg:svgBlip xmlns:asvg="http://schemas.microsoft.com/office/drawing/2016/SVG/main" r:embed="rId17"/>
+              </a:ext>
+            </a:extLst>
+          </a:blip>
+          <a:stretch>
+            <a:fillRect/>
+          </a:stretch>
+        </p:blipFill>
+        <p:spPr>
+          <a:xfrm rot="16200000">
+            <a:off x="1121881" y="5375155"/>
+            <a:ext cx="258522" cy="315971"/>
+          </a:xfrm>
+          <a:prstGeom prst="rect">
+            <a:avLst/>
+          </a:prstGeom>
+        </p:spPr>
+      </p:pic>
+      <p:cxnSp>
+        <p:nvCxnSpPr>
+          <p:cNvPr id="119" name="Straight Arrow Connector 118">
+            <a:extLst>
+              <a:ext uri="{FF2B5EF4-FFF2-40B4-BE49-F238E27FC236}">
+                <a16:creationId xmlns:a16="http://schemas.microsoft.com/office/drawing/2014/main" id="{0625F397-20D3-43D2-9449-447DFEF0F954}"/>
+              </a:ext>
+            </a:extLst>
+          </p:cNvPr>
+          <p:cNvCxnSpPr>
+            <a:cxnSpLocks/>
+          </p:cNvCxnSpPr>
+          <p:nvPr/>
+        </p:nvCxnSpPr>
+        <p:spPr>
+          <a:xfrm flipV="1">
+            <a:off x="1566853" y="5095356"/>
+            <a:ext cx="912371" cy="280527"/>
+          </a:xfrm>
+          <a:prstGeom prst="straightConnector1">
+            <a:avLst/>
+          </a:prstGeom>
+          <a:ln w="28575">
+            <a:solidFill>
+              <a:srgbClr val="25225E"/>
+            </a:solidFill>
+            <a:prstDash val="solid"/>
+            <a:headEnd type="none" w="med" len="med"/>
+            <a:tailEnd type="arrow" w="med" len="med"/>
+          </a:ln>
+        </p:spPr>
+        <p:style>
+          <a:lnRef idx="1">
+            <a:schemeClr val="accent1"/>
+          </a:lnRef>
+          <a:fillRef idx="0">
+            <a:schemeClr val="accent1"/>
+          </a:fillRef>
+          <a:effectRef idx="0">
+            <a:schemeClr val="accent1"/>
+          </a:effectRef>
+          <a:fontRef idx="minor">
+            <a:schemeClr val="tx1"/>
+          </a:fontRef>
+        </p:style>
+      </p:cxnSp>
+      <p:sp>
+        <p:nvSpPr>
+          <p:cNvPr id="120" name="TextBox 119">
+            <a:extLst>
+              <a:ext uri="{FF2B5EF4-FFF2-40B4-BE49-F238E27FC236}">
+                <a16:creationId xmlns:a16="http://schemas.microsoft.com/office/drawing/2014/main" id="{70F5C985-88D7-4ED9-8D1C-D781C2B5BAAD}"/>
               </a:ext>
             </a:extLst>
           </p:cNvPr>
@@ -5426,8 +5317,8 @@
         </p:nvSpPr>
         <p:spPr>
           <a:xfrm>
-            <a:off x="4518337" y="2811170"/>
-            <a:ext cx="1587283" cy="276999"/>
+            <a:off x="309759" y="5823812"/>
+            <a:ext cx="1566794" cy="276999"/>
           </a:xfrm>
           <a:prstGeom prst="rect">
             <a:avLst/>
@@ -5435,6 +5326,245 @@
           <a:noFill/>
         </p:spPr>
         <p:txBody>
+          <a:bodyPr wrap="square">
+            <a:spAutoFit/>
+          </a:bodyPr>
+          <a:lstStyle/>
+          <a:p>
+            <a:r>
+              <a:rPr lang="en-US" sz="1200" dirty="0"/>
+              <a:t>Real-time sources</a:t>
+            </a:r>
+            <a:endParaRPr lang="LID4096" sz="1200" dirty="0"/>
+          </a:p>
+        </p:txBody>
+      </p:sp>
+      <p:pic>
+        <p:nvPicPr>
+          <p:cNvPr id="121" name="Picture 2" descr="Kafka Logo Icon - Download in Flat Style">
+            <a:extLst>
+              <a:ext uri="{FF2B5EF4-FFF2-40B4-BE49-F238E27FC236}">
+                <a16:creationId xmlns:a16="http://schemas.microsoft.com/office/drawing/2014/main" id="{FD51BBF1-D7F0-4A3C-A16A-47D48E7C6FC1}"/>
+              </a:ext>
+            </a:extLst>
+          </p:cNvPr>
+          <p:cNvPicPr>
+            <a:picLocks noChangeAspect="1" noChangeArrowheads="1"/>
+          </p:cNvPicPr>
+          <p:nvPr/>
+        </p:nvPicPr>
+        <p:blipFill>
+          <a:blip r:embed="rId18" cstate="print">
+            <a:extLst>
+              <a:ext uri="{28A0092B-C50C-407E-A947-70E740481C1C}">
+                <a14:useLocalDpi xmlns:a14="http://schemas.microsoft.com/office/drawing/2010/main" val="0"/>
+              </a:ext>
+            </a:extLst>
+          </a:blip>
+          <a:srcRect/>
+          <a:stretch>
+            <a:fillRect/>
+          </a:stretch>
+        </p:blipFill>
+        <p:spPr bwMode="auto">
+          <a:xfrm>
+            <a:off x="419286" y="5122747"/>
+            <a:ext cx="327521" cy="327521"/>
+          </a:xfrm>
+          <a:prstGeom prst="rect">
+            <a:avLst/>
+          </a:prstGeom>
+          <a:noFill/>
+          <a:extLst>
+            <a:ext uri="{909E8E84-426E-40DD-AFC4-6F175D3DCCD1}">
+              <a14:hiddenFill xmlns:a14="http://schemas.microsoft.com/office/drawing/2010/main">
+                <a:solidFill>
+                  <a:srgbClr val="FFFFFF"/>
+                </a:solidFill>
+              </a14:hiddenFill>
+            </a:ext>
+          </a:extLst>
+        </p:spPr>
+      </p:pic>
+      <p:sp>
+        <p:nvSpPr>
+          <p:cNvPr id="124" name="Rectangle: Rounded Corners 123">
+            <a:extLst>
+              <a:ext uri="{FF2B5EF4-FFF2-40B4-BE49-F238E27FC236}">
+                <a16:creationId xmlns:a16="http://schemas.microsoft.com/office/drawing/2014/main" id="{4A19A424-CF8B-4A88-9051-12721833ED56}"/>
+              </a:ext>
+            </a:extLst>
+          </p:cNvPr>
+          <p:cNvSpPr/>
+          <p:nvPr/>
+        </p:nvSpPr>
+        <p:spPr>
+          <a:xfrm>
+            <a:off x="5208339" y="4091938"/>
+            <a:ext cx="1037175" cy="634344"/>
+          </a:xfrm>
+          <a:prstGeom prst="roundRect">
+            <a:avLst/>
+          </a:prstGeom>
+          <a:solidFill>
+            <a:srgbClr val="FFD077">
+              <a:alpha val="30196"/>
+            </a:srgbClr>
+          </a:solidFill>
+          <a:ln>
+            <a:noFill/>
+          </a:ln>
+        </p:spPr>
+        <p:style>
+          <a:lnRef idx="0">
+            <a:scrgbClr r="0" g="0" b="0"/>
+          </a:lnRef>
+          <a:fillRef idx="0">
+            <a:scrgbClr r="0" g="0" b="0"/>
+          </a:fillRef>
+          <a:effectRef idx="0">
+            <a:scrgbClr r="0" g="0" b="0"/>
+          </a:effectRef>
+          <a:fontRef idx="minor">
+            <a:schemeClr val="lt1"/>
+          </a:fontRef>
+        </p:style>
+        <p:txBody>
+          <a:bodyPr rtlCol="0" anchor="ctr"/>
+          <a:lstStyle/>
+          <a:p>
+            <a:pPr algn="ctr"/>
+            <a:r>
+              <a:rPr lang="en-US" sz="1200" dirty="0">
+                <a:solidFill>
+                  <a:schemeClr val="tx1">
+                    <a:lumMod val="75000"/>
+                    <a:lumOff val="25000"/>
+                  </a:schemeClr>
+                </a:solidFill>
+              </a:rPr>
+              <a:t>Serverless ML CI/CD</a:t>
+            </a:r>
+          </a:p>
+        </p:txBody>
+      </p:sp>
+      <p:cxnSp>
+        <p:nvCxnSpPr>
+          <p:cNvPr id="125" name="Connector: Elbow 124">
+            <a:extLst>
+              <a:ext uri="{FF2B5EF4-FFF2-40B4-BE49-F238E27FC236}">
+                <a16:creationId xmlns:a16="http://schemas.microsoft.com/office/drawing/2014/main" id="{2FDF80A7-3394-4597-A08E-0295A819160A}"/>
+              </a:ext>
+            </a:extLst>
+          </p:cNvPr>
+          <p:cNvCxnSpPr>
+            <a:cxnSpLocks/>
+          </p:cNvCxnSpPr>
+          <p:nvPr/>
+        </p:nvCxnSpPr>
+        <p:spPr>
+          <a:xfrm rot="10800000">
+            <a:off x="4456209" y="4640711"/>
+            <a:ext cx="3527577" cy="636857"/>
+          </a:xfrm>
+          <a:prstGeom prst="bentConnector3">
+            <a:avLst>
+              <a:gd name="adj1" fmla="val 90190"/>
+            </a:avLst>
+          </a:prstGeom>
+          <a:ln w="28575">
+            <a:solidFill>
+              <a:srgbClr val="25225E"/>
+            </a:solidFill>
+            <a:prstDash val="solid"/>
+            <a:headEnd type="none" w="med" len="med"/>
+            <a:tailEnd type="arrow" w="med" len="med"/>
+          </a:ln>
+        </p:spPr>
+        <p:style>
+          <a:lnRef idx="1">
+            <a:schemeClr val="accent1"/>
+          </a:lnRef>
+          <a:fillRef idx="0">
+            <a:schemeClr val="accent1"/>
+          </a:fillRef>
+          <a:effectRef idx="0">
+            <a:schemeClr val="accent1"/>
+          </a:effectRef>
+          <a:fontRef idx="minor">
+            <a:schemeClr val="tx1"/>
+          </a:fontRef>
+        </p:style>
+      </p:cxnSp>
+      <p:cxnSp>
+        <p:nvCxnSpPr>
+          <p:cNvPr id="129" name="Straight Arrow Connector 128">
+            <a:extLst>
+              <a:ext uri="{FF2B5EF4-FFF2-40B4-BE49-F238E27FC236}">
+                <a16:creationId xmlns:a16="http://schemas.microsoft.com/office/drawing/2014/main" id="{36F08600-CF8A-42E1-890C-96A2E5F8218E}"/>
+              </a:ext>
+            </a:extLst>
+          </p:cNvPr>
+          <p:cNvCxnSpPr>
+            <a:cxnSpLocks/>
+          </p:cNvCxnSpPr>
+          <p:nvPr/>
+        </p:nvCxnSpPr>
+        <p:spPr>
+          <a:xfrm flipV="1">
+            <a:off x="6332092" y="4389718"/>
+            <a:ext cx="419174" cy="5582"/>
+          </a:xfrm>
+          <a:prstGeom prst="straightConnector1">
+            <a:avLst/>
+          </a:prstGeom>
+          <a:ln w="28575">
+            <a:solidFill>
+              <a:srgbClr val="25225E"/>
+            </a:solidFill>
+            <a:prstDash val="solid"/>
+            <a:headEnd type="none" w="med" len="med"/>
+            <a:tailEnd type="arrow" w="med" len="med"/>
+          </a:ln>
+        </p:spPr>
+        <p:style>
+          <a:lnRef idx="1">
+            <a:schemeClr val="accent1"/>
+          </a:lnRef>
+          <a:fillRef idx="0">
+            <a:schemeClr val="accent1"/>
+          </a:fillRef>
+          <a:effectRef idx="0">
+            <a:schemeClr val="accent1"/>
+          </a:effectRef>
+          <a:fontRef idx="minor">
+            <a:schemeClr val="tx1"/>
+          </a:fontRef>
+        </p:style>
+      </p:cxnSp>
+      <p:sp>
+        <p:nvSpPr>
+          <p:cNvPr id="130" name="TextBox 129">
+            <a:extLst>
+              <a:ext uri="{FF2B5EF4-FFF2-40B4-BE49-F238E27FC236}">
+                <a16:creationId xmlns:a16="http://schemas.microsoft.com/office/drawing/2014/main" id="{ADB17F0B-445B-421C-8ECD-A022F6BED858}"/>
+              </a:ext>
+            </a:extLst>
+          </p:cNvPr>
+          <p:cNvSpPr txBox="1"/>
+          <p:nvPr/>
+        </p:nvSpPr>
+        <p:spPr>
+          <a:xfrm>
+            <a:off x="6123501" y="4122091"/>
+            <a:ext cx="849195" cy="246221"/>
+          </a:xfrm>
+          <a:prstGeom prst="rect">
+            <a:avLst/>
+          </a:prstGeom>
+          <a:noFill/>
+        </p:spPr>
+        <p:txBody>
           <a:bodyPr wrap="square" rtlCol="0">
             <a:spAutoFit/>
           </a:bodyPr>
@@ -5444,25 +5574,171 @@
               <a:defRPr/>
             </a:pPr>
             <a:r>
+              <a:rPr lang="en-US" sz="1000" dirty="0">
+                <a:solidFill>
+                  <a:schemeClr val="accent6">
+                    <a:lumMod val="75000"/>
+                  </a:schemeClr>
+                </a:solidFill>
+                <a:latin typeface="Arial"/>
+              </a:rPr>
+              <a:t>Model</a:t>
+            </a:r>
+          </a:p>
+        </p:txBody>
+      </p:sp>
+      <p:sp>
+        <p:nvSpPr>
+          <p:cNvPr id="132" name="Flowchart: Magnetic Disk 131">
+            <a:extLst>
+              <a:ext uri="{FF2B5EF4-FFF2-40B4-BE49-F238E27FC236}">
+                <a16:creationId xmlns:a16="http://schemas.microsoft.com/office/drawing/2014/main" id="{B4C6D7FB-63A3-47E2-9E5D-F58372701C43}"/>
+              </a:ext>
+            </a:extLst>
+          </p:cNvPr>
+          <p:cNvSpPr/>
+          <p:nvPr/>
+        </p:nvSpPr>
+        <p:spPr>
+          <a:xfrm>
+            <a:off x="2778928" y="4786888"/>
+            <a:ext cx="1651671" cy="373890"/>
+          </a:xfrm>
+          <a:prstGeom prst="flowChartMagneticDisk">
+            <a:avLst/>
+          </a:prstGeom>
+          <a:solidFill>
+            <a:schemeClr val="tx1">
+              <a:lumMod val="25000"/>
+              <a:lumOff val="75000"/>
+              <a:alpha val="50000"/>
+            </a:schemeClr>
+          </a:solidFill>
+          <a:ln w="19050">
+            <a:solidFill>
+              <a:schemeClr val="bg1">
+                <a:lumMod val="50000"/>
+              </a:schemeClr>
+            </a:solidFill>
+          </a:ln>
+        </p:spPr>
+        <p:style>
+          <a:lnRef idx="0">
+            <a:scrgbClr r="0" g="0" b="0"/>
+          </a:lnRef>
+          <a:fillRef idx="0">
+            <a:scrgbClr r="0" g="0" b="0"/>
+          </a:fillRef>
+          <a:effectRef idx="0">
+            <a:scrgbClr r="0" g="0" b="0"/>
+          </a:effectRef>
+          <a:fontRef idx="minor">
+            <a:schemeClr val="lt1"/>
+          </a:fontRef>
+        </p:style>
+        <p:txBody>
+          <a:bodyPr rtlCol="0" anchor="ctr"/>
+          <a:lstStyle/>
+          <a:p>
+            <a:pPr algn="ctr" defTabSz="1371600"/>
+            <a:endParaRPr lang="LID4096"/>
+          </a:p>
+        </p:txBody>
+      </p:sp>
+      <p:sp>
+        <p:nvSpPr>
+          <p:cNvPr id="141" name="TextBox 140">
+            <a:extLst>
+              <a:ext uri="{FF2B5EF4-FFF2-40B4-BE49-F238E27FC236}">
+                <a16:creationId xmlns:a16="http://schemas.microsoft.com/office/drawing/2014/main" id="{64147632-9A95-473C-A9B3-C9C2F4F2E376}"/>
+              </a:ext>
+            </a:extLst>
+          </p:cNvPr>
+          <p:cNvSpPr txBox="1"/>
+          <p:nvPr/>
+        </p:nvSpPr>
+        <p:spPr>
+          <a:xfrm>
+            <a:off x="2681595" y="4878302"/>
+            <a:ext cx="1861636" cy="276999"/>
+          </a:xfrm>
+          <a:prstGeom prst="rect">
+            <a:avLst/>
+          </a:prstGeom>
+          <a:noFill/>
+        </p:spPr>
+        <p:txBody>
+          <a:bodyPr wrap="square">
+            <a:spAutoFit/>
+          </a:bodyPr>
+          <a:lstStyle/>
+          <a:p>
+            <a:pPr algn="ctr" defTabSz="914446">
+              <a:defRPr/>
+            </a:pPr>
+            <a:r>
               <a:rPr lang="en-US" sz="1200" dirty="0">
                 <a:solidFill>
-                  <a:srgbClr val="232A3D">
-                    <a:lumMod val="90000"/>
-                    <a:lumOff val="10000"/>
-                  </a:srgbClr>
+                  <a:srgbClr val="25225E"/>
                 </a:solidFill>
+                <a:latin typeface="Arial"/>
               </a:rPr>
-              <a:t>Offline data</a:t>
-            </a:r>
-          </a:p>
-        </p:txBody>
-      </p:sp>
-      <p:sp>
-        <p:nvSpPr>
-          <p:cNvPr id="162" name="TextBox 161">
-            <a:extLst>
-              <a:ext uri="{FF2B5EF4-FFF2-40B4-BE49-F238E27FC236}">
-                <a16:creationId xmlns:a16="http://schemas.microsoft.com/office/drawing/2014/main" id="{D09B2225-3D42-40EA-A13C-94C203AC7283}"/>
+              <a:t>Data Access/Services</a:t>
+            </a:r>
+          </a:p>
+        </p:txBody>
+      </p:sp>
+      <p:cxnSp>
+        <p:nvCxnSpPr>
+          <p:cNvPr id="146" name="Straight Connector 145">
+            <a:extLst>
+              <a:ext uri="{FF2B5EF4-FFF2-40B4-BE49-F238E27FC236}">
+                <a16:creationId xmlns:a16="http://schemas.microsoft.com/office/drawing/2014/main" id="{AD17D34E-8308-4AB9-967F-40D1BCA4D877}"/>
+              </a:ext>
+            </a:extLst>
+          </p:cNvPr>
+          <p:cNvCxnSpPr/>
+          <p:nvPr/>
+        </p:nvCxnSpPr>
+        <p:spPr>
+          <a:xfrm>
+            <a:off x="2613666" y="3805642"/>
+            <a:ext cx="7136526" cy="0"/>
+          </a:xfrm>
+          <a:prstGeom prst="line">
+            <a:avLst/>
+          </a:prstGeom>
+          <a:ln w="9525" cap="flat" cmpd="sng" algn="ctr">
+            <a:solidFill>
+              <a:schemeClr val="accent1"/>
+            </a:solidFill>
+            <a:prstDash val="dash"/>
+            <a:round/>
+            <a:headEnd type="none" w="med" len="med"/>
+            <a:tailEnd type="none" w="med" len="med"/>
+          </a:ln>
+        </p:spPr>
+        <p:style>
+          <a:lnRef idx="0">
+            <a:scrgbClr r="0" g="0" b="0"/>
+          </a:lnRef>
+          <a:fillRef idx="0">
+            <a:scrgbClr r="0" g="0" b="0"/>
+          </a:fillRef>
+          <a:effectRef idx="0">
+            <a:scrgbClr r="0" g="0" b="0"/>
+          </a:effectRef>
+          <a:fontRef idx="minor">
+            <a:schemeClr val="tx1"/>
+          </a:fontRef>
+        </p:style>
+      </p:cxnSp>
+      <p:sp>
+        <p:nvSpPr>
+          <p:cNvPr id="147" name="TextBox 146">
+            <a:extLst>
+              <a:ext uri="{FF2B5EF4-FFF2-40B4-BE49-F238E27FC236}">
+                <a16:creationId xmlns:a16="http://schemas.microsoft.com/office/drawing/2014/main" id="{A4B5F426-C296-4A8D-AFA1-FF0336C0CAC2}"/>
               </a:ext>
             </a:extLst>
           </p:cNvPr>
@@ -5471,7 +5747,52 @@
         </p:nvSpPr>
         <p:spPr>
           <a:xfrm>
-            <a:off x="11083608" y="5386402"/>
+            <a:off x="5749480" y="3679160"/>
+            <a:ext cx="878697" cy="256545"/>
+          </a:xfrm>
+          <a:prstGeom prst="rect">
+            <a:avLst/>
+          </a:prstGeom>
+          <a:solidFill>
+            <a:schemeClr val="bg1"/>
+          </a:solidFill>
+        </p:spPr>
+        <p:txBody>
+          <a:bodyPr wrap="square" rtlCol="0">
+            <a:spAutoFit/>
+          </a:bodyPr>
+          <a:lstStyle/>
+          <a:p>
+            <a:pPr algn="ctr">
+              <a:defRPr/>
+            </a:pPr>
+            <a:r>
+              <a:rPr lang="en-US" sz="1067" dirty="0">
+                <a:solidFill>
+                  <a:srgbClr val="25225E"/>
+                </a:solidFill>
+                <a:latin typeface="Arial"/>
+              </a:rPr>
+              <a:t>SDK / API</a:t>
+            </a:r>
+          </a:p>
+        </p:txBody>
+      </p:sp>
+      <p:sp>
+        <p:nvSpPr>
+          <p:cNvPr id="148" name="TextBox 147">
+            <a:extLst>
+              <a:ext uri="{FF2B5EF4-FFF2-40B4-BE49-F238E27FC236}">
+                <a16:creationId xmlns:a16="http://schemas.microsoft.com/office/drawing/2014/main" id="{0CE31330-DA0B-4478-9F0F-E617D6ED6D8C}"/>
+              </a:ext>
+            </a:extLst>
+          </p:cNvPr>
+          <p:cNvSpPr txBox="1"/>
+          <p:nvPr/>
+        </p:nvSpPr>
+        <p:spPr>
+          <a:xfrm>
+            <a:off x="10544330" y="5022844"/>
             <a:ext cx="687454" cy="276999"/>
           </a:xfrm>
           <a:prstGeom prst="rect">
@@ -5524,10 +5845,10 @@
       </p:sp>
       <p:pic>
         <p:nvPicPr>
-          <p:cNvPr id="163" name="Graphic 162">
-            <a:extLst>
-              <a:ext uri="{FF2B5EF4-FFF2-40B4-BE49-F238E27FC236}">
-                <a16:creationId xmlns:a16="http://schemas.microsoft.com/office/drawing/2014/main" id="{22E9CA64-32B6-438C-A5C1-B648E6438DB5}"/>
+          <p:cNvPr id="150" name="Graphic 149">
+            <a:extLst>
+              <a:ext uri="{FF2B5EF4-FFF2-40B4-BE49-F238E27FC236}">
+                <a16:creationId xmlns:a16="http://schemas.microsoft.com/office/drawing/2014/main" id="{2F97B959-8591-44BA-9801-FE8D10A85347}"/>
               </a:ext>
             </a:extLst>
           </p:cNvPr>
@@ -5537,13 +5858,13 @@
           <p:nvPr/>
         </p:nvPicPr>
         <p:blipFill>
-          <a:blip r:embed="rId12">
+          <a:blip r:embed="rId19">
             <a:extLst>
               <a:ext uri="{28A0092B-C50C-407E-A947-70E740481C1C}">
                 <a14:useLocalDpi xmlns:a14="http://schemas.microsoft.com/office/drawing/2010/main" val="0"/>
               </a:ext>
               <a:ext uri="{96DAC541-7B7A-43D3-8B79-37D633B846F1}">
-                <asvg:svgBlip xmlns:asvg="http://schemas.microsoft.com/office/drawing/2016/SVG/main" r:embed="rId13"/>
+                <asvg:svgBlip xmlns:asvg="http://schemas.microsoft.com/office/drawing/2016/SVG/main" r:embed="rId20"/>
               </a:ext>
             </a:extLst>
           </a:blip>
@@ -5553,7 +5874,7 @@
         </p:blipFill>
         <p:spPr>
           <a:xfrm>
-            <a:off x="10614714" y="5292615"/>
+            <a:off x="10024815" y="4906381"/>
             <a:ext cx="365924" cy="411665"/>
           </a:xfrm>
           <a:prstGeom prst="rect">
@@ -5561,77 +5882,12 @@
           </a:prstGeom>
         </p:spPr>
       </p:pic>
-      <p:sp>
-        <p:nvSpPr>
-          <p:cNvPr id="164" name="TextBox 163">
-            <a:extLst>
-              <a:ext uri="{FF2B5EF4-FFF2-40B4-BE49-F238E27FC236}">
-                <a16:creationId xmlns:a16="http://schemas.microsoft.com/office/drawing/2014/main" id="{A7632A4E-5455-4B62-8035-12034630E1FC}"/>
-              </a:ext>
-            </a:extLst>
-          </p:cNvPr>
-          <p:cNvSpPr txBox="1"/>
-          <p:nvPr/>
-        </p:nvSpPr>
-        <p:spPr>
-          <a:xfrm>
-            <a:off x="11088986" y="4066789"/>
-            <a:ext cx="1076937" cy="461665"/>
-          </a:xfrm>
-          <a:prstGeom prst="rect">
-            <a:avLst/>
-          </a:prstGeom>
-          <a:noFill/>
-        </p:spPr>
-        <p:txBody>
-          <a:bodyPr wrap="square" rtlCol="0">
-            <a:spAutoFit/>
-          </a:bodyPr>
-          <a:lstStyle/>
-          <a:p>
-            <a:pPr marL="0" marR="0" lvl="0" indent="0" algn="l" defTabSz="914400" rtl="0" eaLnBrk="1" fontAlgn="auto" latinLnBrk="0" hangingPunct="1">
-              <a:lnSpc>
-                <a:spcPct val="100000"/>
-              </a:lnSpc>
-              <a:spcBef>
-                <a:spcPts val="0"/>
-              </a:spcBef>
-              <a:spcAft>
-                <a:spcPts val="0"/>
-              </a:spcAft>
-              <a:buClrTx/>
-              <a:buSzTx/>
-              <a:buFontTx/>
-              <a:buNone/>
-              <a:tabLst/>
-              <a:defRPr/>
-            </a:pPr>
-            <a:r>
-              <a:rPr kumimoji="0" lang="en-US" sz="1200" b="0" i="0" u="none" strike="noStrike" kern="1200" cap="none" spc="0" normalizeH="0" baseline="0" noProof="0" dirty="0">
-                <a:ln>
-                  <a:noFill/>
-                </a:ln>
-                <a:solidFill>
-                  <a:srgbClr val="25225E"/>
-                </a:solidFill>
-                <a:effectLst/>
-                <a:uLnTx/>
-                <a:uFillTx/>
-                <a:latin typeface="Arial"/>
-                <a:ea typeface="+mn-ea"/>
-                <a:cs typeface="+mn-cs"/>
-              </a:rPr>
-              <a:t>User/App interaction</a:t>
-            </a:r>
-          </a:p>
-        </p:txBody>
-      </p:sp>
       <p:pic>
         <p:nvPicPr>
-          <p:cNvPr id="165" name="Graphic 164">
-            <a:extLst>
-              <a:ext uri="{FF2B5EF4-FFF2-40B4-BE49-F238E27FC236}">
-                <a16:creationId xmlns:a16="http://schemas.microsoft.com/office/drawing/2014/main" id="{C44C752F-11F1-4D11-9CEF-44F63CDC368B}"/>
+          <p:cNvPr id="151" name="Graphic 150">
+            <a:extLst>
+              <a:ext uri="{FF2B5EF4-FFF2-40B4-BE49-F238E27FC236}">
+                <a16:creationId xmlns:a16="http://schemas.microsoft.com/office/drawing/2014/main" id="{1CDC0ED0-AD05-4835-84EB-AB53EF2AB1C3}"/>
               </a:ext>
             </a:extLst>
           </p:cNvPr>
@@ -5641,13 +5897,13 @@
           <p:nvPr/>
         </p:nvPicPr>
         <p:blipFill>
-          <a:blip r:embed="rId14">
+          <a:blip r:embed="rId21">
             <a:extLst>
               <a:ext uri="{28A0092B-C50C-407E-A947-70E740481C1C}">
                 <a14:useLocalDpi xmlns:a14="http://schemas.microsoft.com/office/drawing/2010/main" val="0"/>
               </a:ext>
               <a:ext uri="{96DAC541-7B7A-43D3-8B79-37D633B846F1}">
-                <asvg:svgBlip xmlns:asvg="http://schemas.microsoft.com/office/drawing/2016/SVG/main" r:embed="rId15"/>
+                <asvg:svgBlip xmlns:asvg="http://schemas.microsoft.com/office/drawing/2016/SVG/main" r:embed="rId22"/>
               </a:ext>
             </a:extLst>
           </a:blip>
@@ -5657,7 +5913,7 @@
         </p:blipFill>
         <p:spPr>
           <a:xfrm flipH="1">
-            <a:off x="10571346" y="4211186"/>
+            <a:off x="10024815" y="3989332"/>
             <a:ext cx="500509" cy="500509"/>
           </a:xfrm>
           <a:prstGeom prst="rect">
@@ -5665,224 +5921,119 @@
           </a:prstGeom>
         </p:spPr>
       </p:pic>
-      <p:cxnSp>
-        <p:nvCxnSpPr>
-          <p:cNvPr id="166" name="Straight Arrow Connector 165">
-            <a:extLst>
-              <a:ext uri="{FF2B5EF4-FFF2-40B4-BE49-F238E27FC236}">
-                <a16:creationId xmlns:a16="http://schemas.microsoft.com/office/drawing/2014/main" id="{1AA3C465-E887-4567-847C-EAA33291DC10}"/>
-              </a:ext>
-            </a:extLst>
-          </p:cNvPr>
-          <p:cNvCxnSpPr>
-            <a:cxnSpLocks/>
-          </p:cNvCxnSpPr>
+      <p:pic>
+        <p:nvPicPr>
+          <p:cNvPr id="152" name="Picture 151" descr="A person wearing a garment&#10;&#10;Description automatically generated with medium confidence">
+            <a:extLst>
+              <a:ext uri="{FF2B5EF4-FFF2-40B4-BE49-F238E27FC236}">
+                <a16:creationId xmlns:a16="http://schemas.microsoft.com/office/drawing/2014/main" id="{55C9D9F8-93AF-44E9-B6D6-E38F892887BF}"/>
+              </a:ext>
+            </a:extLst>
+          </p:cNvPr>
+          <p:cNvPicPr>
+            <a:picLocks noChangeAspect="1"/>
+          </p:cNvPicPr>
           <p:nvPr/>
-        </p:nvCxnSpPr>
+        </p:nvPicPr>
+        <p:blipFill>
+          <a:blip r:embed="rId23" cstate="print">
+            <a:extLst>
+              <a:ext uri="{28A0092B-C50C-407E-A947-70E740481C1C}">
+                <a14:useLocalDpi xmlns:a14="http://schemas.microsoft.com/office/drawing/2010/main" val="0"/>
+              </a:ext>
+            </a:extLst>
+          </a:blip>
+          <a:stretch>
+            <a:fillRect/>
+          </a:stretch>
+        </p:blipFill>
         <p:spPr>
           <a:xfrm>
-            <a:off x="9802456" y="4315040"/>
-            <a:ext cx="659858" cy="0"/>
-          </a:xfrm>
-          <a:prstGeom prst="straightConnector1">
-            <a:avLst/>
-          </a:prstGeom>
-          <a:ln w="38100">
-            <a:solidFill>
-              <a:schemeClr val="accent3">
-                <a:lumMod val="75000"/>
-              </a:schemeClr>
-            </a:solidFill>
-            <a:headEnd type="none" w="med" len="med"/>
-            <a:tailEnd type="triangle" w="med" len="med"/>
-          </a:ln>
-        </p:spPr>
-        <p:style>
-          <a:lnRef idx="1">
-            <a:schemeClr val="accent1"/>
-          </a:lnRef>
-          <a:fillRef idx="0">
-            <a:schemeClr val="accent1"/>
-          </a:fillRef>
-          <a:effectRef idx="0">
-            <a:schemeClr val="accent1"/>
-          </a:effectRef>
-          <a:fontRef idx="minor">
-            <a:schemeClr val="tx1"/>
-          </a:fontRef>
-        </p:style>
-      </p:cxnSp>
-      <p:sp>
-        <p:nvSpPr>
-          <p:cNvPr id="168" name="Freeform 27">
-            <a:extLst>
-              <a:ext uri="{FF2B5EF4-FFF2-40B4-BE49-F238E27FC236}">
-                <a16:creationId xmlns:a16="http://schemas.microsoft.com/office/drawing/2014/main" id="{C82F7DCF-D90F-46C0-8120-E44134E6873C}"/>
-              </a:ext>
-            </a:extLst>
-          </p:cNvPr>
-          <p:cNvSpPr/>
-          <p:nvPr/>
-        </p:nvSpPr>
-        <p:spPr>
-          <a:xfrm flipH="1">
-            <a:off x="9413771" y="4897165"/>
-            <a:ext cx="1002669" cy="618499"/>
-          </a:xfrm>
-          <a:custGeom>
-            <a:avLst/>
-            <a:gdLst>
-              <a:gd name="connsiteX0" fmla="*/ 811987 w 811987"/>
-              <a:gd name="connsiteY0" fmla="*/ 0 h 585216"/>
-              <a:gd name="connsiteX1" fmla="*/ 811987 w 811987"/>
-              <a:gd name="connsiteY1" fmla="*/ 585216 h 585216"/>
-              <a:gd name="connsiteX2" fmla="*/ 0 w 811987"/>
-              <a:gd name="connsiteY2" fmla="*/ 585216 h 585216"/>
-              <a:gd name="connsiteX3" fmla="*/ 0 w 811987"/>
-              <a:gd name="connsiteY3" fmla="*/ 585216 h 585216"/>
-            </a:gdLst>
-            <a:ahLst/>
-            <a:cxnLst>
-              <a:cxn ang="0">
-                <a:pos x="connsiteX0" y="connsiteY0"/>
-              </a:cxn>
-              <a:cxn ang="0">
-                <a:pos x="connsiteX1" y="connsiteY1"/>
-              </a:cxn>
-              <a:cxn ang="0">
-                <a:pos x="connsiteX2" y="connsiteY2"/>
-              </a:cxn>
-              <a:cxn ang="0">
-                <a:pos x="connsiteX3" y="connsiteY3"/>
-              </a:cxn>
-            </a:cxnLst>
-            <a:rect l="l" t="t" r="r" b="b"/>
-            <a:pathLst>
-              <a:path w="811987" h="585216">
-                <a:moveTo>
-                  <a:pt x="811987" y="0"/>
-                </a:moveTo>
-                <a:lnTo>
-                  <a:pt x="811987" y="585216"/>
-                </a:lnTo>
-                <a:lnTo>
-                  <a:pt x="0" y="585216"/>
-                </a:lnTo>
-                <a:lnTo>
-                  <a:pt x="0" y="585216"/>
-                </a:lnTo>
-              </a:path>
-            </a:pathLst>
-          </a:custGeom>
-          <a:ln w="38100">
-            <a:solidFill>
-              <a:schemeClr val="accent3">
-                <a:lumMod val="75000"/>
-              </a:schemeClr>
-            </a:solidFill>
-            <a:headEnd type="none" w="med" len="med"/>
-            <a:tailEnd type="triangle" w="med" len="med"/>
-          </a:ln>
-        </p:spPr>
-        <p:style>
-          <a:lnRef idx="1">
-            <a:schemeClr val="accent1"/>
-          </a:lnRef>
-          <a:fillRef idx="0">
-            <a:schemeClr val="accent1"/>
-          </a:fillRef>
-          <a:effectRef idx="0">
-            <a:schemeClr val="accent1"/>
-          </a:effectRef>
-          <a:fontRef idx="minor">
-            <a:schemeClr val="tx1"/>
-          </a:fontRef>
-        </p:style>
-        <p:txBody>
-          <a:bodyPr rtlCol="0" anchor="ctr"/>
-          <a:lstStyle/>
-          <a:p>
-            <a:pPr algn="ctr"/>
-            <a:endParaRPr lang="en-IL" sz="1200">
-              <a:solidFill>
-                <a:srgbClr val="232A3D"/>
-              </a:solidFill>
-            </a:endParaRPr>
-          </a:p>
-        </p:txBody>
-      </p:sp>
-      <p:sp>
-        <p:nvSpPr>
-          <p:cNvPr id="3" name="Rectangle 2">
-            <a:extLst>
-              <a:ext uri="{FF2B5EF4-FFF2-40B4-BE49-F238E27FC236}">
-                <a16:creationId xmlns:a16="http://schemas.microsoft.com/office/drawing/2014/main" id="{20D4635B-7709-469D-B6AD-59328E80B74D}"/>
-              </a:ext>
-            </a:extLst>
-          </p:cNvPr>
-          <p:cNvSpPr/>
-          <p:nvPr/>
-        </p:nvSpPr>
-        <p:spPr>
-          <a:xfrm>
-            <a:off x="3816256" y="6255238"/>
-            <a:ext cx="1898890" cy="442321"/>
+            <a:off x="5821612" y="5350213"/>
+            <a:ext cx="929654" cy="558573"/>
           </a:xfrm>
           <a:prstGeom prst="rect">
             <a:avLst/>
           </a:prstGeom>
-          <a:solidFill>
-            <a:srgbClr val="E7FCF7"/>
-          </a:solidFill>
-          <a:ln>
-            <a:noFill/>
-          </a:ln>
         </p:spPr>
-        <p:style>
-          <a:lnRef idx="2">
-            <a:schemeClr val="accent1">
-              <a:shade val="50000"/>
-            </a:schemeClr>
-          </a:lnRef>
-          <a:fillRef idx="1">
-            <a:schemeClr val="accent1"/>
-          </a:fillRef>
-          <a:effectRef idx="0">
-            <a:schemeClr val="accent1"/>
-          </a:effectRef>
-          <a:fontRef idx="minor">
-            <a:schemeClr val="lt1"/>
-          </a:fontRef>
-        </p:style>
-        <p:txBody>
-          <a:bodyPr rtlCol="0" anchor="ctr"/>
-          <a:lstStyle/>
-          <a:p>
-            <a:pPr algn="ctr"/>
-            <a:r>
-              <a:rPr lang="en-US" b="1" dirty="0" err="1">
+      </p:pic>
+      <p:pic>
+        <p:nvPicPr>
+          <p:cNvPr id="153" name="Picture 2" descr="Video Recording Icons - Download Free Vector Icons | Noun Project">
+            <a:extLst>
+              <a:ext uri="{FF2B5EF4-FFF2-40B4-BE49-F238E27FC236}">
+                <a16:creationId xmlns:a16="http://schemas.microsoft.com/office/drawing/2014/main" id="{E88CE832-23B1-4C72-85D0-FA4D4088453B}"/>
+              </a:ext>
+            </a:extLst>
+          </p:cNvPr>
+          <p:cNvPicPr>
+            <a:picLocks noChangeAspect="1" noChangeArrowheads="1"/>
+          </p:cNvPicPr>
+          <p:nvPr/>
+        </p:nvPicPr>
+        <p:blipFill>
+          <a:blip r:embed="rId24" cstate="print">
+            <a:extLst>
+              <a:ext uri="{28A0092B-C50C-407E-A947-70E740481C1C}">
+                <a14:useLocalDpi xmlns:a14="http://schemas.microsoft.com/office/drawing/2010/main" val="0"/>
+              </a:ext>
+            </a:extLst>
+          </a:blip>
+          <a:srcRect/>
+          <a:stretch>
+            <a:fillRect/>
+          </a:stretch>
+        </p:blipFill>
+        <p:spPr bwMode="auto">
+          <a:xfrm flipH="1">
+            <a:off x="557124" y="5359637"/>
+            <a:ext cx="491381" cy="491381"/>
+          </a:xfrm>
+          <a:prstGeom prst="rect">
+            <a:avLst/>
+          </a:prstGeom>
+          <a:noFill/>
+          <a:extLst>
+            <a:ext uri="{909E8E84-426E-40DD-AFC4-6F175D3DCCD1}">
+              <a14:hiddenFill xmlns:a14="http://schemas.microsoft.com/office/drawing/2010/main">
                 <a:solidFill>
-                  <a:schemeClr val="tx1"/>
+                  <a:srgbClr val="FFFFFF"/>
                 </a:solidFill>
-              </a:rPr>
-              <a:t>MLOps</a:t>
-            </a:r>
-            <a:r>
-              <a:rPr lang="en-US" b="1" dirty="0">
-                <a:solidFill>
-                  <a:schemeClr val="tx1"/>
-                </a:solidFill>
-              </a:rPr>
-              <a:t> platform</a:t>
-            </a:r>
-            <a:endParaRPr lang="en-IL" b="1" dirty="0">
-              <a:solidFill>
-                <a:schemeClr val="tx1"/>
-              </a:solidFill>
-            </a:endParaRPr>
-          </a:p>
-        </p:txBody>
-      </p:sp>
+              </a14:hiddenFill>
+            </a:ext>
+          </a:extLst>
+        </p:spPr>
+      </p:pic>
+      <p:pic>
+        <p:nvPicPr>
+          <p:cNvPr id="18" name="Picture 17">
+            <a:extLst>
+              <a:ext uri="{FF2B5EF4-FFF2-40B4-BE49-F238E27FC236}">
+                <a16:creationId xmlns:a16="http://schemas.microsoft.com/office/drawing/2014/main" id="{001C540A-2FAC-4DD9-821A-986C96FF3D11}"/>
+              </a:ext>
+            </a:extLst>
+          </p:cNvPr>
+          <p:cNvPicPr>
+            <a:picLocks noChangeAspect="1"/>
+          </p:cNvPicPr>
+          <p:nvPr/>
+        </p:nvPicPr>
+        <p:blipFill>
+          <a:blip r:embed="rId25"/>
+          <a:stretch>
+            <a:fillRect/>
+          </a:stretch>
+        </p:blipFill>
+        <p:spPr>
+          <a:xfrm>
+            <a:off x="10534105" y="3978668"/>
+            <a:ext cx="1079086" cy="506012"/>
+          </a:xfrm>
+          <a:prstGeom prst="rect">
+            <a:avLst/>
+          </a:prstGeom>
+        </p:spPr>
+      </p:pic>
     </p:spTree>
     <p:extLst>
       <p:ext uri="{BB962C8B-B14F-4D97-AF65-F5344CB8AC3E}">
@@ -5905,9 +6056,6 @@
                     <p:cTn id="3" fill="hold">
                       <p:stCondLst>
                         <p:cond delay="indefinite"/>
-                        <p:cond evt="onBegin" delay="0">
-                          <p:tn val="2"/>
-                        </p:cond>
                       </p:stCondLst>
                       <p:childTnLst>
                         <p:par>
@@ -5917,7 +6065,7 @@
                             </p:stCondLst>
                             <p:childTnLst>
                               <p:par>
-                                <p:cTn id="5" presetID="10" presetClass="entr" presetSubtype="0" fill="hold" grpId="0" nodeType="withEffect">
+                                <p:cTn id="5" presetID="10" presetClass="entr" presetSubtype="0" fill="hold" grpId="0" nodeType="clickEffect">
                                   <p:stCondLst>
                                     <p:cond delay="0"/>
                                   </p:stCondLst>
@@ -5930,7 +6078,7 @@
                                           </p:stCondLst>
                                         </p:cTn>
                                         <p:tgtEl>
-                                          <p:spTgt spid="22"/>
+                                          <p:spTgt spid="82"/>
                                         </p:tgtEl>
                                         <p:attrNameLst>
                                           <p:attrName>style.visibility</p:attrName>
@@ -5944,7 +6092,7 @@
                                       <p:cBhvr>
                                         <p:cTn id="7" dur="500"/>
                                         <p:tgtEl>
-                                          <p:spTgt spid="22"/>
+                                          <p:spTgt spid="82"/>
                                         </p:tgtEl>
                                       </p:cBhvr>
                                     </p:animEffect>
@@ -5965,7 +6113,7 @@
                                           </p:stCondLst>
                                         </p:cTn>
                                         <p:tgtEl>
-                                          <p:spTgt spid="23"/>
+                                          <p:spTgt spid="84"/>
                                         </p:tgtEl>
                                         <p:attrNameLst>
                                           <p:attrName>style.visibility</p:attrName>
@@ -5979,7 +6127,7 @@
                                       <p:cBhvr>
                                         <p:cTn id="10" dur="500"/>
                                         <p:tgtEl>
-                                          <p:spTgt spid="23"/>
+                                          <p:spTgt spid="84"/>
                                         </p:tgtEl>
                                       </p:cBhvr>
                                     </p:animEffect>
@@ -5987,7 +6135,7 @@
                                 </p:cTn>
                               </p:par>
                               <p:par>
-                                <p:cTn id="11" presetID="10" presetClass="entr" presetSubtype="0" fill="hold" grpId="0" nodeType="withEffect">
+                                <p:cTn id="11" presetID="10" presetClass="entr" presetSubtype="0" fill="hold" nodeType="withEffect">
                                   <p:stCondLst>
                                     <p:cond delay="0"/>
                                   </p:stCondLst>
@@ -6000,7 +6148,7 @@
                                           </p:stCondLst>
                                         </p:cTn>
                                         <p:tgtEl>
-                                          <p:spTgt spid="28"/>
+                                          <p:spTgt spid="85"/>
                                         </p:tgtEl>
                                         <p:attrNameLst>
                                           <p:attrName>style.visibility</p:attrName>
@@ -6014,7 +6162,7 @@
                                       <p:cBhvr>
                                         <p:cTn id="13" dur="500"/>
                                         <p:tgtEl>
-                                          <p:spTgt spid="28"/>
+                                          <p:spTgt spid="85"/>
                                         </p:tgtEl>
                                       </p:cBhvr>
                                     </p:animEffect>
@@ -6022,7 +6170,7 @@
                                 </p:cTn>
                               </p:par>
                               <p:par>
-                                <p:cTn id="14" presetID="10" presetClass="entr" presetSubtype="0" fill="hold" grpId="0" nodeType="withEffect">
+                                <p:cTn id="14" presetID="10" presetClass="entr" presetSubtype="0" fill="hold" nodeType="withEffect">
                                   <p:stCondLst>
                                     <p:cond delay="0"/>
                                   </p:stCondLst>
@@ -6035,7 +6183,7 @@
                                           </p:stCondLst>
                                         </p:cTn>
                                         <p:tgtEl>
-                                          <p:spTgt spid="30"/>
+                                          <p:spTgt spid="89"/>
                                         </p:tgtEl>
                                         <p:attrNameLst>
                                           <p:attrName>style.visibility</p:attrName>
@@ -6049,7 +6197,7 @@
                                       <p:cBhvr>
                                         <p:cTn id="16" dur="500"/>
                                         <p:tgtEl>
-                                          <p:spTgt spid="30"/>
+                                          <p:spTgt spid="89"/>
                                         </p:tgtEl>
                                       </p:cBhvr>
                                     </p:animEffect>
@@ -6057,7 +6205,7 @@
                                 </p:cTn>
                               </p:par>
                               <p:par>
-                                <p:cTn id="17" presetID="10" presetClass="entr" presetSubtype="0" fill="hold" grpId="0" nodeType="withEffect">
+                                <p:cTn id="17" presetID="10" presetClass="entr" presetSubtype="0" fill="hold" nodeType="withEffect">
                                   <p:stCondLst>
                                     <p:cond delay="0"/>
                                   </p:stCondLst>
@@ -6070,7 +6218,7 @@
                                           </p:stCondLst>
                                         </p:cTn>
                                         <p:tgtEl>
-                                          <p:spTgt spid="32"/>
+                                          <p:spTgt spid="93"/>
                                         </p:tgtEl>
                                         <p:attrNameLst>
                                           <p:attrName>style.visibility</p:attrName>
@@ -6084,7 +6232,7 @@
                                       <p:cBhvr>
                                         <p:cTn id="19" dur="500"/>
                                         <p:tgtEl>
-                                          <p:spTgt spid="32"/>
+                                          <p:spTgt spid="93"/>
                                         </p:tgtEl>
                                       </p:cBhvr>
                                     </p:animEffect>
@@ -6092,7 +6240,7 @@
                                 </p:cTn>
                               </p:par>
                               <p:par>
-                                <p:cTn id="20" presetID="10" presetClass="entr" presetSubtype="0" fill="hold" nodeType="withEffect">
+                                <p:cTn id="20" presetID="10" presetClass="entr" presetSubtype="0" fill="hold" grpId="0" nodeType="withEffect">
                                   <p:stCondLst>
                                     <p:cond delay="0"/>
                                   </p:stCondLst>
@@ -6105,7 +6253,7 @@
                                           </p:stCondLst>
                                         </p:cTn>
                                         <p:tgtEl>
-                                          <p:spTgt spid="39"/>
+                                          <p:spTgt spid="101"/>
                                         </p:tgtEl>
                                         <p:attrNameLst>
                                           <p:attrName>style.visibility</p:attrName>
@@ -6119,7 +6267,7 @@
                                       <p:cBhvr>
                                         <p:cTn id="22" dur="500"/>
                                         <p:tgtEl>
-                                          <p:spTgt spid="39"/>
+                                          <p:spTgt spid="101"/>
                                         </p:tgtEl>
                                       </p:cBhvr>
                                     </p:animEffect>
@@ -6127,7 +6275,7 @@
                                 </p:cTn>
                               </p:par>
                               <p:par>
-                                <p:cTn id="23" presetID="10" presetClass="entr" presetSubtype="0" fill="hold" nodeType="withEffect">
+                                <p:cTn id="23" presetID="10" presetClass="entr" presetSubtype="0" fill="hold" grpId="0" nodeType="withEffect">
                                   <p:stCondLst>
                                     <p:cond delay="0"/>
                                   </p:stCondLst>
@@ -6140,7 +6288,7 @@
                                           </p:stCondLst>
                                         </p:cTn>
                                         <p:tgtEl>
-                                          <p:spTgt spid="45"/>
+                                          <p:spTgt spid="102"/>
                                         </p:tgtEl>
                                         <p:attrNameLst>
                                           <p:attrName>style.visibility</p:attrName>
@@ -6154,7 +6302,7 @@
                                       <p:cBhvr>
                                         <p:cTn id="25" dur="500"/>
                                         <p:tgtEl>
-                                          <p:spTgt spid="45"/>
+                                          <p:spTgt spid="102"/>
                                         </p:tgtEl>
                                       </p:cBhvr>
                                     </p:animEffect>
@@ -6162,7 +6310,7 @@
                                 </p:cTn>
                               </p:par>
                               <p:par>
-                                <p:cTn id="26" presetID="10" presetClass="entr" presetSubtype="0" fill="hold" nodeType="withEffect">
+                                <p:cTn id="26" presetID="10" presetClass="entr" presetSubtype="0" fill="hold" grpId="0" nodeType="withEffect">
                                   <p:stCondLst>
                                     <p:cond delay="0"/>
                                   </p:stCondLst>
@@ -6175,7 +6323,7 @@
                                           </p:stCondLst>
                                         </p:cTn>
                                         <p:tgtEl>
-                                          <p:spTgt spid="51"/>
+                                          <p:spTgt spid="103"/>
                                         </p:tgtEl>
                                         <p:attrNameLst>
                                           <p:attrName>style.visibility</p:attrName>
@@ -6189,7 +6337,7 @@
                                       <p:cBhvr>
                                         <p:cTn id="28" dur="500"/>
                                         <p:tgtEl>
-                                          <p:spTgt spid="51"/>
+                                          <p:spTgt spid="103"/>
                                         </p:tgtEl>
                                       </p:cBhvr>
                                     </p:animEffect>
@@ -6197,7 +6345,7 @@
                                 </p:cTn>
                               </p:par>
                               <p:par>
-                                <p:cTn id="29" presetID="10" presetClass="entr" presetSubtype="0" fill="hold" nodeType="withEffect">
+                                <p:cTn id="29" presetID="10" presetClass="entr" presetSubtype="0" fill="hold" grpId="0" nodeType="withEffect">
                                   <p:stCondLst>
                                     <p:cond delay="0"/>
                                   </p:stCondLst>
@@ -6210,7 +6358,7 @@
                                           </p:stCondLst>
                                         </p:cTn>
                                         <p:tgtEl>
-                                          <p:spTgt spid="52"/>
+                                          <p:spTgt spid="104"/>
                                         </p:tgtEl>
                                         <p:attrNameLst>
                                           <p:attrName>style.visibility</p:attrName>
@@ -6224,7 +6372,7 @@
                                       <p:cBhvr>
                                         <p:cTn id="31" dur="500"/>
                                         <p:tgtEl>
-                                          <p:spTgt spid="52"/>
+                                          <p:spTgt spid="104"/>
                                         </p:tgtEl>
                                       </p:cBhvr>
                                     </p:animEffect>
@@ -6232,7 +6380,7 @@
                                 </p:cTn>
                               </p:par>
                               <p:par>
-                                <p:cTn id="32" presetID="10" presetClass="entr" presetSubtype="0" fill="hold" nodeType="withEffect">
+                                <p:cTn id="32" presetID="10" presetClass="entr" presetSubtype="0" fill="hold" grpId="0" nodeType="withEffect">
                                   <p:stCondLst>
                                     <p:cond delay="0"/>
                                   </p:stCondLst>
@@ -6245,7 +6393,7 @@
                                           </p:stCondLst>
                                         </p:cTn>
                                         <p:tgtEl>
-                                          <p:spTgt spid="54"/>
+                                          <p:spTgt spid="105"/>
                                         </p:tgtEl>
                                         <p:attrNameLst>
                                           <p:attrName>style.visibility</p:attrName>
@@ -6259,7 +6407,7 @@
                                       <p:cBhvr>
                                         <p:cTn id="34" dur="500"/>
                                         <p:tgtEl>
-                                          <p:spTgt spid="54"/>
+                                          <p:spTgt spid="105"/>
                                         </p:tgtEl>
                                       </p:cBhvr>
                                     </p:animEffect>
@@ -6280,7 +6428,7 @@
                                           </p:stCondLst>
                                         </p:cTn>
                                         <p:tgtEl>
-                                          <p:spTgt spid="43"/>
+                                          <p:spTgt spid="146"/>
                                         </p:tgtEl>
                                         <p:attrNameLst>
                                           <p:attrName>style.visibility</p:attrName>
@@ -6294,7 +6442,7 @@
                                       <p:cBhvr>
                                         <p:cTn id="37" dur="500"/>
                                         <p:tgtEl>
-                                          <p:spTgt spid="43"/>
+                                          <p:spTgt spid="146"/>
                                         </p:tgtEl>
                                       </p:cBhvr>
                                     </p:animEffect>
@@ -6302,7 +6450,7 @@
                                 </p:cTn>
                               </p:par>
                               <p:par>
-                                <p:cTn id="38" presetID="10" presetClass="entr" presetSubtype="0" fill="hold" nodeType="withEffect">
+                                <p:cTn id="38" presetID="10" presetClass="entr" presetSubtype="0" fill="hold" grpId="0" nodeType="withEffect">
                                   <p:stCondLst>
                                     <p:cond delay="0"/>
                                   </p:stCondLst>
@@ -6315,7 +6463,7 @@
                                           </p:stCondLst>
                                         </p:cTn>
                                         <p:tgtEl>
-                                          <p:spTgt spid="46"/>
+                                          <p:spTgt spid="147"/>
                                         </p:tgtEl>
                                         <p:attrNameLst>
                                           <p:attrName>style.visibility</p:attrName>
@@ -6329,322 +6477,7 @@
                                       <p:cBhvr>
                                         <p:cTn id="40" dur="500"/>
                                         <p:tgtEl>
-                                          <p:spTgt spid="46"/>
-                                        </p:tgtEl>
-                                      </p:cBhvr>
-                                    </p:animEffect>
-                                  </p:childTnLst>
-                                </p:cTn>
-                              </p:par>
-                              <p:par>
-                                <p:cTn id="41" presetID="10" presetClass="entr" presetSubtype="0" fill="hold" grpId="0" nodeType="withEffect">
-                                  <p:stCondLst>
-                                    <p:cond delay="0"/>
-                                  </p:stCondLst>
-                                  <p:childTnLst>
-                                    <p:set>
-                                      <p:cBhvr>
-                                        <p:cTn id="42" dur="1" fill="hold">
-                                          <p:stCondLst>
-                                            <p:cond delay="0"/>
-                                          </p:stCondLst>
-                                        </p:cTn>
-                                        <p:tgtEl>
-                                          <p:spTgt spid="55"/>
-                                        </p:tgtEl>
-                                        <p:attrNameLst>
-                                          <p:attrName>style.visibility</p:attrName>
-                                        </p:attrNameLst>
-                                      </p:cBhvr>
-                                      <p:to>
-                                        <p:strVal val="visible"/>
-                                      </p:to>
-                                    </p:set>
-                                    <p:animEffect transition="in" filter="fade">
-                                      <p:cBhvr>
-                                        <p:cTn id="43" dur="500"/>
-                                        <p:tgtEl>
-                                          <p:spTgt spid="55"/>
-                                        </p:tgtEl>
-                                      </p:cBhvr>
-                                    </p:animEffect>
-                                  </p:childTnLst>
-                                </p:cTn>
-                              </p:par>
-                              <p:par>
-                                <p:cTn id="44" presetID="10" presetClass="entr" presetSubtype="0" fill="hold" grpId="0" nodeType="withEffect">
-                                  <p:stCondLst>
-                                    <p:cond delay="0"/>
-                                  </p:stCondLst>
-                                  <p:childTnLst>
-                                    <p:set>
-                                      <p:cBhvr>
-                                        <p:cTn id="45" dur="1" fill="hold">
-                                          <p:stCondLst>
-                                            <p:cond delay="0"/>
-                                          </p:stCondLst>
-                                        </p:cTn>
-                                        <p:tgtEl>
-                                          <p:spTgt spid="56"/>
-                                        </p:tgtEl>
-                                        <p:attrNameLst>
-                                          <p:attrName>style.visibility</p:attrName>
-                                        </p:attrNameLst>
-                                      </p:cBhvr>
-                                      <p:to>
-                                        <p:strVal val="visible"/>
-                                      </p:to>
-                                    </p:set>
-                                    <p:animEffect transition="in" filter="fade">
-                                      <p:cBhvr>
-                                        <p:cTn id="46" dur="500"/>
-                                        <p:tgtEl>
-                                          <p:spTgt spid="56"/>
-                                        </p:tgtEl>
-                                      </p:cBhvr>
-                                    </p:animEffect>
-                                  </p:childTnLst>
-                                </p:cTn>
-                              </p:par>
-                              <p:par>
-                                <p:cTn id="47" presetID="10" presetClass="entr" presetSubtype="0" fill="hold" grpId="0" nodeType="withEffect">
-                                  <p:stCondLst>
-                                    <p:cond delay="0"/>
-                                  </p:stCondLst>
-                                  <p:childTnLst>
-                                    <p:set>
-                                      <p:cBhvr>
-                                        <p:cTn id="48" dur="1" fill="hold">
-                                          <p:stCondLst>
-                                            <p:cond delay="0"/>
-                                          </p:stCondLst>
-                                        </p:cTn>
-                                        <p:tgtEl>
-                                          <p:spTgt spid="126"/>
-                                        </p:tgtEl>
-                                        <p:attrNameLst>
-                                          <p:attrName>style.visibility</p:attrName>
-                                        </p:attrNameLst>
-                                      </p:cBhvr>
-                                      <p:to>
-                                        <p:strVal val="visible"/>
-                                      </p:to>
-                                    </p:set>
-                                    <p:animEffect transition="in" filter="fade">
-                                      <p:cBhvr>
-                                        <p:cTn id="49" dur="500"/>
-                                        <p:tgtEl>
-                                          <p:spTgt spid="126"/>
-                                        </p:tgtEl>
-                                      </p:cBhvr>
-                                    </p:animEffect>
-                                  </p:childTnLst>
-                                </p:cTn>
-                              </p:par>
-                              <p:par>
-                                <p:cTn id="50" presetID="10" presetClass="entr" presetSubtype="0" fill="hold" grpId="0" nodeType="withEffect">
-                                  <p:stCondLst>
-                                    <p:cond delay="0"/>
-                                  </p:stCondLst>
-                                  <p:childTnLst>
-                                    <p:set>
-                                      <p:cBhvr>
-                                        <p:cTn id="51" dur="1" fill="hold">
-                                          <p:stCondLst>
-                                            <p:cond delay="0"/>
-                                          </p:stCondLst>
-                                        </p:cTn>
-                                        <p:tgtEl>
-                                          <p:spTgt spid="127"/>
-                                        </p:tgtEl>
-                                        <p:attrNameLst>
-                                          <p:attrName>style.visibility</p:attrName>
-                                        </p:attrNameLst>
-                                      </p:cBhvr>
-                                      <p:to>
-                                        <p:strVal val="visible"/>
-                                      </p:to>
-                                    </p:set>
-                                    <p:animEffect transition="in" filter="fade">
-                                      <p:cBhvr>
-                                        <p:cTn id="52" dur="500"/>
-                                        <p:tgtEl>
-                                          <p:spTgt spid="127"/>
-                                        </p:tgtEl>
-                                      </p:cBhvr>
-                                    </p:animEffect>
-                                  </p:childTnLst>
-                                </p:cTn>
-                              </p:par>
-                              <p:par>
-                                <p:cTn id="53" presetID="10" presetClass="entr" presetSubtype="0" fill="hold" grpId="0" nodeType="withEffect">
-                                  <p:stCondLst>
-                                    <p:cond delay="0"/>
-                                  </p:stCondLst>
-                                  <p:childTnLst>
-                                    <p:set>
-                                      <p:cBhvr>
-                                        <p:cTn id="54" dur="1" fill="hold">
-                                          <p:stCondLst>
-                                            <p:cond delay="0"/>
-                                          </p:stCondLst>
-                                        </p:cTn>
-                                        <p:tgtEl>
-                                          <p:spTgt spid="128"/>
-                                        </p:tgtEl>
-                                        <p:attrNameLst>
-                                          <p:attrName>style.visibility</p:attrName>
-                                        </p:attrNameLst>
-                                      </p:cBhvr>
-                                      <p:to>
-                                        <p:strVal val="visible"/>
-                                      </p:to>
-                                    </p:set>
-                                    <p:animEffect transition="in" filter="fade">
-                                      <p:cBhvr>
-                                        <p:cTn id="55" dur="500"/>
-                                        <p:tgtEl>
-                                          <p:spTgt spid="128"/>
-                                        </p:tgtEl>
-                                      </p:cBhvr>
-                                    </p:animEffect>
-                                  </p:childTnLst>
-                                </p:cTn>
-                              </p:par>
-                              <p:par>
-                                <p:cTn id="56" presetID="10" presetClass="entr" presetSubtype="0" fill="hold" grpId="0" nodeType="withEffect">
-                                  <p:stCondLst>
-                                    <p:cond delay="0"/>
-                                  </p:stCondLst>
-                                  <p:childTnLst>
-                                    <p:set>
-                                      <p:cBhvr>
-                                        <p:cTn id="57" dur="1" fill="hold">
-                                          <p:stCondLst>
-                                            <p:cond delay="0"/>
-                                          </p:stCondLst>
-                                        </p:cTn>
-                                        <p:tgtEl>
-                                          <p:spTgt spid="134"/>
-                                        </p:tgtEl>
-                                        <p:attrNameLst>
-                                          <p:attrName>style.visibility</p:attrName>
-                                        </p:attrNameLst>
-                                      </p:cBhvr>
-                                      <p:to>
-                                        <p:strVal val="visible"/>
-                                      </p:to>
-                                    </p:set>
-                                    <p:animEffect transition="in" filter="fade">
-                                      <p:cBhvr>
-                                        <p:cTn id="58" dur="500"/>
-                                        <p:tgtEl>
-                                          <p:spTgt spid="134"/>
-                                        </p:tgtEl>
-                                      </p:cBhvr>
-                                    </p:animEffect>
-                                  </p:childTnLst>
-                                </p:cTn>
-                              </p:par>
-                              <p:par>
-                                <p:cTn id="59" presetID="10" presetClass="entr" presetSubtype="0" fill="hold" grpId="0" nodeType="withEffect">
-                                  <p:stCondLst>
-                                    <p:cond delay="0"/>
-                                  </p:stCondLst>
-                                  <p:childTnLst>
-                                    <p:set>
-                                      <p:cBhvr>
-                                        <p:cTn id="60" dur="1" fill="hold">
-                                          <p:stCondLst>
-                                            <p:cond delay="0"/>
-                                          </p:stCondLst>
-                                        </p:cTn>
-                                        <p:tgtEl>
-                                          <p:spTgt spid="159"/>
-                                        </p:tgtEl>
-                                        <p:attrNameLst>
-                                          <p:attrName>style.visibility</p:attrName>
-                                        </p:attrNameLst>
-                                      </p:cBhvr>
-                                      <p:to>
-                                        <p:strVal val="visible"/>
-                                      </p:to>
-                                    </p:set>
-                                    <p:animEffect transition="in" filter="fade">
-                                      <p:cBhvr>
-                                        <p:cTn id="61" dur="500"/>
-                                        <p:tgtEl>
-                                          <p:spTgt spid="159"/>
-                                        </p:tgtEl>
-                                      </p:cBhvr>
-                                    </p:animEffect>
-                                  </p:childTnLst>
-                                </p:cTn>
-                              </p:par>
-                              <p:par>
-                                <p:cTn id="62" presetID="10" presetClass="entr" presetSubtype="0" fill="hold" nodeType="withEffect">
-                                  <p:stCondLst>
-                                    <p:cond delay="0"/>
-                                  </p:stCondLst>
-                                  <p:childTnLst>
-                                    <p:set>
-                                      <p:cBhvr>
-                                        <p:cTn id="63" dur="1" fill="hold">
-                                          <p:stCondLst>
-                                            <p:cond delay="0"/>
-                                          </p:stCondLst>
-                                        </p:cTn>
-                                        <p:tgtEl>
-                                          <p:spTgt spid="166"/>
-                                        </p:tgtEl>
-                                        <p:attrNameLst>
-                                          <p:attrName>style.visibility</p:attrName>
-                                        </p:attrNameLst>
-                                      </p:cBhvr>
-                                      <p:to>
-                                        <p:strVal val="visible"/>
-                                      </p:to>
-                                    </p:set>
-                                    <p:animEffect transition="in" filter="fade">
-                                      <p:cBhvr>
-                                        <p:cTn id="64" dur="500"/>
-                                        <p:tgtEl>
-                                          <p:spTgt spid="166"/>
-                                        </p:tgtEl>
-                                      </p:cBhvr>
-                                    </p:animEffect>
-                                  </p:childTnLst>
-                                </p:cTn>
-                              </p:par>
-                              <p:par>
-                                <p:cTn id="65" presetID="10" presetClass="entr" presetSubtype="0" fill="hold" grpId="0" nodeType="withEffect">
-                                  <p:stCondLst>
-                                    <p:cond delay="0"/>
-                                  </p:stCondLst>
-                                  <p:childTnLst>
-                                    <p:set>
-                                      <p:cBhvr>
-                                        <p:cTn id="66" dur="1" fill="hold">
-                                          <p:stCondLst>
-                                            <p:cond delay="0"/>
-                                          </p:stCondLst>
-                                        </p:cTn>
-                                        <p:tgtEl>
-                                          <p:spTgt spid="168"/>
-                                        </p:tgtEl>
-                                        <p:attrNameLst>
-                                          <p:attrName>style.visibility</p:attrName>
-                                        </p:attrNameLst>
-                                      </p:cBhvr>
-                                      <p:to>
-                                        <p:strVal val="visible"/>
-                                      </p:to>
-                                    </p:set>
-                                    <p:animEffect transition="in" filter="fade">
-                                      <p:cBhvr>
-                                        <p:cTn id="67" dur="500"/>
-                                        <p:tgtEl>
-                                          <p:spTgt spid="168"/>
+                                          <p:spTgt spid="147"/>
                                         </p:tgtEl>
                                       </p:cBhvr>
                                     </p:animEffect>
@@ -6679,19 +6512,14 @@
       </p:par>
     </p:tnLst>
     <p:bldLst>
-      <p:bldP spid="22" grpId="0" animBg="1"/>
-      <p:bldP spid="23" grpId="0"/>
-      <p:bldP spid="28" grpId="0" animBg="1"/>
-      <p:bldP spid="30" grpId="0"/>
-      <p:bldP spid="32" grpId="0"/>
-      <p:bldP spid="55" grpId="0" animBg="1"/>
-      <p:bldP spid="56" grpId="0" animBg="1"/>
-      <p:bldP spid="126" grpId="0" animBg="1"/>
-      <p:bldP spid="127" grpId="0" animBg="1"/>
-      <p:bldP spid="128" grpId="0"/>
-      <p:bldP spid="134" grpId="0" animBg="1"/>
-      <p:bldP spid="159" grpId="0"/>
-      <p:bldP spid="168" grpId="0" animBg="1"/>
+      <p:bldP spid="82" grpId="0" animBg="1"/>
+      <p:bldP spid="84" grpId="0"/>
+      <p:bldP spid="101" grpId="0" animBg="1"/>
+      <p:bldP spid="102" grpId="0" animBg="1"/>
+      <p:bldP spid="103" grpId="0" animBg="1"/>
+      <p:bldP spid="104" grpId="0" animBg="1"/>
+      <p:bldP spid="105" grpId="0" animBg="1"/>
+      <p:bldP spid="147" grpId="0" animBg="1"/>
     </p:bldLst>
   </p:timing>
 </p:sld>
